--- a/윤리와철학/수업 ppt/인간 동물 기계 %284%29 - 인간과 인공지능의 차이는 무엇인가. 창의성과 자기의식.pptx
+++ b/윤리와철학/수업 ppt/인간 동물 기계 %284%29 - 인간과 인공지능의 차이는 무엇인가. 창의성과 자기의식.pptx
@@ -271,7 +271,7 @@
           </a:lstStyle>
           <a:p>
             <a:r>
-              <a:rPr kumimoji="0" lang="ko-KR" altLang="en-US" smtClean="0"/>
+              <a:rPr kumimoji="0" lang="ko-KR" altLang="en-US"/>
               <a:t>마스터 제목 스타일 편집</a:t>
             </a:r>
             <a:endParaRPr kumimoji="0" lang="en-US"/>
@@ -333,7 +333,7 @@
           </a:lstStyle>
           <a:p>
             <a:r>
-              <a:rPr kumimoji="0" lang="ko-KR" altLang="en-US" smtClean="0"/>
+              <a:rPr kumimoji="0" lang="ko-KR" altLang="en-US"/>
               <a:t>마스터 부제목 스타일 편집</a:t>
             </a:r>
             <a:endParaRPr kumimoji="0" lang="en-US"/>
@@ -756,7 +756,7 @@
             <a:fld id="{EF15FFD7-0F08-459D-B857-A2DD076EAF6C}" type="datetimeFigureOut">
               <a:rPr lang="ko-KR" altLang="en-US" smtClean="0"/>
               <a:pPr/>
-              <a:t>2018-05-13</a:t>
+              <a:t>2018-05-25</a:t>
             </a:fld>
             <a:endParaRPr lang="ko-KR" altLang="en-US"/>
           </a:p>
@@ -866,7 +866,7 @@
           <a:lstStyle/>
           <a:p>
             <a:r>
-              <a:rPr kumimoji="0" lang="ko-KR" altLang="en-US" smtClean="0"/>
+              <a:rPr kumimoji="0" lang="ko-KR" altLang="en-US"/>
               <a:t>마스터 제목 스타일 편집</a:t>
             </a:r>
             <a:endParaRPr kumimoji="0" lang="en-US"/>
@@ -895,35 +895,35 @@
           <a:p>
             <a:pPr lvl="0" eaLnBrk="1" latinLnBrk="0" hangingPunct="1"/>
             <a:r>
-              <a:rPr lang="ko-KR" altLang="en-US" smtClean="0"/>
+              <a:rPr lang="ko-KR" altLang="en-US"/>
               <a:t>마스터 텍스트 스타일을 편집합니다</a:t>
             </a:r>
           </a:p>
           <a:p>
             <a:pPr lvl="1" eaLnBrk="1" latinLnBrk="0" hangingPunct="1"/>
             <a:r>
-              <a:rPr lang="ko-KR" altLang="en-US" smtClean="0"/>
+              <a:rPr lang="ko-KR" altLang="en-US"/>
               <a:t>둘째 수준</a:t>
             </a:r>
           </a:p>
           <a:p>
             <a:pPr lvl="2" eaLnBrk="1" latinLnBrk="0" hangingPunct="1"/>
             <a:r>
-              <a:rPr lang="ko-KR" altLang="en-US" smtClean="0"/>
+              <a:rPr lang="ko-KR" altLang="en-US"/>
               <a:t>셋째 수준</a:t>
             </a:r>
           </a:p>
           <a:p>
             <a:pPr lvl="3" eaLnBrk="1" latinLnBrk="0" hangingPunct="1"/>
             <a:r>
-              <a:rPr lang="ko-KR" altLang="en-US" smtClean="0"/>
+              <a:rPr lang="ko-KR" altLang="en-US"/>
               <a:t>넷째 수준</a:t>
             </a:r>
           </a:p>
           <a:p>
             <a:pPr lvl="4" eaLnBrk="1" latinLnBrk="0" hangingPunct="1"/>
             <a:r>
-              <a:rPr lang="ko-KR" altLang="en-US" smtClean="0"/>
+              <a:rPr lang="ko-KR" altLang="en-US"/>
               <a:t>다섯째 수준</a:t>
             </a:r>
             <a:endParaRPr kumimoji="0" lang="en-US"/>
@@ -948,7 +948,7 @@
             <a:fld id="{EF15FFD7-0F08-459D-B857-A2DD076EAF6C}" type="datetimeFigureOut">
               <a:rPr lang="ko-KR" altLang="en-US" smtClean="0"/>
               <a:pPr/>
-              <a:t>2018-05-13</a:t>
+              <a:t>2018-05-25</a:t>
             </a:fld>
             <a:endParaRPr lang="ko-KR" altLang="en-US"/>
           </a:p>
@@ -1043,7 +1043,7 @@
           <a:lstStyle/>
           <a:p>
             <a:r>
-              <a:rPr kumimoji="0" lang="ko-KR" altLang="en-US" smtClean="0"/>
+              <a:rPr kumimoji="0" lang="ko-KR" altLang="en-US"/>
               <a:t>마스터 제목 스타일 편집</a:t>
             </a:r>
             <a:endParaRPr kumimoji="0" lang="en-US"/>
@@ -1072,35 +1072,35 @@
           <a:p>
             <a:pPr lvl="0" eaLnBrk="1" latinLnBrk="0" hangingPunct="1"/>
             <a:r>
-              <a:rPr lang="ko-KR" altLang="en-US" smtClean="0"/>
+              <a:rPr lang="ko-KR" altLang="en-US"/>
               <a:t>마스터 텍스트 스타일을 편집합니다</a:t>
             </a:r>
           </a:p>
           <a:p>
             <a:pPr lvl="1" eaLnBrk="1" latinLnBrk="0" hangingPunct="1"/>
             <a:r>
-              <a:rPr lang="ko-KR" altLang="en-US" smtClean="0"/>
+              <a:rPr lang="ko-KR" altLang="en-US"/>
               <a:t>둘째 수준</a:t>
             </a:r>
           </a:p>
           <a:p>
             <a:pPr lvl="2" eaLnBrk="1" latinLnBrk="0" hangingPunct="1"/>
             <a:r>
-              <a:rPr lang="ko-KR" altLang="en-US" smtClean="0"/>
+              <a:rPr lang="ko-KR" altLang="en-US"/>
               <a:t>셋째 수준</a:t>
             </a:r>
           </a:p>
           <a:p>
             <a:pPr lvl="3" eaLnBrk="1" latinLnBrk="0" hangingPunct="1"/>
             <a:r>
-              <a:rPr lang="ko-KR" altLang="en-US" smtClean="0"/>
+              <a:rPr lang="ko-KR" altLang="en-US"/>
               <a:t>넷째 수준</a:t>
             </a:r>
           </a:p>
           <a:p>
             <a:pPr lvl="4" eaLnBrk="1" latinLnBrk="0" hangingPunct="1"/>
             <a:r>
-              <a:rPr lang="ko-KR" altLang="en-US" smtClean="0"/>
+              <a:rPr lang="ko-KR" altLang="en-US"/>
               <a:t>다섯째 수준</a:t>
             </a:r>
             <a:endParaRPr kumimoji="0" lang="en-US"/>
@@ -1125,7 +1125,7 @@
             <a:fld id="{EF15FFD7-0F08-459D-B857-A2DD076EAF6C}" type="datetimeFigureOut">
               <a:rPr lang="ko-KR" altLang="en-US" smtClean="0"/>
               <a:pPr/>
-              <a:t>2018-05-13</a:t>
+              <a:t>2018-05-25</a:t>
             </a:fld>
             <a:endParaRPr lang="ko-KR" altLang="en-US"/>
           </a:p>
@@ -1216,35 +1216,35 @@
           <a:p>
             <a:pPr lvl="0" eaLnBrk="1" latinLnBrk="0" hangingPunct="1"/>
             <a:r>
-              <a:rPr lang="ko-KR" altLang="en-US" smtClean="0"/>
+              <a:rPr lang="ko-KR" altLang="en-US"/>
               <a:t>마스터 텍스트 스타일을 편집합니다</a:t>
             </a:r>
           </a:p>
           <a:p>
             <a:pPr lvl="1" eaLnBrk="1" latinLnBrk="0" hangingPunct="1"/>
             <a:r>
-              <a:rPr lang="ko-KR" altLang="en-US" smtClean="0"/>
+              <a:rPr lang="ko-KR" altLang="en-US"/>
               <a:t>둘째 수준</a:t>
             </a:r>
           </a:p>
           <a:p>
             <a:pPr lvl="2" eaLnBrk="1" latinLnBrk="0" hangingPunct="1"/>
             <a:r>
-              <a:rPr lang="ko-KR" altLang="en-US" smtClean="0"/>
+              <a:rPr lang="ko-KR" altLang="en-US"/>
               <a:t>셋째 수준</a:t>
             </a:r>
           </a:p>
           <a:p>
             <a:pPr lvl="3" eaLnBrk="1" latinLnBrk="0" hangingPunct="1"/>
             <a:r>
-              <a:rPr lang="ko-KR" altLang="en-US" smtClean="0"/>
+              <a:rPr lang="ko-KR" altLang="en-US"/>
               <a:t>넷째 수준</a:t>
             </a:r>
           </a:p>
           <a:p>
             <a:pPr lvl="4" eaLnBrk="1" latinLnBrk="0" hangingPunct="1"/>
             <a:r>
-              <a:rPr lang="ko-KR" altLang="en-US" smtClean="0"/>
+              <a:rPr lang="ko-KR" altLang="en-US"/>
               <a:t>다섯째 수준</a:t>
             </a:r>
             <a:endParaRPr kumimoji="0" lang="en-US"/>
@@ -1269,7 +1269,7 @@
             <a:fld id="{EF15FFD7-0F08-459D-B857-A2DD076EAF6C}" type="datetimeFigureOut">
               <a:rPr lang="ko-KR" altLang="en-US" smtClean="0"/>
               <a:pPr/>
-              <a:t>2018-05-13</a:t>
+              <a:t>2018-05-25</a:t>
             </a:fld>
             <a:endParaRPr lang="ko-KR" altLang="en-US"/>
           </a:p>
@@ -1334,7 +1334,7 @@
           <a:lstStyle/>
           <a:p>
             <a:r>
-              <a:rPr kumimoji="0" lang="ko-KR" altLang="en-US" smtClean="0"/>
+              <a:rPr kumimoji="0" lang="ko-KR" altLang="en-US"/>
               <a:t>마스터 제목 스타일 편집</a:t>
             </a:r>
             <a:endParaRPr kumimoji="0" lang="en-US"/>
@@ -1415,7 +1415,7 @@
           </a:lstStyle>
           <a:p>
             <a:r>
-              <a:rPr kumimoji="0" lang="ko-KR" altLang="en-US" smtClean="0"/>
+              <a:rPr kumimoji="0" lang="ko-KR" altLang="en-US"/>
               <a:t>마스터 제목 스타일 편집</a:t>
             </a:r>
             <a:endParaRPr kumimoji="0" lang="en-US"/>
@@ -1494,7 +1494,7 @@
           <a:p>
             <a:pPr lvl="0" eaLnBrk="1" latinLnBrk="0" hangingPunct="1"/>
             <a:r>
-              <a:rPr kumimoji="0" lang="ko-KR" altLang="en-US" smtClean="0"/>
+              <a:rPr kumimoji="0" lang="ko-KR" altLang="en-US"/>
               <a:t>마스터 텍스트 스타일을 편집합니다</a:t>
             </a:r>
           </a:p>
@@ -1518,7 +1518,7 @@
             <a:fld id="{EF15FFD7-0F08-459D-B857-A2DD076EAF6C}" type="datetimeFigureOut">
               <a:rPr lang="ko-KR" altLang="en-US" smtClean="0"/>
               <a:pPr/>
-              <a:t>2018-05-13</a:t>
+              <a:t>2018-05-25</a:t>
             </a:fld>
             <a:endParaRPr lang="ko-KR" altLang="en-US"/>
           </a:p>
@@ -1792,35 +1792,35 @@
           <a:p>
             <a:pPr lvl="0" eaLnBrk="1" latinLnBrk="0" hangingPunct="1"/>
             <a:r>
-              <a:rPr lang="ko-KR" altLang="en-US" smtClean="0"/>
+              <a:rPr lang="ko-KR" altLang="en-US"/>
               <a:t>마스터 텍스트 스타일을 편집합니다</a:t>
             </a:r>
           </a:p>
           <a:p>
             <a:pPr lvl="1" eaLnBrk="1" latinLnBrk="0" hangingPunct="1"/>
             <a:r>
-              <a:rPr lang="ko-KR" altLang="en-US" smtClean="0"/>
+              <a:rPr lang="ko-KR" altLang="en-US"/>
               <a:t>둘째 수준</a:t>
             </a:r>
           </a:p>
           <a:p>
             <a:pPr lvl="2" eaLnBrk="1" latinLnBrk="0" hangingPunct="1"/>
             <a:r>
-              <a:rPr lang="ko-KR" altLang="en-US" smtClean="0"/>
+              <a:rPr lang="ko-KR" altLang="en-US"/>
               <a:t>셋째 수준</a:t>
             </a:r>
           </a:p>
           <a:p>
             <a:pPr lvl="3" eaLnBrk="1" latinLnBrk="0" hangingPunct="1"/>
             <a:r>
-              <a:rPr lang="ko-KR" altLang="en-US" smtClean="0"/>
+              <a:rPr lang="ko-KR" altLang="en-US"/>
               <a:t>넷째 수준</a:t>
             </a:r>
           </a:p>
           <a:p>
             <a:pPr lvl="4" eaLnBrk="1" latinLnBrk="0" hangingPunct="1"/>
             <a:r>
-              <a:rPr lang="ko-KR" altLang="en-US" smtClean="0"/>
+              <a:rPr lang="ko-KR" altLang="en-US"/>
               <a:t>다섯째 수준</a:t>
             </a:r>
             <a:endParaRPr kumimoji="0" lang="en-US"/>
@@ -1866,35 +1866,35 @@
           <a:p>
             <a:pPr lvl="0" eaLnBrk="1" latinLnBrk="0" hangingPunct="1"/>
             <a:r>
-              <a:rPr lang="ko-KR" altLang="en-US" smtClean="0"/>
+              <a:rPr lang="ko-KR" altLang="en-US"/>
               <a:t>마스터 텍스트 스타일을 편집합니다</a:t>
             </a:r>
           </a:p>
           <a:p>
             <a:pPr lvl="1" eaLnBrk="1" latinLnBrk="0" hangingPunct="1"/>
             <a:r>
-              <a:rPr lang="ko-KR" altLang="en-US" smtClean="0"/>
+              <a:rPr lang="ko-KR" altLang="en-US"/>
               <a:t>둘째 수준</a:t>
             </a:r>
           </a:p>
           <a:p>
             <a:pPr lvl="2" eaLnBrk="1" latinLnBrk="0" hangingPunct="1"/>
             <a:r>
-              <a:rPr lang="ko-KR" altLang="en-US" smtClean="0"/>
+              <a:rPr lang="ko-KR" altLang="en-US"/>
               <a:t>셋째 수준</a:t>
             </a:r>
           </a:p>
           <a:p>
             <a:pPr lvl="3" eaLnBrk="1" latinLnBrk="0" hangingPunct="1"/>
             <a:r>
-              <a:rPr lang="ko-KR" altLang="en-US" smtClean="0"/>
+              <a:rPr lang="ko-KR" altLang="en-US"/>
               <a:t>넷째 수준</a:t>
             </a:r>
           </a:p>
           <a:p>
             <a:pPr lvl="4" eaLnBrk="1" latinLnBrk="0" hangingPunct="1"/>
             <a:r>
-              <a:rPr lang="ko-KR" altLang="en-US" smtClean="0"/>
+              <a:rPr lang="ko-KR" altLang="en-US"/>
               <a:t>다섯째 수준</a:t>
             </a:r>
             <a:endParaRPr kumimoji="0" lang="en-US"/>
@@ -1919,7 +1919,7 @@
             <a:fld id="{EF15FFD7-0F08-459D-B857-A2DD076EAF6C}" type="datetimeFigureOut">
               <a:rPr lang="ko-KR" altLang="en-US" smtClean="0"/>
               <a:pPr/>
-              <a:t>2018-05-13</a:t>
+              <a:t>2018-05-25</a:t>
             </a:fld>
             <a:endParaRPr lang="ko-KR" altLang="en-US"/>
           </a:p>
@@ -1984,7 +1984,7 @@
           <a:lstStyle/>
           <a:p>
             <a:r>
-              <a:rPr kumimoji="0" lang="ko-KR" altLang="en-US" smtClean="0"/>
+              <a:rPr kumimoji="0" lang="ko-KR" altLang="en-US"/>
               <a:t>마스터 제목 스타일 편집</a:t>
             </a:r>
             <a:endParaRPr kumimoji="0" lang="en-US"/>
@@ -2047,7 +2047,7 @@
           </a:lstStyle>
           <a:p>
             <a:r>
-              <a:rPr kumimoji="0" lang="ko-KR" altLang="en-US" smtClean="0"/>
+              <a:rPr kumimoji="0" lang="ko-KR" altLang="en-US"/>
               <a:t>마스터 제목 스타일 편집</a:t>
             </a:r>
             <a:endParaRPr kumimoji="0" lang="en-US"/>
@@ -2111,7 +2111,7 @@
           <a:p>
             <a:pPr lvl="0" eaLnBrk="1" latinLnBrk="0" hangingPunct="1"/>
             <a:r>
-              <a:rPr kumimoji="0" lang="ko-KR" altLang="en-US" smtClean="0"/>
+              <a:rPr kumimoji="0" lang="ko-KR" altLang="en-US"/>
               <a:t>마스터 텍스트 스타일을 편집합니다</a:t>
             </a:r>
           </a:p>
@@ -2174,7 +2174,7 @@
           <a:p>
             <a:pPr lvl="0" eaLnBrk="1" latinLnBrk="0" hangingPunct="1"/>
             <a:r>
-              <a:rPr kumimoji="0" lang="ko-KR" altLang="en-US" smtClean="0"/>
+              <a:rPr kumimoji="0" lang="ko-KR" altLang="en-US"/>
               <a:t>마스터 텍스트 스타일을 편집합니다</a:t>
             </a:r>
           </a:p>
@@ -2224,35 +2224,35 @@
           <a:p>
             <a:pPr lvl="0" eaLnBrk="1" latinLnBrk="0" hangingPunct="1"/>
             <a:r>
-              <a:rPr lang="ko-KR" altLang="en-US" smtClean="0"/>
+              <a:rPr lang="ko-KR" altLang="en-US"/>
               <a:t>마스터 텍스트 스타일을 편집합니다</a:t>
             </a:r>
           </a:p>
           <a:p>
             <a:pPr lvl="1" eaLnBrk="1" latinLnBrk="0" hangingPunct="1"/>
             <a:r>
-              <a:rPr lang="ko-KR" altLang="en-US" smtClean="0"/>
+              <a:rPr lang="ko-KR" altLang="en-US"/>
               <a:t>둘째 수준</a:t>
             </a:r>
           </a:p>
           <a:p>
             <a:pPr lvl="2" eaLnBrk="1" latinLnBrk="0" hangingPunct="1"/>
             <a:r>
-              <a:rPr lang="ko-KR" altLang="en-US" smtClean="0"/>
+              <a:rPr lang="ko-KR" altLang="en-US"/>
               <a:t>셋째 수준</a:t>
             </a:r>
           </a:p>
           <a:p>
             <a:pPr lvl="3" eaLnBrk="1" latinLnBrk="0" hangingPunct="1"/>
             <a:r>
-              <a:rPr lang="ko-KR" altLang="en-US" smtClean="0"/>
+              <a:rPr lang="ko-KR" altLang="en-US"/>
               <a:t>넷째 수준</a:t>
             </a:r>
           </a:p>
           <a:p>
             <a:pPr lvl="4" eaLnBrk="1" latinLnBrk="0" hangingPunct="1"/>
             <a:r>
-              <a:rPr lang="ko-KR" altLang="en-US" smtClean="0"/>
+              <a:rPr lang="ko-KR" altLang="en-US"/>
               <a:t>다섯째 수준</a:t>
             </a:r>
             <a:endParaRPr kumimoji="0" lang="en-US"/>
@@ -2306,35 +2306,35 @@
           <a:p>
             <a:pPr lvl="0" eaLnBrk="1" latinLnBrk="0" hangingPunct="1"/>
             <a:r>
-              <a:rPr lang="ko-KR" altLang="en-US" smtClean="0"/>
+              <a:rPr lang="ko-KR" altLang="en-US"/>
               <a:t>마스터 텍스트 스타일을 편집합니다</a:t>
             </a:r>
           </a:p>
           <a:p>
             <a:pPr lvl="1" eaLnBrk="1" latinLnBrk="0" hangingPunct="1"/>
             <a:r>
-              <a:rPr lang="ko-KR" altLang="en-US" smtClean="0"/>
+              <a:rPr lang="ko-KR" altLang="en-US"/>
               <a:t>둘째 수준</a:t>
             </a:r>
           </a:p>
           <a:p>
             <a:pPr lvl="2" eaLnBrk="1" latinLnBrk="0" hangingPunct="1"/>
             <a:r>
-              <a:rPr lang="ko-KR" altLang="en-US" smtClean="0"/>
+              <a:rPr lang="ko-KR" altLang="en-US"/>
               <a:t>셋째 수준</a:t>
             </a:r>
           </a:p>
           <a:p>
             <a:pPr lvl="3" eaLnBrk="1" latinLnBrk="0" hangingPunct="1"/>
             <a:r>
-              <a:rPr lang="ko-KR" altLang="en-US" smtClean="0"/>
+              <a:rPr lang="ko-KR" altLang="en-US"/>
               <a:t>넷째 수준</a:t>
             </a:r>
           </a:p>
           <a:p>
             <a:pPr lvl="4" eaLnBrk="1" latinLnBrk="0" hangingPunct="1"/>
             <a:r>
-              <a:rPr lang="ko-KR" altLang="en-US" smtClean="0"/>
+              <a:rPr lang="ko-KR" altLang="en-US"/>
               <a:t>다섯째 수준</a:t>
             </a:r>
             <a:endParaRPr kumimoji="0" lang="en-US"/>
@@ -2359,7 +2359,7 @@
             <a:fld id="{EF15FFD7-0F08-459D-B857-A2DD076EAF6C}" type="datetimeFigureOut">
               <a:rPr lang="ko-KR" altLang="en-US" smtClean="0"/>
               <a:pPr/>
-              <a:t>2018-05-13</a:t>
+              <a:t>2018-05-25</a:t>
             </a:fld>
             <a:endParaRPr lang="ko-KR" altLang="en-US"/>
           </a:p>
@@ -2456,7 +2456,7 @@
             <a:fld id="{EF15FFD7-0F08-459D-B857-A2DD076EAF6C}" type="datetimeFigureOut">
               <a:rPr lang="ko-KR" altLang="en-US" smtClean="0"/>
               <a:pPr/>
-              <a:t>2018-05-13</a:t>
+              <a:t>2018-05-25</a:t>
             </a:fld>
             <a:endParaRPr lang="ko-KR" altLang="en-US"/>
           </a:p>
@@ -2521,7 +2521,7 @@
           <a:lstStyle/>
           <a:p>
             <a:r>
-              <a:rPr kumimoji="0" lang="ko-KR" altLang="en-US" smtClean="0"/>
+              <a:rPr kumimoji="0" lang="ko-KR" altLang="en-US"/>
               <a:t>마스터 제목 스타일 편집</a:t>
             </a:r>
             <a:endParaRPr kumimoji="0" lang="en-US"/>
@@ -2571,7 +2571,7 @@
             <a:fld id="{EF15FFD7-0F08-459D-B857-A2DD076EAF6C}" type="datetimeFigureOut">
               <a:rPr lang="ko-KR" altLang="en-US" smtClean="0"/>
               <a:pPr/>
-              <a:t>2018-05-13</a:t>
+              <a:t>2018-05-25</a:t>
             </a:fld>
             <a:endParaRPr lang="ko-KR" altLang="en-US"/>
           </a:p>
@@ -2687,7 +2687,7 @@
           </a:lstStyle>
           <a:p>
             <a:r>
-              <a:rPr kumimoji="0" lang="ko-KR" altLang="en-US" smtClean="0"/>
+              <a:rPr kumimoji="0" lang="ko-KR" altLang="en-US"/>
               <a:t>마스터 제목 스타일 편집</a:t>
             </a:r>
             <a:endParaRPr kumimoji="0" lang="en-US"/>
@@ -2738,7 +2738,7 @@
           <a:p>
             <a:pPr lvl="0" eaLnBrk="1" latinLnBrk="0" hangingPunct="1"/>
             <a:r>
-              <a:rPr kumimoji="0" lang="ko-KR" altLang="en-US" smtClean="0"/>
+              <a:rPr kumimoji="0" lang="ko-KR" altLang="en-US"/>
               <a:t>마스터 텍스트 스타일을 편집합니다</a:t>
             </a:r>
           </a:p>
@@ -2783,35 +2783,35 @@
           <a:p>
             <a:pPr lvl="0" eaLnBrk="1" latinLnBrk="0" hangingPunct="1"/>
             <a:r>
-              <a:rPr lang="ko-KR" altLang="en-US" smtClean="0"/>
+              <a:rPr lang="ko-KR" altLang="en-US"/>
               <a:t>마스터 텍스트 스타일을 편집합니다</a:t>
             </a:r>
           </a:p>
           <a:p>
             <a:pPr lvl="1" eaLnBrk="1" latinLnBrk="0" hangingPunct="1"/>
             <a:r>
-              <a:rPr lang="ko-KR" altLang="en-US" smtClean="0"/>
+              <a:rPr lang="ko-KR" altLang="en-US"/>
               <a:t>둘째 수준</a:t>
             </a:r>
           </a:p>
           <a:p>
             <a:pPr lvl="2" eaLnBrk="1" latinLnBrk="0" hangingPunct="1"/>
             <a:r>
-              <a:rPr lang="ko-KR" altLang="en-US" smtClean="0"/>
+              <a:rPr lang="ko-KR" altLang="en-US"/>
               <a:t>셋째 수준</a:t>
             </a:r>
           </a:p>
           <a:p>
             <a:pPr lvl="3" eaLnBrk="1" latinLnBrk="0" hangingPunct="1"/>
             <a:r>
-              <a:rPr lang="ko-KR" altLang="en-US" smtClean="0"/>
+              <a:rPr lang="ko-KR" altLang="en-US"/>
               <a:t>넷째 수준</a:t>
             </a:r>
           </a:p>
           <a:p>
             <a:pPr lvl="4" eaLnBrk="1" latinLnBrk="0" hangingPunct="1"/>
             <a:r>
-              <a:rPr lang="ko-KR" altLang="en-US" smtClean="0"/>
+              <a:rPr lang="ko-KR" altLang="en-US"/>
               <a:t>다섯째 수준</a:t>
             </a:r>
             <a:endParaRPr kumimoji="0" lang="en-US"/>
@@ -2841,7 +2841,7 @@
             <a:fld id="{EF15FFD7-0F08-459D-B857-A2DD076EAF6C}" type="datetimeFigureOut">
               <a:rPr lang="ko-KR" altLang="en-US" smtClean="0"/>
               <a:pPr/>
-              <a:t>2018-05-13</a:t>
+              <a:t>2018-05-25</a:t>
             </a:fld>
             <a:endParaRPr lang="ko-KR" altLang="en-US"/>
           </a:p>
@@ -2961,7 +2961,7 @@
           <a:p>
             <a:pPr lvl="0" eaLnBrk="1" latinLnBrk="0" hangingPunct="1"/>
             <a:r>
-              <a:rPr kumimoji="0" lang="ko-KR" altLang="en-US" smtClean="0"/>
+              <a:rPr kumimoji="0" lang="ko-KR" altLang="en-US"/>
               <a:t>마스터 텍스트 스타일을 편집합니다</a:t>
             </a:r>
           </a:p>
@@ -3010,7 +3010,7 @@
           </a:lstStyle>
           <a:p>
             <a:r>
-              <a:rPr kumimoji="0" lang="ko-KR" altLang="en-US" smtClean="0"/>
+              <a:rPr kumimoji="0" lang="ko-KR" altLang="en-US"/>
               <a:t>그림을 추가하려면 아이콘을 클릭하십시오</a:t>
             </a:r>
             <a:endParaRPr kumimoji="0" lang="en-US" dirty="0"/>
@@ -3044,7 +3044,7 @@
             <a:fld id="{EF15FFD7-0F08-459D-B857-A2DD076EAF6C}" type="datetimeFigureOut">
               <a:rPr lang="ko-KR" altLang="en-US" smtClean="0"/>
               <a:pPr/>
-              <a:t>2018-05-13</a:t>
+              <a:t>2018-05-25</a:t>
             </a:fld>
             <a:endParaRPr lang="ko-KR" altLang="en-US"/>
           </a:p>
@@ -3157,7 +3157,7 @@
           </a:lstStyle>
           <a:p>
             <a:r>
-              <a:rPr kumimoji="0" lang="ko-KR" altLang="en-US" smtClean="0"/>
+              <a:rPr kumimoji="0" lang="ko-KR" altLang="en-US"/>
               <a:t>마스터 제목 스타일 편집</a:t>
             </a:r>
             <a:endParaRPr kumimoji="0" lang="en-US"/>
@@ -4031,7 +4031,7 @@
           <a:lstStyle/>
           <a:p>
             <a:r>
-              <a:rPr kumimoji="0" lang="ko-KR" altLang="en-US" smtClean="0"/>
+              <a:rPr kumimoji="0" lang="ko-KR" altLang="en-US"/>
               <a:t>마스터 제목 스타일 편집</a:t>
             </a:r>
             <a:endParaRPr kumimoji="0" lang="en-US"/>
@@ -4065,35 +4065,35 @@
           <a:p>
             <a:pPr lvl="0" eaLnBrk="1" latinLnBrk="0" hangingPunct="1"/>
             <a:r>
-              <a:rPr kumimoji="0" lang="ko-KR" altLang="en-US" smtClean="0"/>
+              <a:rPr kumimoji="0" lang="ko-KR" altLang="en-US"/>
               <a:t>마스터 텍스트 스타일을 편집합니다</a:t>
             </a:r>
           </a:p>
           <a:p>
             <a:pPr lvl="1" eaLnBrk="1" latinLnBrk="0" hangingPunct="1"/>
             <a:r>
-              <a:rPr kumimoji="0" lang="ko-KR" altLang="en-US" smtClean="0"/>
+              <a:rPr kumimoji="0" lang="ko-KR" altLang="en-US"/>
               <a:t>둘째 수준</a:t>
             </a:r>
           </a:p>
           <a:p>
             <a:pPr lvl="2" eaLnBrk="1" latinLnBrk="0" hangingPunct="1"/>
             <a:r>
-              <a:rPr kumimoji="0" lang="ko-KR" altLang="en-US" smtClean="0"/>
+              <a:rPr kumimoji="0" lang="ko-KR" altLang="en-US"/>
               <a:t>셋째 수준</a:t>
             </a:r>
           </a:p>
           <a:p>
             <a:pPr lvl="3" eaLnBrk="1" latinLnBrk="0" hangingPunct="1"/>
             <a:r>
-              <a:rPr kumimoji="0" lang="ko-KR" altLang="en-US" smtClean="0"/>
+              <a:rPr kumimoji="0" lang="ko-KR" altLang="en-US"/>
               <a:t>넷째 수준</a:t>
             </a:r>
           </a:p>
           <a:p>
             <a:pPr lvl="4" eaLnBrk="1" latinLnBrk="0" hangingPunct="1"/>
             <a:r>
-              <a:rPr kumimoji="0" lang="ko-KR" altLang="en-US" smtClean="0"/>
+              <a:rPr kumimoji="0" lang="ko-KR" altLang="en-US"/>
               <a:t>다섯째 수준</a:t>
             </a:r>
             <a:endParaRPr kumimoji="0" lang="en-US"/>
@@ -4135,7 +4135,7 @@
             <a:fld id="{EF15FFD7-0F08-459D-B857-A2DD076EAF6C}" type="datetimeFigureOut">
               <a:rPr lang="ko-KR" altLang="en-US" smtClean="0"/>
               <a:pPr/>
-              <a:t>2018-05-13</a:t>
+              <a:t>2018-05-25</a:t>
             </a:fld>
             <a:endParaRPr lang="ko-KR" altLang="en-US"/>
           </a:p>
@@ -4559,42 +4559,42 @@
           <a:lstStyle/>
           <a:p>
             <a:r>
-              <a:rPr lang="ko-KR" altLang="en-US" dirty="0" smtClean="0">
+              <a:rPr lang="ko-KR" altLang="en-US" dirty="0">
                 <a:latin typeface="나눔고딕" pitchFamily="50" charset="-127"/>
                 <a:ea typeface="나눔고딕" pitchFamily="50" charset="-127"/>
               </a:rPr>
               <a:t>인간</a:t>
             </a:r>
             <a:r>
-              <a:rPr lang="en-US" altLang="ko-KR" dirty="0" smtClean="0">
+              <a:rPr lang="en-US" altLang="ko-KR" dirty="0">
                 <a:latin typeface="나눔고딕" pitchFamily="50" charset="-127"/>
                 <a:ea typeface="나눔고딕" pitchFamily="50" charset="-127"/>
               </a:rPr>
               <a:t>, </a:t>
             </a:r>
             <a:r>
-              <a:rPr lang="ko-KR" altLang="en-US" dirty="0" smtClean="0">
+              <a:rPr lang="ko-KR" altLang="en-US" dirty="0">
                 <a:latin typeface="나눔고딕" pitchFamily="50" charset="-127"/>
                 <a:ea typeface="나눔고딕" pitchFamily="50" charset="-127"/>
               </a:rPr>
               <a:t>동물</a:t>
             </a:r>
             <a:r>
-              <a:rPr lang="en-US" altLang="ko-KR" dirty="0" smtClean="0">
+              <a:rPr lang="en-US" altLang="ko-KR" dirty="0">
                 <a:latin typeface="나눔고딕" pitchFamily="50" charset="-127"/>
                 <a:ea typeface="나눔고딕" pitchFamily="50" charset="-127"/>
               </a:rPr>
               <a:t>, </a:t>
             </a:r>
             <a:r>
-              <a:rPr lang="ko-KR" altLang="en-US" dirty="0" smtClean="0">
+              <a:rPr lang="ko-KR" altLang="en-US" dirty="0">
                 <a:latin typeface="나눔고딕" pitchFamily="50" charset="-127"/>
                 <a:ea typeface="나눔고딕" pitchFamily="50" charset="-127"/>
               </a:rPr>
               <a:t>기계 </a:t>
             </a:r>
             <a:r>
-              <a:rPr lang="en-US" altLang="ko-KR" dirty="0" smtClean="0">
+              <a:rPr lang="en-US" altLang="ko-KR" dirty="0">
                 <a:latin typeface="나눔고딕" pitchFamily="50" charset="-127"/>
                 <a:ea typeface="나눔고딕" pitchFamily="50" charset="-127"/>
               </a:rPr>
@@ -4623,14 +4623,14 @@
           <a:lstStyle/>
           <a:p>
             <a:r>
-              <a:rPr lang="ko-KR" altLang="en-US" b="1" dirty="0" smtClean="0">
+              <a:rPr lang="ko-KR" altLang="en-US" b="1" dirty="0">
                 <a:latin typeface="나눔고딕" pitchFamily="50" charset="-127"/>
                 <a:ea typeface="나눔고딕" pitchFamily="50" charset="-127"/>
               </a:rPr>
               <a:t>인간과 인공지능의 차이는 무엇인가</a:t>
             </a:r>
             <a:r>
-              <a:rPr lang="en-US" altLang="ko-KR" b="1" dirty="0" smtClean="0">
+              <a:rPr lang="en-US" altLang="ko-KR" b="1" dirty="0">
                 <a:latin typeface="나눔고딕" pitchFamily="50" charset="-127"/>
                 <a:ea typeface="나눔고딕" pitchFamily="50" charset="-127"/>
               </a:rPr>
@@ -4639,16 +4639,12 @@
           </a:p>
           <a:p>
             <a:r>
-              <a:rPr lang="ko-KR" altLang="en-US" b="1" dirty="0" smtClean="0">
+              <a:rPr lang="ko-KR" altLang="en-US" b="1" dirty="0">
                 <a:latin typeface="나눔고딕" pitchFamily="50" charset="-127"/>
                 <a:ea typeface="나눔고딕" pitchFamily="50" charset="-127"/>
               </a:rPr>
               <a:t>창의성과 자기의식</a:t>
             </a:r>
-            <a:endParaRPr lang="ko-KR" altLang="en-US" b="1" dirty="0">
-              <a:latin typeface="나눔고딕" pitchFamily="50" charset="-127"/>
-              <a:ea typeface="나눔고딕" pitchFamily="50" charset="-127"/>
-            </a:endParaRPr>
           </a:p>
         </p:txBody>
       </p:sp>
@@ -4764,14 +4760,7 @@
                 <a:latin typeface="나눔고딕"/>
                 <a:ea typeface="나눔고딕"/>
               </a:rPr>
-              <a:t> </a:t>
-            </a:r>
-            <a:r>
-              <a:rPr lang="ko-KR" altLang="en-US" sz="2200" b="1" dirty="0" smtClean="0">
-                <a:latin typeface="나눔고딕"/>
-                <a:ea typeface="나눔고딕"/>
-              </a:rPr>
-              <a:t>비교</a:t>
+              <a:t> 비교</a:t>
             </a:r>
             <a:endParaRPr lang="en-US" altLang="ko-KR" sz="2200" b="1" dirty="0">
               <a:latin typeface="나눔고딕"/>
@@ -4793,14 +4782,14 @@
               <a:t>- </a:t>
             </a:r>
             <a:r>
-              <a:rPr lang="ko-KR" altLang="en-US" sz="2200" b="1" dirty="0" smtClean="0">
+              <a:rPr lang="ko-KR" altLang="en-US" sz="2200" b="1" dirty="0">
                 <a:latin typeface="나눔고딕"/>
                 <a:ea typeface="나눔고딕"/>
               </a:rPr>
               <a:t>레이첼</a:t>
             </a:r>
             <a:r>
-              <a:rPr lang="en-US" altLang="ko-KR" sz="2200" b="1" dirty="0" smtClean="0">
+              <a:rPr lang="en-US" altLang="ko-KR" sz="2200" b="1" dirty="0">
                 <a:latin typeface="나눔고딕"/>
                 <a:ea typeface="나눔고딕"/>
               </a:rPr>
@@ -4896,21 +4885,21 @@
               <a:t>자신의 인격</a:t>
             </a:r>
             <a:r>
-              <a:rPr lang="en-US" altLang="ko-KR" sz="2200" b="1" dirty="0" smtClean="0">
+              <a:rPr lang="en-US" altLang="ko-KR" sz="2200" b="1" dirty="0">
                 <a:latin typeface="나눔고딕"/>
                 <a:ea typeface="나눔고딕"/>
               </a:rPr>
               <a:t>(=‘</a:t>
             </a:r>
             <a:r>
-              <a:rPr lang="ko-KR" altLang="en-US" sz="2200" b="1" dirty="0" smtClean="0">
+              <a:rPr lang="ko-KR" altLang="en-US" sz="2200" b="1" dirty="0">
                 <a:latin typeface="나눔고딕"/>
                 <a:ea typeface="나눔고딕"/>
               </a:rPr>
               <a:t>고스트</a:t>
             </a:r>
             <a:r>
-              <a:rPr lang="en-US" altLang="ko-KR" sz="2200" b="1" dirty="0" smtClean="0">
+              <a:rPr lang="en-US" altLang="ko-KR" sz="2200" b="1" dirty="0">
                 <a:latin typeface="나눔고딕"/>
                 <a:ea typeface="나눔고딕"/>
               </a:rPr>
@@ -5131,7 +5120,7 @@
                 <a:spcPct val="150000"/>
               </a:lnSpc>
             </a:pPr>
-            <a:endParaRPr lang="en-US" altLang="ko-KR" dirty="0" smtClean="0">
+            <a:endParaRPr lang="en-US" altLang="ko-KR" dirty="0">
               <a:latin typeface="나눔고딕" pitchFamily="50" charset="-127"/>
               <a:ea typeface="나눔고딕" pitchFamily="50" charset="-127"/>
             </a:endParaRPr>
@@ -5200,13 +5189,6 @@
   <p:clrMapOvr>
     <a:masterClrMapping/>
   </p:clrMapOvr>
-  <p:timing>
-    <p:tnLst>
-      <p:par>
-        <p:cTn id="1" dur="indefinite" restart="never" nodeType="tmRoot"/>
-      </p:par>
-    </p:tnLst>
-  </p:timing>
 </p:sld>
 </file>
 
@@ -5566,13 +5548,6 @@
   <p:clrMapOvr>
     <a:masterClrMapping/>
   </p:clrMapOvr>
-  <p:timing>
-    <p:tnLst>
-      <p:par>
-        <p:cTn id="1" dur="indefinite" restart="never" nodeType="tmRoot"/>
-      </p:par>
-    </p:tnLst>
-  </p:timing>
 </p:sld>
 </file>
 
@@ -5827,7 +5802,7 @@
         </p:spPr>
         <p:txBody>
           <a:bodyPr>
-            <a:normAutofit/>
+            <a:normAutofit fontScale="90000"/>
           </a:bodyPr>
           <a:lstStyle/>
           <a:p>
@@ -5885,13 +5860,6 @@
   <p:clrMapOvr>
     <a:masterClrMapping/>
   </p:clrMapOvr>
-  <p:timing>
-    <p:tnLst>
-      <p:par>
-        <p:cTn id="1" dur="indefinite" restart="never" nodeType="tmRoot"/>
-      </p:par>
-    </p:tnLst>
-  </p:timing>
 </p:sld>
 </file>
 
@@ -5930,7 +5898,7 @@
         </p:spPr>
         <p:txBody>
           <a:bodyPr>
-            <a:normAutofit/>
+            <a:normAutofit fontScale="92500"/>
           </a:bodyPr>
           <a:lstStyle/>
           <a:p>
@@ -5940,84 +5908,77 @@
               </a:lnSpc>
             </a:pPr>
             <a:r>
-              <a:rPr lang="en-US" altLang="ko-KR" b="1" dirty="0" smtClean="0">
+              <a:rPr lang="en-US" altLang="ko-KR" b="1" dirty="0">
                 <a:latin typeface="나눔고딕" pitchFamily="50" charset="-127"/>
                 <a:ea typeface="나눔고딕" pitchFamily="50" charset="-127"/>
               </a:rPr>
               <a:t> </a:t>
             </a:r>
             <a:r>
-              <a:rPr lang="ko-KR" altLang="en-US" b="1" dirty="0" smtClean="0">
-                <a:latin typeface="나눔고딕" pitchFamily="50" charset="-127"/>
-                <a:ea typeface="나눔고딕" pitchFamily="50" charset="-127"/>
-              </a:rPr>
-              <a:t>자기의식을 </a:t>
-            </a:r>
-            <a:r>
-              <a:rPr lang="ko-KR" altLang="en-US" b="1" dirty="0" smtClean="0">
-                <a:latin typeface="나눔고딕" pitchFamily="50" charset="-127"/>
-                <a:ea typeface="나눔고딕" pitchFamily="50" charset="-127"/>
-              </a:rPr>
-              <a:t>통해서</a:t>
-            </a:r>
-            <a:r>
-              <a:rPr lang="en-US" altLang="ko-KR" b="1" dirty="0" smtClean="0">
+              <a:rPr lang="ko-KR" altLang="en-US" b="1" dirty="0">
+                <a:latin typeface="나눔고딕" pitchFamily="50" charset="-127"/>
+                <a:ea typeface="나눔고딕" pitchFamily="50" charset="-127"/>
+              </a:rPr>
+              <a:t>자기의식을 통해서</a:t>
+            </a:r>
+            <a:r>
+              <a:rPr lang="en-US" altLang="ko-KR" b="1" dirty="0">
                 <a:latin typeface="나눔고딕" pitchFamily="50" charset="-127"/>
                 <a:ea typeface="나눔고딕" pitchFamily="50" charset="-127"/>
               </a:rPr>
               <a:t>  ‘</a:t>
             </a:r>
             <a:r>
-              <a:rPr lang="ko-KR" altLang="en-US" b="1" dirty="0" smtClean="0">
+              <a:rPr lang="ko-KR" altLang="en-US" b="1" dirty="0">
                 <a:latin typeface="나눔고딕" pitchFamily="50" charset="-127"/>
                 <a:ea typeface="나눔고딕" pitchFamily="50" charset="-127"/>
               </a:rPr>
               <a:t>인간</a:t>
             </a:r>
             <a:r>
-              <a:rPr lang="en-US" altLang="ko-KR" b="1" dirty="0" smtClean="0">
+              <a:rPr lang="en-US" altLang="ko-KR" b="1" dirty="0">
                 <a:latin typeface="나눔고딕" pitchFamily="50" charset="-127"/>
                 <a:ea typeface="나눔고딕" pitchFamily="50" charset="-127"/>
               </a:rPr>
               <a:t>=</a:t>
             </a:r>
             <a:r>
-              <a:rPr lang="ko-KR" altLang="en-US" b="1" dirty="0" smtClean="0">
+              <a:rPr lang="ko-KR" altLang="en-US" b="1" dirty="0">
                 <a:latin typeface="나눔고딕" pitchFamily="50" charset="-127"/>
                 <a:ea typeface="나눔고딕" pitchFamily="50" charset="-127"/>
               </a:rPr>
               <a:t> 동물</a:t>
             </a:r>
             <a:r>
-              <a:rPr lang="en-US" altLang="ko-KR" b="1" dirty="0" smtClean="0">
+              <a:rPr lang="en-US" altLang="ko-KR" b="1" dirty="0">
                 <a:latin typeface="나눔고딕" pitchFamily="50" charset="-127"/>
                 <a:ea typeface="나눔고딕" pitchFamily="50" charset="-127"/>
               </a:rPr>
               <a:t>’</a:t>
             </a:r>
             <a:r>
-              <a:rPr lang="ko-KR" altLang="en-US" b="1" dirty="0" smtClean="0">
+              <a:rPr lang="ko-KR" altLang="en-US" b="1" dirty="0">
                 <a:latin typeface="나눔고딕" pitchFamily="50" charset="-127"/>
                 <a:ea typeface="나눔고딕" pitchFamily="50" charset="-127"/>
               </a:rPr>
               <a:t>이면서 동시에 </a:t>
             </a:r>
             <a:r>
-              <a:rPr lang="en-US" altLang="ko-KR" b="1" dirty="0" smtClean="0">
+              <a:rPr lang="en-US" altLang="ko-KR" b="1" dirty="0">
                 <a:latin typeface="나눔고딕" pitchFamily="50" charset="-127"/>
                 <a:ea typeface="나눔고딕" pitchFamily="50" charset="-127"/>
               </a:rPr>
               <a:t>‘</a:t>
             </a:r>
             <a:r>
-              <a:rPr lang="ko-KR" altLang="en-US" b="1" dirty="0" smtClean="0">
+              <a:rPr lang="ko-KR" altLang="en-US" b="1" dirty="0">
                 <a:latin typeface="나눔고딕" pitchFamily="50" charset="-127"/>
                 <a:ea typeface="나눔고딕" pitchFamily="50" charset="-127"/>
               </a:rPr>
               <a:t>인간≠동물</a:t>
             </a:r>
             <a:r>
-              <a:rPr lang="en-US" altLang="ko-KR" b="1" dirty="0" smtClean="0">
+              <a:rPr lang="en-US" altLang="ko-KR" b="1" dirty="0">
                 <a:latin typeface="나눔고딕" pitchFamily="50" charset="-127"/>
                 <a:ea typeface="나눔고딕" pitchFamily="50" charset="-127"/>
               </a:rPr>
@@ -6031,48 +5992,48 @@
               </a:lnSpc>
             </a:pPr>
             <a:r>
-              <a:rPr lang="en-US" altLang="ko-KR" b="1" dirty="0" smtClean="0">
+              <a:rPr lang="en-US" altLang="ko-KR" b="1" dirty="0">
                 <a:latin typeface="나눔고딕" pitchFamily="50" charset="-127"/>
                 <a:ea typeface="나눔고딕" pitchFamily="50" charset="-127"/>
               </a:rPr>
               <a:t> </a:t>
             </a:r>
             <a:r>
-              <a:rPr lang="ko-KR" altLang="en-US" b="1" dirty="0" smtClean="0">
+              <a:rPr lang="ko-KR" altLang="en-US" b="1" dirty="0">
                 <a:latin typeface="나눔고딕" pitchFamily="50" charset="-127"/>
                 <a:ea typeface="나눔고딕" pitchFamily="50" charset="-127"/>
               </a:rPr>
               <a:t>자신에 대한 앎을 통해 동물인 자기 자신과 불일치  → 이 불일치가 바로 </a:t>
             </a:r>
             <a:r>
-              <a:rPr lang="ko-KR" altLang="en-US" b="1" dirty="0" err="1" smtClean="0">
+              <a:rPr lang="ko-KR" altLang="en-US" b="1" dirty="0" err="1">
                 <a:latin typeface="나눔고딕" pitchFamily="50" charset="-127"/>
                 <a:ea typeface="나눔고딕" pitchFamily="50" charset="-127"/>
               </a:rPr>
               <a:t>순전한</a:t>
             </a:r>
             <a:r>
-              <a:rPr lang="ko-KR" altLang="en-US" b="1" dirty="0" smtClean="0">
+              <a:rPr lang="ko-KR" altLang="en-US" b="1" dirty="0">
                 <a:latin typeface="나눔고딕" pitchFamily="50" charset="-127"/>
                 <a:ea typeface="나눔고딕" pitchFamily="50" charset="-127"/>
               </a:rPr>
               <a:t> 동물</a:t>
             </a:r>
             <a:r>
-              <a:rPr lang="en-US" altLang="ko-KR" b="1" dirty="0" smtClean="0">
+              <a:rPr lang="en-US" altLang="ko-KR" b="1" dirty="0">
                 <a:latin typeface="나눔고딕" pitchFamily="50" charset="-127"/>
                 <a:ea typeface="나눔고딕" pitchFamily="50" charset="-127"/>
               </a:rPr>
               <a:t>/</a:t>
             </a:r>
             <a:r>
-              <a:rPr lang="ko-KR" altLang="en-US" b="1" dirty="0" smtClean="0">
+              <a:rPr lang="ko-KR" altLang="en-US" b="1" dirty="0">
                 <a:latin typeface="나눔고딕" pitchFamily="50" charset="-127"/>
                 <a:ea typeface="나눔고딕" pitchFamily="50" charset="-127"/>
               </a:rPr>
               <a:t>기계가 가지지 못한 것</a:t>
             </a:r>
-            <a:endParaRPr lang="en-US" altLang="ko-KR" b="1" dirty="0" smtClean="0">
+            <a:endParaRPr lang="en-US" altLang="ko-KR" b="1" dirty="0">
               <a:latin typeface="나눔고딕" pitchFamily="50" charset="-127"/>
               <a:ea typeface="나눔고딕" pitchFamily="50" charset="-127"/>
             </a:endParaRPr>
@@ -6084,91 +6045,91 @@
               </a:lnSpc>
             </a:pPr>
             <a:r>
-              <a:rPr lang="en-US" altLang="ko-KR" b="1" dirty="0" smtClean="0">
+              <a:rPr lang="en-US" altLang="ko-KR" b="1" dirty="0">
                 <a:latin typeface="나눔고딕" pitchFamily="50" charset="-127"/>
                 <a:ea typeface="나눔고딕" pitchFamily="50" charset="-127"/>
               </a:rPr>
               <a:t> </a:t>
             </a:r>
             <a:r>
-              <a:rPr lang="ko-KR" altLang="en-US" b="1" dirty="0" smtClean="0">
+              <a:rPr lang="ko-KR" altLang="en-US" b="1" dirty="0">
                 <a:latin typeface="나눔고딕" pitchFamily="50" charset="-127"/>
                 <a:ea typeface="나눔고딕" pitchFamily="50" charset="-127"/>
               </a:rPr>
               <a:t>인간은 내용적으로는 동물</a:t>
             </a:r>
             <a:r>
-              <a:rPr lang="en-US" altLang="ko-KR" b="1" dirty="0" smtClean="0">
+              <a:rPr lang="en-US" altLang="ko-KR" b="1" dirty="0">
                 <a:latin typeface="나눔고딕" pitchFamily="50" charset="-127"/>
                 <a:ea typeface="나눔고딕" pitchFamily="50" charset="-127"/>
               </a:rPr>
               <a:t>/</a:t>
             </a:r>
             <a:r>
-              <a:rPr lang="ko-KR" altLang="en-US" b="1" dirty="0" smtClean="0">
+              <a:rPr lang="ko-KR" altLang="en-US" b="1" dirty="0">
                 <a:latin typeface="나눔고딕" pitchFamily="50" charset="-127"/>
                 <a:ea typeface="나눔고딕" pitchFamily="50" charset="-127"/>
               </a:rPr>
               <a:t>기계와 전혀 구별되지 않는다</a:t>
             </a:r>
             <a:r>
-              <a:rPr lang="en-US" altLang="ko-KR" b="1" dirty="0" smtClean="0">
+              <a:rPr lang="en-US" altLang="ko-KR" b="1" dirty="0">
                 <a:latin typeface="나눔고딕" pitchFamily="50" charset="-127"/>
                 <a:ea typeface="나눔고딕" pitchFamily="50" charset="-127"/>
               </a:rPr>
               <a:t>: </a:t>
             </a:r>
             <a:r>
-              <a:rPr lang="ko-KR" altLang="en-US" b="1" dirty="0" smtClean="0">
+              <a:rPr lang="ko-KR" altLang="en-US" b="1" dirty="0">
                 <a:latin typeface="나눔고딕" pitchFamily="50" charset="-127"/>
                 <a:ea typeface="나눔고딕" pitchFamily="50" charset="-127"/>
               </a:rPr>
               <a:t>인간의 고유성을 이루는 것은 어떤 실체적인 내용이 아니라 </a:t>
             </a:r>
             <a:r>
-              <a:rPr lang="en-US" altLang="ko-KR" b="1" dirty="0" smtClean="0">
+              <a:rPr lang="en-US" altLang="ko-KR" b="1" dirty="0">
                 <a:latin typeface="나눔고딕" pitchFamily="50" charset="-127"/>
                 <a:ea typeface="나눔고딕" pitchFamily="50" charset="-127"/>
               </a:rPr>
               <a:t>(</a:t>
             </a:r>
             <a:r>
-              <a:rPr lang="ko-KR" altLang="en-US" b="1" dirty="0" smtClean="0">
+              <a:rPr lang="ko-KR" altLang="en-US" b="1" dirty="0">
                 <a:latin typeface="나눔고딕" pitchFamily="50" charset="-127"/>
                 <a:ea typeface="나눔고딕" pitchFamily="50" charset="-127"/>
               </a:rPr>
               <a:t>자기 자신과 맺는</a:t>
             </a:r>
             <a:r>
-              <a:rPr lang="en-US" altLang="ko-KR" b="1" dirty="0" smtClean="0">
+              <a:rPr lang="en-US" altLang="ko-KR" b="1" dirty="0">
                 <a:latin typeface="나눔고딕" pitchFamily="50" charset="-127"/>
                 <a:ea typeface="나눔고딕" pitchFamily="50" charset="-127"/>
               </a:rPr>
               <a:t>) </a:t>
             </a:r>
             <a:r>
-              <a:rPr lang="ko-KR" altLang="en-US" b="1" dirty="0" smtClean="0">
+              <a:rPr lang="ko-KR" altLang="en-US" b="1" dirty="0">
                 <a:latin typeface="나눔고딕" pitchFamily="50" charset="-127"/>
                 <a:ea typeface="나눔고딕" pitchFamily="50" charset="-127"/>
               </a:rPr>
               <a:t>반성적 관계의 형식</a:t>
             </a:r>
             <a:r>
-              <a:rPr lang="en-US" altLang="ko-KR" b="1" dirty="0" smtClean="0">
+              <a:rPr lang="en-US" altLang="ko-KR" b="1" dirty="0">
                 <a:latin typeface="나눔고딕" pitchFamily="50" charset="-127"/>
                 <a:ea typeface="나눔고딕" pitchFamily="50" charset="-127"/>
               </a:rPr>
               <a:t> </a:t>
             </a:r>
             <a:r>
-              <a:rPr lang="ko-KR" altLang="en-US" b="1" dirty="0" smtClean="0">
+              <a:rPr lang="ko-KR" altLang="en-US" b="1" dirty="0">
                 <a:latin typeface="나눔고딕" pitchFamily="50" charset="-127"/>
                 <a:ea typeface="나눔고딕" pitchFamily="50" charset="-127"/>
               </a:rPr>
               <a:t> </a:t>
             </a:r>
             <a:r>
-              <a:rPr lang="en-US" altLang="ko-KR" b="1" dirty="0" smtClean="0">
+              <a:rPr lang="en-US" altLang="ko-KR" b="1" dirty="0">
                 <a:latin typeface="나눔고딕" pitchFamily="50" charset="-127"/>
                 <a:ea typeface="나눔고딕" pitchFamily="50" charset="-127"/>
                 <a:cs typeface="Times New Roman"/>
@@ -6176,14 +6137,14 @@
               <a:t>↔ </a:t>
             </a:r>
             <a:r>
-              <a:rPr lang="ko-KR" altLang="en-US" b="1" dirty="0" smtClean="0">
+              <a:rPr lang="ko-KR" altLang="en-US" b="1" dirty="0">
                 <a:latin typeface="나눔고딕" pitchFamily="50" charset="-127"/>
                 <a:ea typeface="나눔고딕" pitchFamily="50" charset="-127"/>
                 <a:cs typeface="Times New Roman"/>
               </a:rPr>
               <a:t>데카르트의 영혼실체론</a:t>
             </a:r>
-            <a:endParaRPr lang="en-US" altLang="ko-KR" b="1" dirty="0" smtClean="0">
+            <a:endParaRPr lang="en-US" altLang="ko-KR" b="1" dirty="0">
               <a:latin typeface="나눔고딕" pitchFamily="50" charset="-127"/>
               <a:ea typeface="나눔고딕" pitchFamily="50" charset="-127"/>
             </a:endParaRPr>
@@ -6211,35 +6172,35 @@
           <a:lstStyle/>
           <a:p>
             <a:r>
-              <a:rPr lang="ko-KR" altLang="en-US" b="1" dirty="0" smtClean="0">
+              <a:rPr lang="ko-KR" altLang="en-US" b="1" dirty="0">
                 <a:latin typeface="나눔고딕" pitchFamily="50" charset="-127"/>
                 <a:ea typeface="나눔고딕" pitchFamily="50" charset="-127"/>
               </a:rPr>
               <a:t>인간과 동물</a:t>
             </a:r>
             <a:r>
-              <a:rPr lang="en-US" altLang="ko-KR" b="1" dirty="0" smtClean="0">
+              <a:rPr lang="en-US" altLang="ko-KR" b="1" dirty="0">
                 <a:latin typeface="나눔고딕" pitchFamily="50" charset="-127"/>
                 <a:ea typeface="나눔고딕" pitchFamily="50" charset="-127"/>
               </a:rPr>
               <a:t>/</a:t>
             </a:r>
             <a:r>
-              <a:rPr lang="ko-KR" altLang="en-US" b="1" dirty="0" smtClean="0">
+              <a:rPr lang="ko-KR" altLang="en-US" b="1" dirty="0">
                 <a:latin typeface="나눔고딕" pitchFamily="50" charset="-127"/>
                 <a:ea typeface="나눔고딕" pitchFamily="50" charset="-127"/>
               </a:rPr>
               <a:t>기계의 차이</a:t>
             </a:r>
             <a:r>
-              <a:rPr lang="en-US" altLang="ko-KR" b="1" dirty="0" smtClean="0">
+              <a:rPr lang="en-US" altLang="ko-KR" b="1" dirty="0">
                 <a:latin typeface="나눔고딕" pitchFamily="50" charset="-127"/>
                 <a:ea typeface="나눔고딕" pitchFamily="50" charset="-127"/>
               </a:rPr>
               <a:t>: </a:t>
             </a:r>
             <a:r>
-              <a:rPr lang="ko-KR" altLang="en-US" b="1" dirty="0" smtClean="0">
+              <a:rPr lang="ko-KR" altLang="en-US" b="1" dirty="0">
                 <a:latin typeface="나눔고딕" pitchFamily="50" charset="-127"/>
                 <a:ea typeface="나눔고딕" pitchFamily="50" charset="-127"/>
               </a:rPr>
@@ -6254,13 +6215,6 @@
   <p:clrMapOvr>
     <a:masterClrMapping/>
   </p:clrMapOvr>
-  <p:timing>
-    <p:tnLst>
-      <p:par>
-        <p:cTn id="1" dur="indefinite" restart="never" nodeType="tmRoot"/>
-      </p:par>
-    </p:tnLst>
-  </p:timing>
 </p:sld>
 </file>
 
@@ -6593,16 +6547,12 @@
           <a:lstStyle/>
           <a:p>
             <a:r>
-              <a:rPr lang="ko-KR" altLang="en-US" b="1" dirty="0" smtClean="0">
+              <a:rPr lang="ko-KR" altLang="en-US" b="1" dirty="0">
                 <a:latin typeface="나눔고딕" pitchFamily="50" charset="-127"/>
                 <a:ea typeface="나눔고딕" pitchFamily="50" charset="-127"/>
               </a:rPr>
               <a:t>자기의식</a:t>
             </a:r>
-            <a:endParaRPr lang="ko-KR" altLang="en-US" b="1" dirty="0">
-              <a:latin typeface="나눔고딕" pitchFamily="50" charset="-127"/>
-              <a:ea typeface="나눔고딕" pitchFamily="50" charset="-127"/>
-            </a:endParaRPr>
           </a:p>
         </p:txBody>
       </p:sp>
@@ -6611,13 +6561,6 @@
   <p:clrMapOvr>
     <a:masterClrMapping/>
   </p:clrMapOvr>
-  <p:timing>
-    <p:tnLst>
-      <p:par>
-        <p:cTn id="1" dur="indefinite" restart="never" nodeType="tmRoot"/>
-      </p:par>
-    </p:tnLst>
-  </p:timing>
 </p:sld>
 </file>
 
@@ -6661,14 +6604,14 @@
               </a:lnSpc>
             </a:pPr>
             <a:r>
-              <a:rPr lang="ko-KR" altLang="en-US" b="1" dirty="0" smtClean="0">
+              <a:rPr lang="ko-KR" altLang="en-US" b="1" dirty="0">
                 <a:latin typeface="나눔고딕"/>
                 <a:ea typeface="나눔고딕"/>
               </a:rPr>
               <a:t>동물은 자기를 의식하는가</a:t>
             </a:r>
             <a:r>
-              <a:rPr lang="en-US" altLang="ko-KR" b="1" dirty="0" smtClean="0">
+              <a:rPr lang="en-US" altLang="ko-KR" b="1" dirty="0">
                 <a:latin typeface="나눔고딕"/>
                 <a:ea typeface="나눔고딕"/>
               </a:rPr>
@@ -6683,147 +6626,147 @@
               <a:buNone/>
             </a:pPr>
             <a:r>
-              <a:rPr lang="en-US" altLang="ko-KR" b="1" dirty="0" smtClean="0">
+              <a:rPr lang="en-US" altLang="ko-KR" b="1" dirty="0">
                 <a:latin typeface="나눔고딕"/>
                 <a:ea typeface="나눔고딕"/>
               </a:rPr>
               <a:t>    1) </a:t>
             </a:r>
             <a:r>
-              <a:rPr lang="ko-KR" altLang="en-US" b="1" dirty="0" smtClean="0">
+              <a:rPr lang="ko-KR" altLang="en-US" b="1" dirty="0">
                 <a:latin typeface="나눔고딕" pitchFamily="50" charset="-127"/>
                 <a:ea typeface="나눔고딕" pitchFamily="50" charset="-127"/>
               </a:rPr>
               <a:t>동물에게 </a:t>
             </a:r>
             <a:r>
-              <a:rPr lang="en-US" altLang="ko-KR" b="1" dirty="0" smtClean="0">
+              <a:rPr lang="en-US" altLang="ko-KR" b="1" dirty="0">
                 <a:latin typeface="나눔고딕" pitchFamily="50" charset="-127"/>
                 <a:ea typeface="나눔고딕" pitchFamily="50" charset="-127"/>
               </a:rPr>
               <a:t>‘</a:t>
             </a:r>
             <a:r>
-              <a:rPr lang="ko-KR" altLang="en-US" b="1" dirty="0" smtClean="0">
+              <a:rPr lang="ko-KR" altLang="en-US" b="1" dirty="0">
                 <a:latin typeface="나눔고딕" pitchFamily="50" charset="-127"/>
                 <a:ea typeface="나눔고딕" pitchFamily="50" charset="-127"/>
               </a:rPr>
               <a:t>자기</a:t>
             </a:r>
             <a:r>
-              <a:rPr lang="en-US" altLang="ko-KR" b="1" dirty="0" smtClean="0">
+              <a:rPr lang="en-US" altLang="ko-KR" b="1" dirty="0">
                 <a:latin typeface="나눔고딕" pitchFamily="50" charset="-127"/>
                 <a:ea typeface="나눔고딕" pitchFamily="50" charset="-127"/>
               </a:rPr>
               <a:t>’, ‘</a:t>
             </a:r>
             <a:r>
-              <a:rPr lang="ko-KR" altLang="en-US" b="1" dirty="0" smtClean="0">
+              <a:rPr lang="ko-KR" altLang="en-US" b="1" dirty="0">
                 <a:latin typeface="나눔고딕" pitchFamily="50" charset="-127"/>
                 <a:ea typeface="나눔고딕" pitchFamily="50" charset="-127"/>
               </a:rPr>
               <a:t>나</a:t>
             </a:r>
             <a:r>
-              <a:rPr lang="en-US" altLang="ko-KR" b="1" dirty="0" smtClean="0">
+              <a:rPr lang="en-US" altLang="ko-KR" b="1" dirty="0">
                 <a:latin typeface="나눔고딕" pitchFamily="50" charset="-127"/>
                 <a:ea typeface="나눔고딕" pitchFamily="50" charset="-127"/>
               </a:rPr>
               <a:t>’</a:t>
             </a:r>
             <a:r>
-              <a:rPr lang="ko-KR" altLang="en-US" b="1" dirty="0" smtClean="0">
+              <a:rPr lang="ko-KR" altLang="en-US" b="1" dirty="0">
                 <a:latin typeface="나눔고딕" pitchFamily="50" charset="-127"/>
                 <a:ea typeface="나눔고딕" pitchFamily="50" charset="-127"/>
               </a:rPr>
               <a:t>라는 관념</a:t>
             </a:r>
             <a:r>
-              <a:rPr lang="en-US" altLang="ko-KR" b="1" dirty="0" smtClean="0">
+              <a:rPr lang="en-US" altLang="ko-KR" b="1" dirty="0">
                 <a:latin typeface="나눔고딕" pitchFamily="50" charset="-127"/>
                 <a:ea typeface="나눔고딕" pitchFamily="50" charset="-127"/>
               </a:rPr>
               <a:t>, </a:t>
             </a:r>
             <a:r>
-              <a:rPr lang="ko-KR" altLang="en-US" b="1" dirty="0" smtClean="0">
+              <a:rPr lang="ko-KR" altLang="en-US" b="1" dirty="0">
                 <a:latin typeface="나눔고딕" pitchFamily="50" charset="-127"/>
                 <a:ea typeface="나눔고딕" pitchFamily="50" charset="-127"/>
               </a:rPr>
               <a:t>느낌</a:t>
             </a:r>
             <a:r>
-              <a:rPr lang="en-US" altLang="ko-KR" b="1" dirty="0" smtClean="0">
+              <a:rPr lang="en-US" altLang="ko-KR" b="1" dirty="0">
                 <a:latin typeface="나눔고딕" pitchFamily="50" charset="-127"/>
                 <a:ea typeface="나눔고딕" pitchFamily="50" charset="-127"/>
               </a:rPr>
               <a:t>, </a:t>
             </a:r>
             <a:r>
-              <a:rPr lang="ko-KR" altLang="en-US" b="1" dirty="0" smtClean="0">
+              <a:rPr lang="ko-KR" altLang="en-US" b="1" dirty="0">
                 <a:latin typeface="나눔고딕" pitchFamily="50" charset="-127"/>
                 <a:ea typeface="나눔고딕" pitchFamily="50" charset="-127"/>
               </a:rPr>
               <a:t>생각이 있을까</a:t>
             </a:r>
             <a:r>
-              <a:rPr lang="en-US" altLang="ko-KR" b="1" dirty="0" smtClean="0">
+              <a:rPr lang="en-US" altLang="ko-KR" b="1" dirty="0">
                 <a:latin typeface="나눔고딕" pitchFamily="50" charset="-127"/>
                 <a:ea typeface="나눔고딕" pitchFamily="50" charset="-127"/>
               </a:rPr>
               <a:t>?: </a:t>
             </a:r>
             <a:r>
-              <a:rPr lang="ko-KR" altLang="en-US" b="1" dirty="0" smtClean="0">
+              <a:rPr lang="ko-KR" altLang="en-US" b="1" dirty="0">
                 <a:latin typeface="나눔고딕" pitchFamily="50" charset="-127"/>
                 <a:ea typeface="나눔고딕" pitchFamily="50" charset="-127"/>
               </a:rPr>
               <a:t>데카르트는 이에 대해 </a:t>
             </a:r>
             <a:r>
-              <a:rPr lang="en-US" altLang="ko-KR" b="1" dirty="0" smtClean="0">
+              <a:rPr lang="en-US" altLang="ko-KR" b="1" dirty="0">
                 <a:latin typeface="나눔고딕" pitchFamily="50" charset="-127"/>
                 <a:ea typeface="나눔고딕" pitchFamily="50" charset="-127"/>
               </a:rPr>
               <a:t>‘</a:t>
             </a:r>
             <a:r>
-              <a:rPr lang="ko-KR" altLang="en-US" b="1" dirty="0" smtClean="0">
+              <a:rPr lang="ko-KR" altLang="en-US" b="1" dirty="0">
                 <a:latin typeface="나눔고딕" pitchFamily="50" charset="-127"/>
                 <a:ea typeface="나눔고딕" pitchFamily="50" charset="-127"/>
               </a:rPr>
               <a:t>아니다</a:t>
             </a:r>
             <a:r>
-              <a:rPr lang="en-US" altLang="ko-KR" b="1" dirty="0" smtClean="0">
+              <a:rPr lang="en-US" altLang="ko-KR" b="1" dirty="0">
                 <a:latin typeface="나눔고딕" pitchFamily="50" charset="-127"/>
                 <a:ea typeface="나눔고딕" pitchFamily="50" charset="-127"/>
               </a:rPr>
               <a:t>’</a:t>
             </a:r>
             <a:r>
-              <a:rPr lang="ko-KR" altLang="en-US" b="1" dirty="0" smtClean="0">
+              <a:rPr lang="ko-KR" altLang="en-US" b="1" dirty="0">
                 <a:latin typeface="나눔고딕" pitchFamily="50" charset="-127"/>
                 <a:ea typeface="나눔고딕" pitchFamily="50" charset="-127"/>
               </a:rPr>
               <a:t>라고 답하겠지만</a:t>
             </a:r>
             <a:r>
-              <a:rPr lang="en-US" altLang="ko-KR" b="1" dirty="0" smtClean="0">
+              <a:rPr lang="en-US" altLang="ko-KR" b="1" dirty="0">
                 <a:latin typeface="나눔고딕" pitchFamily="50" charset="-127"/>
                 <a:ea typeface="나눔고딕" pitchFamily="50" charset="-127"/>
               </a:rPr>
               <a:t>, </a:t>
             </a:r>
             <a:r>
-              <a:rPr lang="ko-KR" altLang="en-US" b="1" dirty="0" smtClean="0">
+              <a:rPr lang="ko-KR" altLang="en-US" b="1" dirty="0">
                 <a:latin typeface="나눔고딕" pitchFamily="50" charset="-127"/>
                 <a:ea typeface="나눔고딕" pitchFamily="50" charset="-127"/>
               </a:rPr>
               <a:t>이는 열린 문제이다</a:t>
             </a:r>
             <a:r>
-              <a:rPr lang="en-US" altLang="ko-KR" b="1" dirty="0" smtClean="0">
+              <a:rPr lang="en-US" altLang="ko-KR" b="1" dirty="0">
                 <a:latin typeface="나눔고딕" pitchFamily="50" charset="-127"/>
                 <a:ea typeface="나눔고딕" pitchFamily="50" charset="-127"/>
               </a:rPr>
@@ -6838,35 +6781,35 @@
               <a:buNone/>
             </a:pPr>
             <a:r>
-              <a:rPr lang="en-US" altLang="ko-KR" b="1" dirty="0" smtClean="0">
+              <a:rPr lang="en-US" altLang="ko-KR" b="1" dirty="0">
                 <a:latin typeface="나눔고딕" pitchFamily="50" charset="-127"/>
                 <a:ea typeface="나눔고딕" pitchFamily="50" charset="-127"/>
               </a:rPr>
               <a:t>    2) </a:t>
             </a:r>
             <a:r>
-              <a:rPr lang="ko-KR" altLang="en-US" b="1" dirty="0" smtClean="0">
+              <a:rPr lang="ko-KR" altLang="en-US" b="1" dirty="0">
                 <a:latin typeface="나눔고딕" pitchFamily="50" charset="-127"/>
                 <a:ea typeface="나눔고딕" pitchFamily="50" charset="-127"/>
               </a:rPr>
               <a:t>동물은 자신이 동물임을 알까</a:t>
             </a:r>
             <a:r>
-              <a:rPr lang="en-US" altLang="ko-KR" b="1" dirty="0" smtClean="0">
+              <a:rPr lang="en-US" altLang="ko-KR" b="1" dirty="0">
                 <a:latin typeface="나눔고딕" pitchFamily="50" charset="-127"/>
                 <a:ea typeface="나눔고딕" pitchFamily="50" charset="-127"/>
               </a:rPr>
               <a:t>? </a:t>
             </a:r>
             <a:r>
-              <a:rPr lang="ko-KR" altLang="en-US" b="1" dirty="0" smtClean="0">
+              <a:rPr lang="ko-KR" altLang="en-US" b="1" dirty="0">
                 <a:latin typeface="나눔고딕" pitchFamily="50" charset="-127"/>
                 <a:ea typeface="나눔고딕" pitchFamily="50" charset="-127"/>
               </a:rPr>
               <a:t>자신을 동물</a:t>
             </a:r>
             <a:r>
-              <a:rPr lang="ko-KR" altLang="en-US" b="1" dirty="0" smtClean="0">
+              <a:rPr lang="ko-KR" altLang="en-US" b="1" dirty="0">
                 <a:solidFill>
                   <a:srgbClr val="FF0000"/>
                 </a:solidFill>
@@ -6876,28 +6819,28 @@
               <a:t>로서</a:t>
             </a:r>
             <a:r>
-              <a:rPr lang="ko-KR" altLang="en-US" b="1" dirty="0" smtClean="0">
+              <a:rPr lang="ko-KR" altLang="en-US" b="1" dirty="0">
                 <a:latin typeface="나눔고딕" pitchFamily="50" charset="-127"/>
                 <a:ea typeface="나눔고딕" pitchFamily="50" charset="-127"/>
               </a:rPr>
               <a:t> 알까</a:t>
             </a:r>
             <a:r>
-              <a:rPr lang="en-US" altLang="ko-KR" b="1" dirty="0" smtClean="0">
+              <a:rPr lang="en-US" altLang="ko-KR" b="1" dirty="0">
                 <a:latin typeface="나눔고딕" pitchFamily="50" charset="-127"/>
                 <a:ea typeface="나눔고딕" pitchFamily="50" charset="-127"/>
               </a:rPr>
               <a:t>? </a:t>
             </a:r>
             <a:r>
-              <a:rPr lang="ko-KR" altLang="en-US" b="1" dirty="0" smtClean="0">
+              <a:rPr lang="ko-KR" altLang="en-US" b="1" dirty="0">
                 <a:latin typeface="나눔고딕" pitchFamily="50" charset="-127"/>
                 <a:ea typeface="나눔고딕" pitchFamily="50" charset="-127"/>
               </a:rPr>
               <a:t>자신을 동물로서 </a:t>
             </a:r>
             <a:r>
-              <a:rPr lang="ko-KR" altLang="en-US" b="1" dirty="0" smtClean="0">
+              <a:rPr lang="ko-KR" altLang="en-US" b="1" dirty="0">
                 <a:solidFill>
                   <a:srgbClr val="FF0000"/>
                 </a:solidFill>
@@ -6907,69 +6850,69 @@
               <a:t>규정</a:t>
             </a:r>
             <a:r>
-              <a:rPr lang="ko-KR" altLang="en-US" b="1" dirty="0" smtClean="0">
+              <a:rPr lang="ko-KR" altLang="en-US" b="1" dirty="0">
                 <a:latin typeface="나눔고딕" pitchFamily="50" charset="-127"/>
                 <a:ea typeface="나눔고딕" pitchFamily="50" charset="-127"/>
               </a:rPr>
               <a:t>할 수 있을까</a:t>
             </a:r>
             <a:r>
-              <a:rPr lang="en-US" altLang="ko-KR" b="1" dirty="0" smtClean="0">
+              <a:rPr lang="en-US" altLang="ko-KR" b="1" dirty="0">
                 <a:latin typeface="나눔고딕" pitchFamily="50" charset="-127"/>
                 <a:ea typeface="나눔고딕" pitchFamily="50" charset="-127"/>
               </a:rPr>
               <a:t>? </a:t>
             </a:r>
             <a:r>
-              <a:rPr lang="en-US" altLang="ko-KR" b="1" dirty="0" smtClean="0">
+              <a:rPr lang="en-US" altLang="ko-KR" b="1" dirty="0">
                 <a:latin typeface="나눔고딕"/>
                 <a:ea typeface="나눔고딕"/>
               </a:rPr>
               <a:t>→ No</a:t>
             </a:r>
             <a:r>
-              <a:rPr lang="en-US" altLang="ko-KR" b="1" dirty="0" smtClean="0">
+              <a:rPr lang="en-US" altLang="ko-KR" b="1" dirty="0">
                 <a:latin typeface="나눔고딕" pitchFamily="50" charset="-127"/>
                 <a:ea typeface="나눔고딕" pitchFamily="50" charset="-127"/>
               </a:rPr>
               <a:t>. </a:t>
             </a:r>
             <a:r>
-              <a:rPr lang="ko-KR" altLang="en-US" b="1" dirty="0" smtClean="0">
+              <a:rPr lang="ko-KR" altLang="en-US" b="1" dirty="0">
                 <a:latin typeface="나눔고딕" pitchFamily="50" charset="-127"/>
                 <a:ea typeface="나눔고딕" pitchFamily="50" charset="-127"/>
               </a:rPr>
               <a:t>동물은</a:t>
             </a:r>
             <a:r>
-              <a:rPr lang="en-US" altLang="ko-KR" b="1" dirty="0" smtClean="0">
+              <a:rPr lang="en-US" altLang="ko-KR" b="1" dirty="0">
                 <a:latin typeface="나눔고딕" pitchFamily="50" charset="-127"/>
                 <a:ea typeface="나눔고딕" pitchFamily="50" charset="-127"/>
               </a:rPr>
               <a:t> </a:t>
             </a:r>
             <a:r>
-              <a:rPr lang="ko-KR" altLang="en-US" b="1" dirty="0" smtClean="0">
+              <a:rPr lang="ko-KR" altLang="en-US" b="1" dirty="0">
                 <a:latin typeface="나눔고딕" pitchFamily="50" charset="-127"/>
                 <a:ea typeface="나눔고딕" pitchFamily="50" charset="-127"/>
               </a:rPr>
               <a:t>자기 자신과 일치하는 존재</a:t>
             </a:r>
             <a:r>
-              <a:rPr lang="en-US" altLang="ko-KR" b="1" dirty="0" smtClean="0">
+              <a:rPr lang="en-US" altLang="ko-KR" b="1" dirty="0">
                 <a:latin typeface="나눔고딕" pitchFamily="50" charset="-127"/>
                 <a:ea typeface="나눔고딕" pitchFamily="50" charset="-127"/>
               </a:rPr>
               <a:t>, </a:t>
             </a:r>
             <a:r>
-              <a:rPr lang="ko-KR" altLang="en-US" b="1" dirty="0" smtClean="0">
+              <a:rPr lang="ko-KR" altLang="en-US" b="1" dirty="0">
                 <a:latin typeface="나눔고딕" pitchFamily="50" charset="-127"/>
                 <a:ea typeface="나눔고딕" pitchFamily="50" charset="-127"/>
               </a:rPr>
               <a:t>자기 자신과의 분리의 부재</a:t>
             </a:r>
-            <a:endParaRPr lang="en-US" altLang="ko-KR" b="1" dirty="0" smtClean="0">
+            <a:endParaRPr lang="en-US" altLang="ko-KR" b="1" dirty="0">
               <a:latin typeface="나눔고딕" pitchFamily="50" charset="-127"/>
               <a:ea typeface="나눔고딕" pitchFamily="50" charset="-127"/>
             </a:endParaRPr>
@@ -6981,76 +6924,76 @@
               </a:lnSpc>
             </a:pPr>
             <a:r>
-              <a:rPr lang="ko-KR" altLang="en-US" b="1" dirty="0" smtClean="0">
+              <a:rPr lang="ko-KR" altLang="en-US" b="1" dirty="0">
                 <a:latin typeface="나눔고딕" pitchFamily="50" charset="-127"/>
                 <a:ea typeface="나눔고딕" pitchFamily="50" charset="-127"/>
               </a:rPr>
               <a:t>자기의식적 동물로서의 인간</a:t>
             </a:r>
             <a:r>
-              <a:rPr lang="en-US" altLang="ko-KR" b="1" dirty="0" smtClean="0">
+              <a:rPr lang="en-US" altLang="ko-KR" b="1" dirty="0">
                 <a:latin typeface="나눔고딕" pitchFamily="50" charset="-127"/>
                 <a:ea typeface="나눔고딕" pitchFamily="50" charset="-127"/>
               </a:rPr>
               <a:t>: </a:t>
             </a:r>
             <a:r>
-              <a:rPr lang="ko-KR" altLang="en-US" b="1" dirty="0" smtClean="0">
+              <a:rPr lang="ko-KR" altLang="en-US" b="1" dirty="0">
                 <a:latin typeface="나눔고딕" pitchFamily="50" charset="-127"/>
                 <a:ea typeface="나눔고딕" pitchFamily="50" charset="-127"/>
               </a:rPr>
               <a:t>자기 자신과 분리를 겪고 분리된 자기자신을 의식하는 존재로서의 인간 </a:t>
             </a:r>
             <a:r>
-              <a:rPr lang="ko-KR" altLang="en-US" b="1" dirty="0" smtClean="0">
+              <a:rPr lang="ko-KR" altLang="en-US" b="1" dirty="0">
                 <a:latin typeface="나눔고딕"/>
                 <a:ea typeface="나눔고딕"/>
               </a:rPr>
               <a:t>→ 인간은 </a:t>
             </a:r>
             <a:r>
-              <a:rPr lang="en-US" altLang="ko-KR" b="1" dirty="0" smtClean="0">
+              <a:rPr lang="en-US" altLang="ko-KR" b="1" dirty="0">
                 <a:latin typeface="나눔고딕"/>
                 <a:ea typeface="나눔고딕"/>
               </a:rPr>
               <a:t>‘</a:t>
             </a:r>
             <a:r>
-              <a:rPr lang="ko-KR" altLang="en-US" b="1" dirty="0" smtClean="0">
+              <a:rPr lang="ko-KR" altLang="en-US" b="1" dirty="0">
                 <a:latin typeface="나눔고딕"/>
                 <a:ea typeface="나눔고딕"/>
               </a:rPr>
               <a:t>반성</a:t>
             </a:r>
             <a:r>
-              <a:rPr lang="en-US" altLang="ko-KR" b="1" dirty="0" smtClean="0">
+              <a:rPr lang="en-US" altLang="ko-KR" b="1" dirty="0">
                 <a:latin typeface="나눔고딕"/>
                 <a:ea typeface="나눔고딕"/>
               </a:rPr>
               <a:t>(</a:t>
             </a:r>
             <a:r>
-              <a:rPr lang="en-US" altLang="ko-KR" b="1" dirty="0" err="1" smtClean="0">
+              <a:rPr lang="en-US" altLang="ko-KR" b="1" dirty="0" err="1">
                 <a:latin typeface="나눔고딕"/>
                 <a:ea typeface="나눔고딕"/>
               </a:rPr>
               <a:t>reflexion</a:t>
             </a:r>
             <a:r>
-              <a:rPr lang="en-US" altLang="ko-KR" b="1" dirty="0" smtClean="0">
+              <a:rPr lang="en-US" altLang="ko-KR" b="1" dirty="0">
                 <a:latin typeface="나눔고딕"/>
                 <a:ea typeface="나눔고딕"/>
               </a:rPr>
               <a:t>)’</a:t>
             </a:r>
             <a:r>
-              <a:rPr lang="ko-KR" altLang="en-US" b="1" dirty="0" smtClean="0">
+              <a:rPr lang="ko-KR" altLang="en-US" b="1" dirty="0">
                 <a:latin typeface="나눔고딕"/>
                 <a:ea typeface="나눔고딕"/>
               </a:rPr>
               <a:t>의 능력을 가짐</a:t>
             </a:r>
-            <a:endParaRPr lang="en-US" altLang="ko-KR" b="1" dirty="0" smtClean="0">
+            <a:endParaRPr lang="en-US" altLang="ko-KR" b="1" dirty="0">
               <a:latin typeface="나눔고딕"/>
               <a:ea typeface="나눔고딕"/>
             </a:endParaRPr>
@@ -7062,41 +7005,41 @@
               </a:lnSpc>
             </a:pPr>
             <a:r>
-              <a:rPr lang="ko-KR" altLang="en-US" b="1" dirty="0" smtClean="0">
+              <a:rPr lang="ko-KR" altLang="en-US" b="1" dirty="0">
                 <a:latin typeface="나눔고딕"/>
                 <a:ea typeface="나눔고딕"/>
               </a:rPr>
               <a:t>반성</a:t>
             </a:r>
             <a:r>
-              <a:rPr lang="en-US" altLang="ko-KR" b="1" dirty="0" smtClean="0">
+              <a:rPr lang="en-US" altLang="ko-KR" b="1" dirty="0">
                 <a:latin typeface="나눔고딕"/>
                 <a:ea typeface="나눔고딕"/>
               </a:rPr>
               <a:t>: </a:t>
             </a:r>
             <a:r>
-              <a:rPr lang="ko-KR" altLang="en-US" b="1" dirty="0" smtClean="0">
+              <a:rPr lang="ko-KR" altLang="en-US" b="1" dirty="0">
                 <a:latin typeface="나눔고딕"/>
                 <a:ea typeface="나눔고딕"/>
               </a:rPr>
               <a:t>의식을 자기 자신으로 향하게 하여</a:t>
             </a:r>
             <a:r>
-              <a:rPr lang="en-US" altLang="ko-KR" b="1" dirty="0" smtClean="0">
+              <a:rPr lang="en-US" altLang="ko-KR" b="1" dirty="0">
                 <a:latin typeface="나눔고딕"/>
                 <a:ea typeface="나눔고딕"/>
               </a:rPr>
               <a:t>, </a:t>
             </a:r>
             <a:r>
-              <a:rPr lang="ko-KR" altLang="en-US" b="1" dirty="0" smtClean="0">
+              <a:rPr lang="ko-KR" altLang="en-US" b="1" dirty="0">
                 <a:latin typeface="나눔고딕"/>
                 <a:ea typeface="나눔고딕"/>
               </a:rPr>
               <a:t>자신과 관계를 맺음</a:t>
             </a:r>
-            <a:endParaRPr lang="en-US" altLang="ko-KR" b="1" dirty="0" smtClean="0">
+            <a:endParaRPr lang="en-US" altLang="ko-KR" b="1" dirty="0">
               <a:latin typeface="나눔고딕"/>
               <a:ea typeface="나눔고딕"/>
             </a:endParaRPr>
@@ -7108,76 +7051,76 @@
               </a:lnSpc>
             </a:pPr>
             <a:r>
-              <a:rPr lang="en-US" altLang="ko-KR" b="1" dirty="0" smtClean="0">
+              <a:rPr lang="en-US" altLang="ko-KR" b="1" dirty="0">
                 <a:latin typeface="나눔고딕"/>
                 <a:ea typeface="나눔고딕"/>
               </a:rPr>
               <a:t>re(</a:t>
             </a:r>
             <a:r>
-              <a:rPr lang="ko-KR" altLang="en-US" b="1" dirty="0" smtClean="0">
+              <a:rPr lang="ko-KR" altLang="en-US" b="1" dirty="0">
                 <a:latin typeface="나눔고딕"/>
                 <a:ea typeface="나눔고딕"/>
               </a:rPr>
               <a:t>다시</a:t>
             </a:r>
             <a:r>
-              <a:rPr lang="en-US" altLang="ko-KR" b="1" dirty="0" smtClean="0">
+              <a:rPr lang="en-US" altLang="ko-KR" b="1" dirty="0">
                 <a:latin typeface="나눔고딕"/>
                 <a:ea typeface="나눔고딕"/>
               </a:rPr>
               <a:t>)-</a:t>
             </a:r>
             <a:r>
-              <a:rPr lang="en-US" altLang="ko-KR" b="1" dirty="0" err="1" smtClean="0">
+              <a:rPr lang="en-US" altLang="ko-KR" b="1" dirty="0" err="1">
                 <a:latin typeface="나눔고딕"/>
                 <a:ea typeface="나눔고딕"/>
               </a:rPr>
               <a:t>flectare</a:t>
             </a:r>
             <a:r>
-              <a:rPr lang="en-US" altLang="ko-KR" b="1" dirty="0" smtClean="0">
+              <a:rPr lang="en-US" altLang="ko-KR" b="1" dirty="0">
                 <a:latin typeface="나눔고딕"/>
                 <a:ea typeface="나눔고딕"/>
               </a:rPr>
               <a:t>(</a:t>
             </a:r>
             <a:r>
-              <a:rPr lang="ko-KR" altLang="en-US" b="1" dirty="0" smtClean="0">
+              <a:rPr lang="ko-KR" altLang="en-US" b="1" dirty="0">
                 <a:latin typeface="나눔고딕"/>
                 <a:ea typeface="나눔고딕"/>
               </a:rPr>
               <a:t>구부리다</a:t>
             </a:r>
             <a:r>
-              <a:rPr lang="en-US" altLang="ko-KR" b="1" dirty="0" smtClean="0">
+              <a:rPr lang="en-US" altLang="ko-KR" b="1" dirty="0">
                 <a:latin typeface="나눔고딕"/>
                 <a:ea typeface="나눔고딕"/>
               </a:rPr>
               <a:t>) → </a:t>
             </a:r>
             <a:r>
-              <a:rPr lang="en-US" altLang="ko-KR" b="1" dirty="0" err="1" smtClean="0">
+              <a:rPr lang="en-US" altLang="ko-KR" b="1" dirty="0" err="1">
                 <a:latin typeface="나눔고딕"/>
                 <a:ea typeface="나눔고딕"/>
               </a:rPr>
               <a:t>reflexion</a:t>
             </a:r>
             <a:r>
-              <a:rPr lang="en-US" altLang="ko-KR" b="1" dirty="0" smtClean="0">
+              <a:rPr lang="en-US" altLang="ko-KR" b="1" dirty="0">
                 <a:latin typeface="나눔고딕"/>
                 <a:ea typeface="나눔고딕"/>
               </a:rPr>
               <a:t>  </a:t>
             </a:r>
             <a:r>
-              <a:rPr lang="ko-KR" altLang="en-US" b="1" dirty="0" smtClean="0">
+              <a:rPr lang="ko-KR" altLang="en-US" b="1" dirty="0">
                 <a:latin typeface="나눔고딕" pitchFamily="50" charset="-127"/>
                 <a:ea typeface="나눔고딕" pitchFamily="50" charset="-127"/>
               </a:rPr>
               <a:t> </a:t>
             </a:r>
-            <a:endParaRPr lang="en-US" altLang="ko-KR" b="1" dirty="0" smtClean="0">
+            <a:endParaRPr lang="en-US" altLang="ko-KR" b="1" dirty="0">
               <a:latin typeface="나눔고딕" pitchFamily="50" charset="-127"/>
               <a:ea typeface="나눔고딕" pitchFamily="50" charset="-127"/>
             </a:endParaRPr>
@@ -7202,7 +7145,7 @@
         </p:spPr>
         <p:txBody>
           <a:bodyPr>
-            <a:normAutofit/>
+            <a:normAutofit fontScale="90000"/>
           </a:bodyPr>
           <a:lstStyle/>
           <a:p>
@@ -7263,13 +7206,6 @@
   <p:clrMapOvr>
     <a:masterClrMapping/>
   </p:clrMapOvr>
-  <p:timing>
-    <p:tnLst>
-      <p:par>
-        <p:cTn id="1" dur="indefinite" restart="never" nodeType="tmRoot"/>
-      </p:par>
-    </p:tnLst>
-  </p:timing>
 </p:sld>
 </file>
 
@@ -7313,21 +7249,21 @@
               </a:lnSpc>
             </a:pPr>
             <a:r>
-              <a:rPr lang="en-US" altLang="ko-KR" b="1" dirty="0" smtClean="0">
+              <a:rPr lang="en-US" altLang="ko-KR" b="1" dirty="0">
                 <a:latin typeface="나눔고딕" pitchFamily="50" charset="-127"/>
                 <a:ea typeface="나눔고딕" pitchFamily="50" charset="-127"/>
               </a:rPr>
               <a:t>“</a:t>
             </a:r>
             <a:r>
-              <a:rPr lang="ko-KR" altLang="en-US" b="1" dirty="0" smtClean="0">
+              <a:rPr lang="ko-KR" altLang="en-US" b="1" dirty="0">
                 <a:latin typeface="나눔고딕" pitchFamily="50" charset="-127"/>
                 <a:ea typeface="나눔고딕" pitchFamily="50" charset="-127"/>
               </a:rPr>
               <a:t>규정은 부정이다</a:t>
             </a:r>
             <a:r>
-              <a:rPr lang="en-US" altLang="ko-KR" b="1" dirty="0" smtClean="0">
+              <a:rPr lang="en-US" altLang="ko-KR" b="1" dirty="0">
                 <a:latin typeface="나눔고딕" pitchFamily="50" charset="-127"/>
                 <a:ea typeface="나눔고딕" pitchFamily="50" charset="-127"/>
               </a:rPr>
@@ -7341,14 +7277,14 @@
               </a:lnSpc>
             </a:pPr>
             <a:r>
-              <a:rPr lang="ko-KR" altLang="en-US" b="1" dirty="0" smtClean="0">
+              <a:rPr lang="ko-KR" altLang="en-US" b="1" dirty="0">
                 <a:latin typeface="나눔고딕" pitchFamily="50" charset="-127"/>
                 <a:ea typeface="나눔고딕" pitchFamily="50" charset="-127"/>
               </a:rPr>
               <a:t>자기를 동물로서 규정할 줄 안다 → 자기를 동물로서 </a:t>
             </a:r>
             <a:r>
-              <a:rPr lang="ko-KR" altLang="en-US" b="1" dirty="0" smtClean="0">
+              <a:rPr lang="ko-KR" altLang="en-US" b="1" dirty="0">
                 <a:solidFill>
                   <a:srgbClr val="FF0000"/>
                 </a:solidFill>
@@ -7358,13 +7294,13 @@
               <a:t>부정</a:t>
             </a:r>
             <a:r>
-              <a:rPr lang="ko-KR" altLang="en-US" b="1" dirty="0" smtClean="0">
+              <a:rPr lang="ko-KR" altLang="en-US" b="1" dirty="0">
                 <a:latin typeface="나눔고딕" pitchFamily="50" charset="-127"/>
                 <a:ea typeface="나눔고딕" pitchFamily="50" charset="-127"/>
               </a:rPr>
               <a:t>할 줄 안다</a:t>
             </a:r>
-            <a:endParaRPr lang="en-US" altLang="ko-KR" b="1" dirty="0" smtClean="0">
+            <a:endParaRPr lang="en-US" altLang="ko-KR" b="1" dirty="0">
               <a:latin typeface="나눔고딕" pitchFamily="50" charset="-127"/>
               <a:ea typeface="나눔고딕" pitchFamily="50" charset="-127"/>
             </a:endParaRPr>
@@ -7376,42 +7312,42 @@
               </a:lnSpc>
             </a:pPr>
             <a:r>
-              <a:rPr lang="ko-KR" altLang="en-US" b="1" dirty="0" smtClean="0">
+              <a:rPr lang="ko-KR" altLang="en-US" b="1" dirty="0">
                 <a:latin typeface="나눔고딕" pitchFamily="50" charset="-127"/>
                 <a:ea typeface="나눔고딕" pitchFamily="50" charset="-127"/>
               </a:rPr>
               <a:t>규정</a:t>
             </a:r>
             <a:r>
-              <a:rPr lang="en-US" altLang="ko-KR" b="1" dirty="0" smtClean="0">
+              <a:rPr lang="en-US" altLang="ko-KR" b="1" dirty="0">
                 <a:latin typeface="나눔고딕" pitchFamily="50" charset="-127"/>
                 <a:ea typeface="나눔고딕" pitchFamily="50" charset="-127"/>
               </a:rPr>
               <a:t>(</a:t>
             </a:r>
             <a:r>
-              <a:rPr lang="ko-KR" altLang="en-US" b="1" dirty="0" smtClean="0">
+              <a:rPr lang="ko-KR" altLang="en-US" b="1" dirty="0">
                 <a:latin typeface="나눔고딕" pitchFamily="50" charset="-127"/>
                 <a:ea typeface="나눔고딕" pitchFamily="50" charset="-127"/>
               </a:rPr>
               <a:t>한정</a:t>
             </a:r>
             <a:r>
-              <a:rPr lang="en-US" altLang="ko-KR" b="1" dirty="0" smtClean="0">
+              <a:rPr lang="en-US" altLang="ko-KR" b="1" dirty="0">
                 <a:latin typeface="나눔고딕" pitchFamily="50" charset="-127"/>
                 <a:ea typeface="나눔고딕" pitchFamily="50" charset="-127"/>
               </a:rPr>
               <a:t>)</a:t>
             </a:r>
             <a:r>
-              <a:rPr lang="ko-KR" altLang="en-US" b="1" dirty="0" smtClean="0">
+              <a:rPr lang="ko-KR" altLang="en-US" b="1" dirty="0">
                 <a:latin typeface="나눔고딕" pitchFamily="50" charset="-127"/>
                 <a:ea typeface="나눔고딕" pitchFamily="50" charset="-127"/>
               </a:rPr>
               <a:t>지을 수 있다 </a:t>
             </a:r>
             <a:r>
-              <a:rPr lang="ko-KR" altLang="en-US" b="1" dirty="0" smtClean="0">
+              <a:rPr lang="ko-KR" altLang="en-US" b="1" dirty="0">
                 <a:latin typeface="나눔고딕" pitchFamily="50" charset="-127"/>
                 <a:ea typeface="나눔고딕" pitchFamily="50" charset="-127"/>
                 <a:cs typeface="Times New Roman"/>
@@ -7419,7 +7355,7 @@
               <a:t>→ 이 규정을 넘어 나아갈 수 있다</a:t>
             </a:r>
             <a:r>
-              <a:rPr lang="en-US" altLang="ko-KR" b="1" dirty="0" smtClean="0">
+              <a:rPr lang="en-US" altLang="ko-KR" b="1" dirty="0">
                 <a:latin typeface="나눔고딕" pitchFamily="50" charset="-127"/>
                 <a:ea typeface="나눔고딕" pitchFamily="50" charset="-127"/>
                 <a:cs typeface="Times New Roman"/>
@@ -7427,7 +7363,7 @@
               <a:t>: </a:t>
             </a:r>
             <a:r>
-              <a:rPr lang="ko-KR" altLang="en-US" b="1" dirty="0" smtClean="0">
+              <a:rPr lang="ko-KR" altLang="en-US" b="1" dirty="0">
                 <a:latin typeface="나눔고딕" pitchFamily="50" charset="-127"/>
                 <a:ea typeface="나눔고딕" pitchFamily="50" charset="-127"/>
                 <a:cs typeface="Times New Roman"/>
@@ -7435,7 +7371,7 @@
               <a:t>변증법</a:t>
             </a:r>
             <a:r>
-              <a:rPr lang="en-US" altLang="ko-KR" b="1" dirty="0" smtClean="0">
+              <a:rPr lang="en-US" altLang="ko-KR" b="1" dirty="0">
                 <a:latin typeface="나눔고딕" pitchFamily="50" charset="-127"/>
                 <a:ea typeface="나눔고딕" pitchFamily="50" charset="-127"/>
                 <a:cs typeface="Times New Roman"/>
@@ -7450,7 +7386,7 @@
               </a:lnSpc>
             </a:pPr>
             <a:r>
-              <a:rPr lang="en-US" altLang="ko-KR" b="1" dirty="0" smtClean="0">
+              <a:rPr lang="en-US" altLang="ko-KR" b="1" dirty="0">
                 <a:latin typeface="나눔고딕" pitchFamily="50" charset="-127"/>
                 <a:ea typeface="나눔고딕" pitchFamily="50" charset="-127"/>
                 <a:cs typeface="Times New Roman"/>
@@ -7458,14 +7394,14 @@
               <a:t>dialectics ← </a:t>
             </a:r>
             <a:r>
-              <a:rPr lang="en-US" altLang="ko-KR" b="1" dirty="0" err="1" smtClean="0">
+              <a:rPr lang="en-US" altLang="ko-KR" b="1" dirty="0" err="1">
                 <a:latin typeface="나눔고딕" pitchFamily="50" charset="-127"/>
                 <a:ea typeface="나눔고딕" pitchFamily="50" charset="-127"/>
                 <a:cs typeface="Times New Roman"/>
               </a:rPr>
               <a:t>dialektike</a:t>
             </a:r>
-            <a:endParaRPr lang="en-US" altLang="ko-KR" b="1" dirty="0" smtClean="0">
+            <a:endParaRPr lang="en-US" altLang="ko-KR" b="1" dirty="0">
               <a:latin typeface="나눔고딕" pitchFamily="50" charset="-127"/>
               <a:ea typeface="나눔고딕" pitchFamily="50" charset="-127"/>
               <a:cs typeface="Times New Roman"/>
@@ -7478,7 +7414,7 @@
               </a:lnSpc>
             </a:pPr>
             <a:r>
-              <a:rPr lang="en-US" altLang="ko-KR" b="1" dirty="0" err="1" smtClean="0">
+              <a:rPr lang="en-US" altLang="ko-KR" b="1" dirty="0" err="1">
                 <a:latin typeface="나눔고딕" pitchFamily="50" charset="-127"/>
                 <a:ea typeface="나눔고딕" pitchFamily="50" charset="-127"/>
                 <a:cs typeface="Times New Roman"/>
@@ -7486,7 +7422,7 @@
               <a:t>dialektike</a:t>
             </a:r>
             <a:r>
-              <a:rPr lang="en-US" altLang="ko-KR" b="1" dirty="0" smtClean="0">
+              <a:rPr lang="en-US" altLang="ko-KR" b="1" dirty="0">
                 <a:latin typeface="나눔고딕" pitchFamily="50" charset="-127"/>
                 <a:ea typeface="나눔고딕" pitchFamily="50" charset="-127"/>
                 <a:cs typeface="Times New Roman"/>
@@ -7494,7 +7430,7 @@
               <a:t> (</a:t>
             </a:r>
             <a:r>
-              <a:rPr lang="ko-KR" altLang="en-US" b="1" dirty="0" smtClean="0">
+              <a:rPr lang="ko-KR" altLang="en-US" b="1" dirty="0">
                 <a:latin typeface="나눔고딕" pitchFamily="50" charset="-127"/>
                 <a:ea typeface="나눔고딕" pitchFamily="50" charset="-127"/>
                 <a:cs typeface="Times New Roman"/>
@@ -7502,7 +7438,7 @@
               <a:t>변증술</a:t>
             </a:r>
             <a:r>
-              <a:rPr lang="en-US" altLang="ko-KR" b="1" dirty="0" smtClean="0">
+              <a:rPr lang="en-US" altLang="ko-KR" b="1" dirty="0">
                 <a:latin typeface="나눔고딕" pitchFamily="50" charset="-127"/>
                 <a:ea typeface="나눔고딕" pitchFamily="50" charset="-127"/>
                 <a:cs typeface="Times New Roman"/>
@@ -7510,7 +7446,7 @@
               <a:t>, </a:t>
             </a:r>
             <a:r>
-              <a:rPr lang="ko-KR" altLang="en-US" b="1" dirty="0" err="1" smtClean="0">
+              <a:rPr lang="ko-KR" altLang="en-US" b="1" dirty="0" err="1">
                 <a:latin typeface="나눔고딕" pitchFamily="50" charset="-127"/>
                 <a:ea typeface="나눔고딕" pitchFamily="50" charset="-127"/>
                 <a:cs typeface="Times New Roman"/>
@@ -7518,7 +7454,7 @@
               <a:t>대화술</a:t>
             </a:r>
             <a:r>
-              <a:rPr lang="en-US" altLang="ko-KR" b="1" dirty="0" smtClean="0">
+              <a:rPr lang="en-US" altLang="ko-KR" b="1" dirty="0">
                 <a:latin typeface="나눔고딕" pitchFamily="50" charset="-127"/>
                 <a:ea typeface="나눔고딕" pitchFamily="50" charset="-127"/>
                 <a:cs typeface="Times New Roman"/>
@@ -7535,7 +7471,7 @@
               <a:buChar char="-"/>
             </a:pPr>
             <a:r>
-              <a:rPr lang="ko-KR" altLang="en-US" b="1" dirty="0" smtClean="0">
+              <a:rPr lang="ko-KR" altLang="en-US" b="1" dirty="0">
                 <a:latin typeface="나눔고딕" pitchFamily="50" charset="-127"/>
                 <a:ea typeface="나눔고딕" pitchFamily="50" charset="-127"/>
                 <a:cs typeface="Times New Roman"/>
@@ -7543,7 +7479,7 @@
               <a:t>   소크라테스</a:t>
             </a:r>
             <a:r>
-              <a:rPr lang="en-US" altLang="ko-KR" b="1" dirty="0" smtClean="0">
+              <a:rPr lang="en-US" altLang="ko-KR" b="1" dirty="0">
                 <a:latin typeface="나눔고딕" pitchFamily="50" charset="-127"/>
                 <a:ea typeface="나눔고딕" pitchFamily="50" charset="-127"/>
                 <a:cs typeface="Times New Roman"/>
@@ -7551,14 +7487,14 @@
               <a:t>, </a:t>
             </a:r>
             <a:r>
-              <a:rPr lang="ko-KR" altLang="en-US" b="1" dirty="0" smtClean="0">
+              <a:rPr lang="ko-KR" altLang="en-US" b="1" dirty="0">
                 <a:latin typeface="나눔고딕" pitchFamily="50" charset="-127"/>
                 <a:ea typeface="나눔고딕" pitchFamily="50" charset="-127"/>
                 <a:cs typeface="Times New Roman"/>
               </a:rPr>
               <a:t>플라톤의 방법</a:t>
             </a:r>
-            <a:endParaRPr lang="en-US" altLang="ko-KR" b="1" dirty="0" smtClean="0">
+            <a:endParaRPr lang="en-US" altLang="ko-KR" b="1" dirty="0">
               <a:latin typeface="나눔고딕" pitchFamily="50" charset="-127"/>
               <a:ea typeface="나눔고딕" pitchFamily="50" charset="-127"/>
               <a:cs typeface="Times New Roman"/>
@@ -7573,7 +7509,7 @@
               <a:buChar char="-"/>
             </a:pPr>
             <a:r>
-              <a:rPr lang="en-US" altLang="ko-KR" b="1" dirty="0" smtClean="0">
+              <a:rPr lang="en-US" altLang="ko-KR" b="1" dirty="0">
                 <a:latin typeface="나눔고딕" pitchFamily="50" charset="-127"/>
                 <a:ea typeface="나눔고딕" pitchFamily="50" charset="-127"/>
                 <a:cs typeface="Times New Roman"/>
@@ -7581,42 +7517,42 @@
               <a:t>   </a:t>
             </a:r>
             <a:r>
-              <a:rPr lang="ko-KR" altLang="en-US" b="1" dirty="0" smtClean="0">
+              <a:rPr lang="ko-KR" altLang="en-US" b="1" dirty="0">
                 <a:latin typeface="나눔고딕" pitchFamily="50" charset="-127"/>
                 <a:ea typeface="나눔고딕" pitchFamily="50" charset="-127"/>
               </a:rPr>
               <a:t>소크라테스의 </a:t>
             </a:r>
             <a:r>
-              <a:rPr lang="ko-KR" altLang="en-US" b="1" dirty="0" err="1" smtClean="0">
+              <a:rPr lang="ko-KR" altLang="en-US" b="1" dirty="0" err="1">
                 <a:latin typeface="나눔고딕" pitchFamily="50" charset="-127"/>
                 <a:ea typeface="나눔고딕" pitchFamily="50" charset="-127"/>
               </a:rPr>
               <a:t>대화술</a:t>
             </a:r>
             <a:r>
-              <a:rPr lang="en-US" altLang="ko-KR" b="1" dirty="0" smtClean="0">
+              <a:rPr lang="en-US" altLang="ko-KR" b="1" dirty="0">
                 <a:latin typeface="나눔고딕" pitchFamily="50" charset="-127"/>
                 <a:ea typeface="나눔고딕" pitchFamily="50" charset="-127"/>
               </a:rPr>
               <a:t>: </a:t>
             </a:r>
             <a:r>
-              <a:rPr lang="ko-KR" altLang="en-US" b="1" dirty="0" smtClean="0">
+              <a:rPr lang="ko-KR" altLang="en-US" b="1" dirty="0">
                 <a:latin typeface="나눔고딕" pitchFamily="50" charset="-127"/>
                 <a:ea typeface="나눔고딕" pitchFamily="50" charset="-127"/>
               </a:rPr>
               <a:t>자신의 믿음이 단지 제한된 주관적인 의견임을 알게 됨 → 이 의견을 부정하고 더 나은 의견 및 완전한 앎을 향해 나아감</a:t>
             </a:r>
             <a:r>
-              <a:rPr lang="en-US" altLang="ko-KR" b="1" dirty="0" smtClean="0">
+              <a:rPr lang="en-US" altLang="ko-KR" b="1" dirty="0">
                 <a:latin typeface="나눔고딕" pitchFamily="50" charset="-127"/>
                 <a:ea typeface="나눔고딕" pitchFamily="50" charset="-127"/>
                 <a:cs typeface="Times New Roman"/>
               </a:rPr>
               <a:t>  </a:t>
             </a:r>
-            <a:endParaRPr lang="en-US" altLang="ko-KR" b="1" dirty="0" smtClean="0">
+            <a:endParaRPr lang="en-US" altLang="ko-KR" b="1" dirty="0">
               <a:latin typeface="나눔고딕" pitchFamily="50" charset="-127"/>
               <a:ea typeface="나눔고딕" pitchFamily="50" charset="-127"/>
             </a:endParaRPr>
@@ -7627,7 +7563,7 @@
                 <a:spcPct val="150000"/>
               </a:lnSpc>
             </a:pPr>
-            <a:endParaRPr lang="en-US" altLang="ko-KR" dirty="0" smtClean="0">
+            <a:endParaRPr lang="en-US" altLang="ko-KR" dirty="0">
               <a:latin typeface="나눔고딕"/>
               <a:ea typeface="나눔고딕"/>
             </a:endParaRPr>
@@ -7650,30 +7586,26 @@
           <a:lstStyle/>
           <a:p>
             <a:r>
-              <a:rPr lang="ko-KR" altLang="en-US" b="1" dirty="0" smtClean="0">
+              <a:rPr lang="ko-KR" altLang="en-US" b="1" dirty="0">
                 <a:latin typeface="나눔고딕" pitchFamily="50" charset="-127"/>
                 <a:ea typeface="나눔고딕" pitchFamily="50" charset="-127"/>
               </a:rPr>
               <a:t>변증법</a:t>
             </a:r>
             <a:r>
-              <a:rPr lang="en-US" altLang="ko-KR" b="1" dirty="0" smtClean="0">
+              <a:rPr lang="en-US" altLang="ko-KR" b="1" dirty="0">
                 <a:latin typeface="나눔고딕" pitchFamily="50" charset="-127"/>
                 <a:ea typeface="나눔고딕" pitchFamily="50" charset="-127"/>
               </a:rPr>
               <a:t>: </a:t>
             </a:r>
             <a:r>
-              <a:rPr lang="ko-KR" altLang="en-US" b="1" dirty="0" smtClean="0">
+              <a:rPr lang="ko-KR" altLang="en-US" b="1" dirty="0">
                 <a:latin typeface="나눔고딕" pitchFamily="50" charset="-127"/>
                 <a:ea typeface="나눔고딕" pitchFamily="50" charset="-127"/>
               </a:rPr>
               <a:t>규정을 통한 부정</a:t>
             </a:r>
-            <a:endParaRPr lang="ko-KR" altLang="en-US" b="1" dirty="0">
-              <a:latin typeface="나눔고딕" pitchFamily="50" charset="-127"/>
-              <a:ea typeface="나눔고딕" pitchFamily="50" charset="-127"/>
-            </a:endParaRPr>
           </a:p>
         </p:txBody>
       </p:sp>
@@ -7682,13 +7614,6 @@
   <p:clrMapOvr>
     <a:masterClrMapping/>
   </p:clrMapOvr>
-  <p:timing>
-    <p:tnLst>
-      <p:par>
-        <p:cTn id="1" dur="indefinite" restart="never" nodeType="tmRoot"/>
-      </p:par>
-    </p:tnLst>
-  </p:timing>
 </p:sld>
 </file>
 
@@ -8124,28 +8049,28 @@
           <a:p>
             <a:pPr algn="ctr"/>
             <a:r>
-              <a:rPr lang="ko-KR" altLang="en-US" b="1" dirty="0" smtClean="0">
+              <a:rPr lang="ko-KR" altLang="en-US" b="1" dirty="0">
                 <a:latin typeface="나눔고딕" pitchFamily="50" charset="-127"/>
                 <a:ea typeface="나눔고딕" pitchFamily="50" charset="-127"/>
               </a:rPr>
               <a:t>인간과 기계의 차이</a:t>
             </a:r>
             <a:r>
-              <a:rPr lang="en-US" altLang="ko-KR" b="1" dirty="0" smtClean="0">
+              <a:rPr lang="en-US" altLang="ko-KR" b="1" dirty="0">
                 <a:latin typeface="나눔고딕" pitchFamily="50" charset="-127"/>
                 <a:ea typeface="나눔고딕" pitchFamily="50" charset="-127"/>
               </a:rPr>
               <a:t>: </a:t>
             </a:r>
             <a:r>
-              <a:rPr lang="ko-KR" altLang="en-US" b="1" dirty="0" smtClean="0">
+              <a:rPr lang="ko-KR" altLang="en-US" b="1" dirty="0">
                 <a:latin typeface="나눔고딕" pitchFamily="50" charset="-127"/>
                 <a:ea typeface="나눔고딕" pitchFamily="50" charset="-127"/>
               </a:rPr>
               <a:t>창의성</a:t>
             </a:r>
             <a:r>
-              <a:rPr lang="en-US" altLang="ko-KR" b="1" dirty="0" smtClean="0">
+              <a:rPr lang="en-US" altLang="ko-KR" b="1" dirty="0">
                 <a:latin typeface="나눔고딕" pitchFamily="50" charset="-127"/>
                 <a:ea typeface="나눔고딕" pitchFamily="50" charset="-127"/>
               </a:rPr>
@@ -8155,6 +8080,85 @@
               <a:latin typeface="나눔고딕" pitchFamily="50" charset="-127"/>
               <a:ea typeface="나눔고딕" pitchFamily="50" charset="-127"/>
             </a:endParaRPr>
+          </a:p>
+        </p:txBody>
+      </p:sp>
+      <p:cxnSp>
+        <p:nvCxnSpPr>
+          <p:cNvPr id="5" name="직선 화살표 연결선 4">
+            <a:extLst>
+              <a:ext uri="{FF2B5EF4-FFF2-40B4-BE49-F238E27FC236}">
+                <a16:creationId xmlns:a16="http://schemas.microsoft.com/office/drawing/2014/main" id="{4267CC79-974D-43AE-AB10-36A7C37AA116}"/>
+              </a:ext>
+            </a:extLst>
+          </p:cNvPr>
+          <p:cNvCxnSpPr/>
+          <p:nvPr/>
+        </p:nvCxnSpPr>
+        <p:spPr>
+          <a:xfrm>
+            <a:off x="5663952" y="5805264"/>
+            <a:ext cx="1080120" cy="0"/>
+          </a:xfrm>
+          <a:prstGeom prst="straightConnector1">
+            <a:avLst/>
+          </a:prstGeom>
+          <a:ln>
+            <a:tailEnd type="triangle"/>
+          </a:ln>
+        </p:spPr>
+        <p:style>
+          <a:lnRef idx="1">
+            <a:schemeClr val="accent1"/>
+          </a:lnRef>
+          <a:fillRef idx="0">
+            <a:schemeClr val="accent1"/>
+          </a:fillRef>
+          <a:effectRef idx="0">
+            <a:schemeClr val="accent1"/>
+          </a:effectRef>
+          <a:fontRef idx="minor">
+            <a:schemeClr val="tx1"/>
+          </a:fontRef>
+        </p:style>
+      </p:cxnSp>
+      <p:sp>
+        <p:nvSpPr>
+          <p:cNvPr id="6" name="TextBox 5">
+            <a:extLst>
+              <a:ext uri="{FF2B5EF4-FFF2-40B4-BE49-F238E27FC236}">
+                <a16:creationId xmlns:a16="http://schemas.microsoft.com/office/drawing/2014/main" id="{6FCB6808-B353-4CF1-9791-BCCD0BA0EA6C}"/>
+              </a:ext>
+            </a:extLst>
+          </p:cNvPr>
+          <p:cNvSpPr txBox="1"/>
+          <p:nvPr/>
+        </p:nvSpPr>
+        <p:spPr>
+          <a:xfrm>
+            <a:off x="7176120" y="5445224"/>
+            <a:ext cx="1872208" cy="369332"/>
+          </a:xfrm>
+          <a:prstGeom prst="rect">
+            <a:avLst/>
+          </a:prstGeom>
+          <a:noFill/>
+        </p:spPr>
+        <p:txBody>
+          <a:bodyPr wrap="square" rtlCol="0">
+            <a:spAutoFit/>
+          </a:bodyPr>
+          <a:lstStyle/>
+          <a:p>
+            <a:r>
+              <a:rPr lang="ko-KR" altLang="en-US" dirty="0"/>
+              <a:t>혼돈</a:t>
+            </a:r>
+            <a:r>
+              <a:rPr lang="en-US" altLang="ko-KR" dirty="0"/>
+              <a:t>?</a:t>
+            </a:r>
+            <a:endParaRPr lang="ko-KR" altLang="en-US" dirty="0"/>
           </a:p>
         </p:txBody>
       </p:sp>
@@ -8163,13 +8167,6 @@
   <p:clrMapOvr>
     <a:masterClrMapping/>
   </p:clrMapOvr>
-  <p:timing>
-    <p:tnLst>
-      <p:par>
-        <p:cTn id="1" dur="indefinite" restart="never" nodeType="tmRoot"/>
-      </p:par>
-    </p:tnLst>
-  </p:timing>
 </p:sld>
 </file>
 
@@ -9026,21 +9023,21 @@
               </a:lnSpc>
             </a:pPr>
             <a:r>
-              <a:rPr lang="en-US" altLang="ko-KR" b="1" dirty="0" smtClean="0">
+              <a:rPr lang="en-US" altLang="ko-KR" b="1" dirty="0">
                 <a:latin typeface="나눔고딕" pitchFamily="50" charset="-127"/>
                 <a:ea typeface="나눔고딕" pitchFamily="50" charset="-127"/>
               </a:rPr>
               <a:t>“</a:t>
             </a:r>
             <a:r>
-              <a:rPr lang="ko-KR" altLang="en-US" b="1" dirty="0" smtClean="0">
+              <a:rPr lang="ko-KR" altLang="en-US" b="1" dirty="0">
                 <a:latin typeface="나눔고딕" pitchFamily="50" charset="-127"/>
                 <a:ea typeface="나눔고딕" pitchFamily="50" charset="-127"/>
               </a:rPr>
               <a:t>알파고가 지난해까지만 해도 </a:t>
             </a:r>
             <a:r>
-              <a:rPr lang="ko-KR" altLang="en-US" b="1" dirty="0" smtClean="0">
+              <a:rPr lang="ko-KR" altLang="en-US" b="1" dirty="0">
                 <a:solidFill>
                   <a:srgbClr val="FF0000"/>
                 </a:solidFill>
@@ -9050,28 +9047,28 @@
               <a:t>사람</a:t>
             </a:r>
             <a:r>
-              <a:rPr lang="ko-KR" altLang="en-US" b="1" dirty="0" smtClean="0">
+              <a:rPr lang="ko-KR" altLang="en-US" b="1" dirty="0">
                 <a:latin typeface="나눔고딕" pitchFamily="50" charset="-127"/>
                 <a:ea typeface="나눔고딕" pitchFamily="50" charset="-127"/>
               </a:rPr>
               <a:t> 같았는데</a:t>
             </a:r>
             <a:r>
-              <a:rPr lang="en-US" altLang="ko-KR" b="1" dirty="0" smtClean="0">
+              <a:rPr lang="en-US" altLang="ko-KR" b="1" dirty="0">
                 <a:latin typeface="나눔고딕" pitchFamily="50" charset="-127"/>
                 <a:ea typeface="나눔고딕" pitchFamily="50" charset="-127"/>
               </a:rPr>
               <a:t>, </a:t>
             </a:r>
             <a:r>
-              <a:rPr lang="ko-KR" altLang="en-US" b="1" dirty="0" smtClean="0">
+              <a:rPr lang="ko-KR" altLang="en-US" b="1" dirty="0">
                 <a:latin typeface="나눔고딕" pitchFamily="50" charset="-127"/>
                 <a:ea typeface="나눔고딕" pitchFamily="50" charset="-127"/>
               </a:rPr>
               <a:t>이제는 바둑의 </a:t>
             </a:r>
             <a:r>
-              <a:rPr lang="ko-KR" altLang="en-US" b="1" dirty="0" smtClean="0">
+              <a:rPr lang="ko-KR" altLang="en-US" b="1" dirty="0">
                 <a:solidFill>
                   <a:srgbClr val="FF0000"/>
                 </a:solidFill>
@@ -9081,63 +9078,63 @@
               <a:t>신</a:t>
             </a:r>
             <a:r>
-              <a:rPr lang="ko-KR" altLang="en-US" b="1" dirty="0" smtClean="0">
+              <a:rPr lang="ko-KR" altLang="en-US" b="1" dirty="0">
                 <a:latin typeface="나눔고딕" pitchFamily="50" charset="-127"/>
                 <a:ea typeface="나눔고딕" pitchFamily="50" charset="-127"/>
               </a:rPr>
               <a:t> 같다</a:t>
             </a:r>
             <a:r>
-              <a:rPr lang="en-US" altLang="ko-KR" b="1" dirty="0" smtClean="0">
+              <a:rPr lang="en-US" altLang="ko-KR" b="1" dirty="0">
                 <a:latin typeface="나눔고딕" pitchFamily="50" charset="-127"/>
                 <a:ea typeface="나눔고딕" pitchFamily="50" charset="-127"/>
               </a:rPr>
               <a:t>. </a:t>
             </a:r>
             <a:r>
-              <a:rPr lang="ko-KR" altLang="en-US" b="1" dirty="0" err="1" smtClean="0">
+              <a:rPr lang="ko-KR" altLang="en-US" b="1" dirty="0" err="1">
                 <a:latin typeface="나눔고딕" pitchFamily="50" charset="-127"/>
                 <a:ea typeface="나눔고딕" pitchFamily="50" charset="-127"/>
               </a:rPr>
               <a:t>알파고와</a:t>
             </a:r>
             <a:r>
-              <a:rPr lang="ko-KR" altLang="en-US" b="1" dirty="0" smtClean="0">
+              <a:rPr lang="ko-KR" altLang="en-US" b="1" dirty="0">
                 <a:latin typeface="나눔고딕" pitchFamily="50" charset="-127"/>
                 <a:ea typeface="나눔고딕" pitchFamily="50" charset="-127"/>
               </a:rPr>
               <a:t> 프로기사가 어느 정도 기력 차이가 나는지도 가늠하기 어렵다</a:t>
             </a:r>
             <a:r>
-              <a:rPr lang="en-US" altLang="ko-KR" b="1" dirty="0" smtClean="0">
+              <a:rPr lang="en-US" altLang="ko-KR" b="1" dirty="0">
                 <a:latin typeface="나눔고딕" pitchFamily="50" charset="-127"/>
                 <a:ea typeface="나눔고딕" pitchFamily="50" charset="-127"/>
               </a:rPr>
               <a:t>. </a:t>
             </a:r>
             <a:r>
-              <a:rPr lang="ko-KR" altLang="en-US" b="1" dirty="0" smtClean="0">
+              <a:rPr lang="ko-KR" altLang="en-US" b="1" dirty="0">
                 <a:latin typeface="나눔고딕" pitchFamily="50" charset="-127"/>
                 <a:ea typeface="나눔고딕" pitchFamily="50" charset="-127"/>
               </a:rPr>
               <a:t>앞으로 </a:t>
             </a:r>
             <a:r>
-              <a:rPr lang="ko-KR" altLang="en-US" b="1" dirty="0" err="1" smtClean="0">
+              <a:rPr lang="ko-KR" altLang="en-US" b="1" dirty="0" err="1">
                 <a:latin typeface="나눔고딕" pitchFamily="50" charset="-127"/>
                 <a:ea typeface="나눔고딕" pitchFamily="50" charset="-127"/>
               </a:rPr>
               <a:t>알파고를</a:t>
             </a:r>
             <a:r>
-              <a:rPr lang="ko-KR" altLang="en-US" b="1" dirty="0" smtClean="0">
+              <a:rPr lang="ko-KR" altLang="en-US" b="1" dirty="0">
                 <a:latin typeface="나눔고딕" pitchFamily="50" charset="-127"/>
                 <a:ea typeface="나눔고딕" pitchFamily="50" charset="-127"/>
               </a:rPr>
               <a:t> 바둑의 스승으로 삼겠다</a:t>
             </a:r>
             <a:r>
-              <a:rPr lang="en-US" altLang="ko-KR" b="1" dirty="0" smtClean="0">
+              <a:rPr lang="en-US" altLang="ko-KR" b="1" dirty="0">
                 <a:latin typeface="나눔고딕" pitchFamily="50" charset="-127"/>
                 <a:ea typeface="나눔고딕" pitchFamily="50" charset="-127"/>
               </a:rPr>
@@ -9158,14 +9155,14 @@
               <a:t> </a:t>
             </a:r>
             <a:r>
-              <a:rPr lang="ko-KR" altLang="en-US" b="1" dirty="0" smtClean="0">
+              <a:rPr lang="ko-KR" altLang="en-US" b="1" dirty="0">
                 <a:latin typeface="나눔고딕" pitchFamily="50" charset="-127"/>
                 <a:ea typeface="나눔고딕" pitchFamily="50" charset="-127"/>
               </a:rPr>
               <a:t>알파고의 장점으로 </a:t>
             </a:r>
             <a:r>
-              <a:rPr lang="ko-KR" altLang="en-US" b="1" dirty="0" smtClean="0">
+              <a:rPr lang="ko-KR" altLang="en-US" b="1" dirty="0">
                 <a:solidFill>
                   <a:srgbClr val="FF0000"/>
                 </a:solidFill>
@@ -9175,14 +9172,14 @@
               <a:t>창의력</a:t>
             </a:r>
             <a:r>
-              <a:rPr lang="ko-KR" altLang="en-US" b="1" dirty="0" smtClean="0">
+              <a:rPr lang="ko-KR" altLang="en-US" b="1" dirty="0">
                 <a:latin typeface="나눔고딕" pitchFamily="50" charset="-127"/>
                 <a:ea typeface="나눔고딕" pitchFamily="50" charset="-127"/>
               </a:rPr>
               <a:t>과 </a:t>
             </a:r>
             <a:r>
-              <a:rPr lang="ko-KR" altLang="en-US" b="1" dirty="0" smtClean="0">
+              <a:rPr lang="ko-KR" altLang="en-US" b="1" dirty="0">
                 <a:solidFill>
                   <a:srgbClr val="FF0000"/>
                 </a:solidFill>
@@ -9192,13 +9189,13 @@
               <a:t>자유로운 발상</a:t>
             </a:r>
             <a:r>
-              <a:rPr lang="ko-KR" altLang="en-US" b="1" dirty="0" smtClean="0">
+              <a:rPr lang="ko-KR" altLang="en-US" b="1" dirty="0">
                 <a:latin typeface="나눔고딕" pitchFamily="50" charset="-127"/>
                 <a:ea typeface="나눔고딕" pitchFamily="50" charset="-127"/>
               </a:rPr>
               <a:t>을 꼽음 </a:t>
             </a:r>
-            <a:endParaRPr lang="en-US" altLang="ko-KR" b="1" dirty="0" smtClean="0">
+            <a:endParaRPr lang="en-US" altLang="ko-KR" b="1" dirty="0">
               <a:latin typeface="나눔고딕" pitchFamily="50" charset="-127"/>
               <a:ea typeface="나눔고딕" pitchFamily="50" charset="-127"/>
             </a:endParaRPr>
@@ -9211,7 +9208,7 @@
               <a:buNone/>
             </a:pPr>
             <a:r>
-              <a:rPr lang="ko-KR" altLang="en-US" b="1" dirty="0" smtClean="0">
+              <a:rPr lang="ko-KR" altLang="en-US" b="1" dirty="0">
                 <a:latin typeface="Times New Roman"/>
                 <a:ea typeface="나눔고딕" pitchFamily="50" charset="-127"/>
                 <a:cs typeface="Times New Roman"/>
@@ -9219,7 +9216,7 @@
               <a:t>→ </a:t>
             </a:r>
             <a:r>
-              <a:rPr lang="ko-KR" altLang="en-US" b="1" dirty="0" err="1" smtClean="0">
+              <a:rPr lang="ko-KR" altLang="en-US" b="1" dirty="0" err="1">
                 <a:latin typeface="Times New Roman"/>
                 <a:ea typeface="나눔고딕" pitchFamily="50" charset="-127"/>
                 <a:cs typeface="Times New Roman"/>
@@ -9227,7 +9224,7 @@
               <a:t>커제에게</a:t>
             </a:r>
             <a:r>
-              <a:rPr lang="ko-KR" altLang="en-US" b="1" dirty="0" smtClean="0">
+              <a:rPr lang="ko-KR" altLang="en-US" b="1" dirty="0">
                 <a:latin typeface="Times New Roman"/>
                 <a:ea typeface="나눔고딕" pitchFamily="50" charset="-127"/>
                 <a:cs typeface="Times New Roman"/>
@@ -9235,7 +9232,7 @@
               <a:t> </a:t>
             </a:r>
             <a:r>
-              <a:rPr lang="ko-KR" altLang="en-US" b="1" dirty="0" err="1" smtClean="0">
+              <a:rPr lang="ko-KR" altLang="en-US" b="1" dirty="0" err="1">
                 <a:latin typeface="Times New Roman"/>
                 <a:ea typeface="나눔고딕" pitchFamily="50" charset="-127"/>
                 <a:cs typeface="Times New Roman"/>
@@ -9243,7 +9240,7 @@
               <a:t>알파고는</a:t>
             </a:r>
             <a:r>
-              <a:rPr lang="ko-KR" altLang="en-US" b="1" dirty="0" smtClean="0">
+              <a:rPr lang="ko-KR" altLang="en-US" b="1" dirty="0">
                 <a:latin typeface="Times New Roman"/>
                 <a:ea typeface="나눔고딕" pitchFamily="50" charset="-127"/>
                 <a:cs typeface="Times New Roman"/>
@@ -9251,7 +9248,7 @@
               <a:t> 창의력과 새로운 발상을 하는 것으로</a:t>
             </a:r>
             <a:r>
-              <a:rPr lang="en-US" altLang="ko-KR" b="1" dirty="0" smtClean="0">
+              <a:rPr lang="en-US" altLang="ko-KR" b="1" dirty="0">
                 <a:latin typeface="Times New Roman"/>
                 <a:ea typeface="나눔고딕" pitchFamily="50" charset="-127"/>
                 <a:cs typeface="Times New Roman"/>
@@ -9259,7 +9256,7 @@
               <a:t>, </a:t>
             </a:r>
             <a:r>
-              <a:rPr lang="ko-KR" altLang="en-US" b="1" dirty="0" smtClean="0">
+              <a:rPr lang="ko-KR" altLang="en-US" b="1" dirty="0">
                 <a:latin typeface="Times New Roman"/>
                 <a:ea typeface="나눔고딕" pitchFamily="50" charset="-127"/>
                 <a:cs typeface="Times New Roman"/>
@@ -9267,7 +9264,7 @@
               <a:t>즉 </a:t>
             </a:r>
             <a:r>
-              <a:rPr lang="en-US" altLang="ko-KR" b="1" dirty="0" smtClean="0">
+              <a:rPr lang="en-US" altLang="ko-KR" b="1" dirty="0">
                 <a:latin typeface="Times New Roman"/>
                 <a:ea typeface="나눔고딕" pitchFamily="50" charset="-127"/>
                 <a:cs typeface="Times New Roman"/>
@@ -9275,7 +9272,7 @@
               <a:t>‘</a:t>
             </a:r>
             <a:r>
-              <a:rPr lang="ko-KR" altLang="en-US" b="1" dirty="0" smtClean="0">
+              <a:rPr lang="ko-KR" altLang="en-US" b="1" dirty="0">
                 <a:latin typeface="Times New Roman"/>
                 <a:ea typeface="나눔고딕" pitchFamily="50" charset="-127"/>
                 <a:cs typeface="Times New Roman"/>
@@ -9283,7 +9280,7 @@
               <a:t>생각하는</a:t>
             </a:r>
             <a:r>
-              <a:rPr lang="en-US" altLang="ko-KR" b="1" dirty="0" smtClean="0">
+              <a:rPr lang="en-US" altLang="ko-KR" b="1" dirty="0">
                 <a:latin typeface="Times New Roman"/>
                 <a:ea typeface="나눔고딕" pitchFamily="50" charset="-127"/>
                 <a:cs typeface="Times New Roman"/>
@@ -9291,7 +9288,7 @@
               <a:t>’ </a:t>
             </a:r>
             <a:r>
-              <a:rPr lang="ko-KR" altLang="en-US" b="1" dirty="0" smtClean="0">
+              <a:rPr lang="ko-KR" altLang="en-US" b="1" dirty="0">
                 <a:latin typeface="Times New Roman"/>
                 <a:ea typeface="나눔고딕" pitchFamily="50" charset="-127"/>
                 <a:cs typeface="Times New Roman"/>
@@ -9299,7 +9296,7 @@
               <a:t>것으로 </a:t>
             </a:r>
             <a:r>
-              <a:rPr lang="ko-KR" altLang="en-US" b="1" u="sng" dirty="0" smtClean="0">
+              <a:rPr lang="ko-KR" altLang="en-US" b="1" u="sng" dirty="0">
                 <a:latin typeface="Times New Roman"/>
                 <a:ea typeface="나눔고딕" pitchFamily="50" charset="-127"/>
                 <a:cs typeface="Times New Roman"/>
@@ -9307,7 +9304,7 @@
               <a:t>보임</a:t>
             </a:r>
             <a:r>
-              <a:rPr lang="ko-KR" altLang="en-US" b="1" dirty="0" smtClean="0">
+              <a:rPr lang="ko-KR" altLang="en-US" b="1" dirty="0">
                 <a:latin typeface="Times New Roman"/>
                 <a:ea typeface="나눔고딕" pitchFamily="50" charset="-127"/>
                 <a:cs typeface="Times New Roman"/>
@@ -9315,7 +9312,7 @@
               <a:t> </a:t>
             </a:r>
             <a:r>
-              <a:rPr lang="en-US" altLang="ko-KR" b="1" dirty="0" smtClean="0">
+              <a:rPr lang="en-US" altLang="ko-KR" b="1" dirty="0">
                 <a:latin typeface="Times New Roman"/>
                 <a:ea typeface="나눔고딕" pitchFamily="50" charset="-127"/>
                 <a:cs typeface="Times New Roman"/>
@@ -9323,7 +9320,7 @@
               <a:t>(</a:t>
             </a:r>
             <a:r>
-              <a:rPr lang="ko-KR" altLang="en-US" b="1" dirty="0" smtClean="0">
+              <a:rPr lang="ko-KR" altLang="en-US" b="1" dirty="0">
                 <a:latin typeface="Times New Roman"/>
                 <a:ea typeface="나눔고딕" pitchFamily="50" charset="-127"/>
                 <a:cs typeface="Times New Roman"/>
@@ -9331,7 +9328,7 @@
               <a:t>테스터 </a:t>
             </a:r>
             <a:r>
-              <a:rPr lang="ko-KR" altLang="en-US" b="1" dirty="0" err="1" smtClean="0">
+              <a:rPr lang="ko-KR" altLang="en-US" b="1" dirty="0" err="1">
                 <a:latin typeface="Times New Roman"/>
                 <a:ea typeface="나눔고딕" pitchFamily="50" charset="-127"/>
                 <a:cs typeface="Times New Roman"/>
@@ -9339,7 +9336,7 @@
               <a:t>커제에게</a:t>
             </a:r>
             <a:r>
-              <a:rPr lang="ko-KR" altLang="en-US" b="1" dirty="0" smtClean="0">
+              <a:rPr lang="ko-KR" altLang="en-US" b="1" dirty="0">
                 <a:latin typeface="Times New Roman"/>
                 <a:ea typeface="나눔고딕" pitchFamily="50" charset="-127"/>
                 <a:cs typeface="Times New Roman"/>
@@ -9347,7 +9344,7 @@
               <a:t> </a:t>
             </a:r>
             <a:r>
-              <a:rPr lang="ko-KR" altLang="en-US" b="1" dirty="0" err="1" smtClean="0">
+              <a:rPr lang="ko-KR" altLang="en-US" b="1" dirty="0" err="1">
                 <a:latin typeface="Times New Roman"/>
                 <a:ea typeface="나눔고딕" pitchFamily="50" charset="-127"/>
                 <a:cs typeface="Times New Roman"/>
@@ -9355,7 +9352,7 @@
               <a:t>알파고는</a:t>
             </a:r>
             <a:r>
-              <a:rPr lang="ko-KR" altLang="en-US" b="1" dirty="0" smtClean="0">
+              <a:rPr lang="ko-KR" altLang="en-US" b="1" dirty="0">
                 <a:latin typeface="Times New Roman"/>
                 <a:ea typeface="나눔고딕" pitchFamily="50" charset="-127"/>
                 <a:cs typeface="Times New Roman"/>
@@ -9363,7 +9360,7 @@
               <a:t> </a:t>
             </a:r>
             <a:r>
-              <a:rPr lang="ko-KR" altLang="en-US" b="1" dirty="0" err="1" smtClean="0">
+              <a:rPr lang="ko-KR" altLang="en-US" b="1" dirty="0" err="1">
                 <a:latin typeface="Times New Roman"/>
                 <a:ea typeface="나눔고딕" pitchFamily="50" charset="-127"/>
                 <a:cs typeface="Times New Roman"/>
@@ -9371,7 +9368,7 @@
               <a:t>튜링</a:t>
             </a:r>
             <a:r>
-              <a:rPr lang="ko-KR" altLang="en-US" b="1" dirty="0" smtClean="0">
+              <a:rPr lang="ko-KR" altLang="en-US" b="1" dirty="0">
                 <a:latin typeface="Times New Roman"/>
                 <a:ea typeface="나눔고딕" pitchFamily="50" charset="-127"/>
                 <a:cs typeface="Times New Roman"/>
@@ -9379,7 +9376,7 @@
               <a:t> 테스트를 통과했다고 말할 수 있음</a:t>
             </a:r>
             <a:r>
-              <a:rPr lang="en-US" altLang="ko-KR" b="1" dirty="0" smtClean="0">
+              <a:rPr lang="en-US" altLang="ko-KR" b="1" dirty="0">
                 <a:latin typeface="Times New Roman"/>
                 <a:ea typeface="나눔고딕" pitchFamily="50" charset="-127"/>
                 <a:cs typeface="Times New Roman"/>
@@ -9393,7 +9390,7 @@
                 <a:spcPct val="150000"/>
               </a:lnSpc>
             </a:pPr>
-            <a:endParaRPr lang="en-US" altLang="ko-KR" b="1" dirty="0" smtClean="0">
+            <a:endParaRPr lang="en-US" altLang="ko-KR" b="1" dirty="0">
               <a:latin typeface="나눔고딕" pitchFamily="50" charset="-127"/>
               <a:ea typeface="나눔고딕" pitchFamily="50" charset="-127"/>
             </a:endParaRPr>
@@ -9419,28 +9416,28 @@
           <a:lstStyle/>
           <a:p>
             <a:r>
-              <a:rPr lang="ko-KR" altLang="en-US" dirty="0" err="1" smtClean="0">
+              <a:rPr lang="ko-KR" altLang="en-US" dirty="0" err="1">
                 <a:latin typeface="나눔고딕" pitchFamily="50" charset="-127"/>
                 <a:ea typeface="나눔고딕" pitchFamily="50" charset="-127"/>
               </a:rPr>
               <a:t>커제</a:t>
             </a:r>
             <a:r>
-              <a:rPr lang="en-US" altLang="ko-KR" dirty="0" smtClean="0">
+              <a:rPr lang="en-US" altLang="ko-KR" dirty="0">
                 <a:latin typeface="나눔고딕" pitchFamily="50" charset="-127"/>
                 <a:ea typeface="나눔고딕" pitchFamily="50" charset="-127"/>
               </a:rPr>
               <a:t> </a:t>
             </a:r>
             <a:r>
-              <a:rPr lang="ko-KR" altLang="en-US" dirty="0" smtClean="0">
+              <a:rPr lang="ko-KR" altLang="en-US" dirty="0">
                 <a:latin typeface="나눔고딕" pitchFamily="50" charset="-127"/>
                 <a:ea typeface="나눔고딕" pitchFamily="50" charset="-127"/>
               </a:rPr>
               <a:t>인터뷰</a:t>
             </a:r>
             <a:r>
-              <a:rPr lang="en-US" altLang="ko-KR" dirty="0" smtClean="0">
+              <a:rPr lang="en-US" altLang="ko-KR" dirty="0">
                 <a:latin typeface="나눔고딕" pitchFamily="50" charset="-127"/>
                 <a:ea typeface="나눔고딕" pitchFamily="50" charset="-127"/>
               </a:rPr>
@@ -9493,7 +9490,7 @@
         </p:spPr>
         <p:txBody>
           <a:bodyPr>
-            <a:normAutofit fontScale="92500"/>
+            <a:normAutofit fontScale="92500" lnSpcReduction="20000"/>
           </a:bodyPr>
           <a:lstStyle/>
           <a:p>
@@ -9503,42 +9500,42 @@
               </a:lnSpc>
             </a:pPr>
             <a:r>
-              <a:rPr lang="en-US" altLang="ko-KR" b="1" dirty="0" smtClean="0">
+              <a:rPr lang="en-US" altLang="ko-KR" b="1" dirty="0">
                 <a:latin typeface="나눔고딕" pitchFamily="50" charset="-127"/>
                 <a:ea typeface="나눔고딕" pitchFamily="50" charset="-127"/>
               </a:rPr>
               <a:t>“</a:t>
             </a:r>
             <a:r>
-              <a:rPr lang="ko-KR" altLang="en-US" b="1" dirty="0" err="1" smtClean="0">
+              <a:rPr lang="ko-KR" altLang="en-US" b="1" dirty="0" err="1">
                 <a:latin typeface="나눔고딕" pitchFamily="50" charset="-127"/>
                 <a:ea typeface="나눔고딕" pitchFamily="50" charset="-127"/>
               </a:rPr>
               <a:t>바둑계는</a:t>
             </a:r>
             <a:r>
-              <a:rPr lang="ko-KR" altLang="en-US" b="1" dirty="0" smtClean="0">
+              <a:rPr lang="ko-KR" altLang="en-US" b="1" dirty="0">
                 <a:latin typeface="나눔고딕" pitchFamily="50" charset="-127"/>
                 <a:ea typeface="나눔고딕" pitchFamily="50" charset="-127"/>
               </a:rPr>
               <a:t> 이미 기존 알파고의 수법을 많이 모방하고</a:t>
             </a:r>
             <a:r>
-              <a:rPr lang="en-US" altLang="ko-KR" b="1" dirty="0" smtClean="0">
+              <a:rPr lang="en-US" altLang="ko-KR" b="1" dirty="0">
                 <a:latin typeface="나눔고딕" pitchFamily="50" charset="-127"/>
                 <a:ea typeface="나눔고딕" pitchFamily="50" charset="-127"/>
               </a:rPr>
               <a:t>, </a:t>
             </a:r>
             <a:r>
-              <a:rPr lang="ko-KR" altLang="en-US" b="1" dirty="0" smtClean="0">
+              <a:rPr lang="ko-KR" altLang="en-US" b="1" dirty="0">
                 <a:latin typeface="나눔고딕" pitchFamily="50" charset="-127"/>
                 <a:ea typeface="나눔고딕" pitchFamily="50" charset="-127"/>
               </a:rPr>
               <a:t>거기서 </a:t>
             </a:r>
             <a:r>
-              <a:rPr lang="ko-KR" altLang="en-US" b="1" dirty="0" smtClean="0">
+              <a:rPr lang="ko-KR" altLang="en-US" b="1" dirty="0">
                 <a:solidFill>
                   <a:srgbClr val="FF0000"/>
                 </a:solidFill>
@@ -9548,14 +9545,14 @@
               <a:t>새로움</a:t>
             </a:r>
             <a:r>
-              <a:rPr lang="ko-KR" altLang="en-US" b="1" dirty="0" smtClean="0">
+              <a:rPr lang="ko-KR" altLang="en-US" b="1" dirty="0">
                 <a:latin typeface="나눔고딕" pitchFamily="50" charset="-127"/>
                 <a:ea typeface="나눔고딕" pitchFamily="50" charset="-127"/>
               </a:rPr>
               <a:t>을 창출하고 있다</a:t>
             </a:r>
             <a:r>
-              <a:rPr lang="en-US" altLang="ko-KR" b="1" dirty="0" smtClean="0">
+              <a:rPr lang="en-US" altLang="ko-KR" b="1" dirty="0">
                 <a:latin typeface="나눔고딕" pitchFamily="50" charset="-127"/>
                 <a:ea typeface="나눔고딕" pitchFamily="50" charset="-127"/>
               </a:rPr>
@@ -9569,53 +9566,46 @@
               </a:lnSpc>
             </a:pPr>
             <a:r>
-              <a:rPr lang="en-US" altLang="ko-KR" b="1" dirty="0" smtClean="0">
+              <a:rPr lang="en-US" altLang="ko-KR" b="1" dirty="0">
                 <a:latin typeface="나눔고딕" pitchFamily="50" charset="-127"/>
                 <a:ea typeface="나눔고딕" pitchFamily="50" charset="-127"/>
               </a:rPr>
               <a:t>(‘</a:t>
             </a:r>
             <a:r>
-              <a:rPr lang="ko-KR" altLang="en-US" b="1" dirty="0" smtClean="0">
+              <a:rPr lang="ko-KR" altLang="en-US" b="1" dirty="0">
                 <a:latin typeface="나눔고딕" pitchFamily="50" charset="-127"/>
                 <a:ea typeface="나눔고딕" pitchFamily="50" charset="-127"/>
               </a:rPr>
               <a:t>알파고 제로</a:t>
             </a:r>
             <a:r>
-              <a:rPr lang="en-US" altLang="ko-KR" b="1" dirty="0" smtClean="0">
+              <a:rPr lang="en-US" altLang="ko-KR" b="1" dirty="0">
                 <a:latin typeface="나눔고딕" pitchFamily="50" charset="-127"/>
                 <a:ea typeface="나눔고딕" pitchFamily="50" charset="-127"/>
               </a:rPr>
               <a:t>’</a:t>
             </a:r>
             <a:r>
-              <a:rPr lang="ko-KR" altLang="en-US" b="1" dirty="0" smtClean="0">
+              <a:rPr lang="ko-KR" altLang="en-US" b="1" dirty="0">
                 <a:latin typeface="나눔고딕" pitchFamily="50" charset="-127"/>
                 <a:ea typeface="나눔고딕" pitchFamily="50" charset="-127"/>
               </a:rPr>
               <a:t>에 대해</a:t>
             </a:r>
             <a:r>
-              <a:rPr lang="en-US" altLang="ko-KR" b="1" dirty="0" smtClean="0">
+              <a:rPr lang="en-US" altLang="ko-KR" b="1" dirty="0">
                 <a:latin typeface="나눔고딕" pitchFamily="50" charset="-127"/>
                 <a:ea typeface="나눔고딕" pitchFamily="50" charset="-127"/>
               </a:rPr>
               <a:t>) “</a:t>
             </a:r>
             <a:r>
-              <a:rPr lang="ko-KR" altLang="en-US" b="1" dirty="0" smtClean="0">
-                <a:latin typeface="나눔고딕" pitchFamily="50" charset="-127"/>
-                <a:ea typeface="나눔고딕" pitchFamily="50" charset="-127"/>
-              </a:rPr>
-              <a:t>알파고 </a:t>
-            </a:r>
-            <a:r>
-              <a:rPr lang="ko-KR" altLang="en-US" b="1" dirty="0">
-                <a:latin typeface="나눔고딕" pitchFamily="50" charset="-127"/>
-                <a:ea typeface="나눔고딕" pitchFamily="50" charset="-127"/>
-              </a:rPr>
-              <a:t>마스터가 강화학습을 위해 벌였던 </a:t>
+              <a:rPr lang="ko-KR" altLang="en-US" b="1" dirty="0">
+                <a:latin typeface="나눔고딕" pitchFamily="50" charset="-127"/>
+                <a:ea typeface="나눔고딕" pitchFamily="50" charset="-127"/>
+              </a:rPr>
+              <a:t>알파고 마스터가 강화학습을 위해 벌였던 </a:t>
             </a:r>
             <a:r>
               <a:rPr lang="en-US" altLang="ko-KR" b="1" dirty="0">
@@ -9653,7 +9643,7 @@
               <a:t> 대국</a:t>
             </a:r>
             <a:r>
-              <a:rPr lang="en-US" altLang="ko-KR" b="1" dirty="0" smtClean="0">
+              <a:rPr lang="en-US" altLang="ko-KR" b="1" dirty="0">
                 <a:latin typeface="나눔고딕" pitchFamily="50" charset="-127"/>
                 <a:ea typeface="나눔고딕" pitchFamily="50" charset="-127"/>
               </a:rPr>
@@ -9671,14 +9661,7 @@
                 <a:latin typeface="나눔고딕" pitchFamily="50" charset="-127"/>
                 <a:ea typeface="나눔고딕" pitchFamily="50" charset="-127"/>
               </a:rPr>
-              <a:t> 봤을 때와 </a:t>
-            </a:r>
-            <a:r>
-              <a:rPr lang="ko-KR" altLang="en-US" b="1" dirty="0" smtClean="0">
-                <a:latin typeface="나눔고딕" pitchFamily="50" charset="-127"/>
-                <a:ea typeface="나눔고딕" pitchFamily="50" charset="-127"/>
-              </a:rPr>
-              <a:t>비교해 </a:t>
+              <a:t> 봤을 때와 비교해 </a:t>
             </a:r>
             <a:r>
               <a:rPr lang="ko-KR" altLang="en-US" b="1" dirty="0">
@@ -9695,26 +9678,15 @@
                 <a:latin typeface="나눔고딕" pitchFamily="50" charset="-127"/>
                 <a:ea typeface="나눔고딕" pitchFamily="50" charset="-127"/>
               </a:rPr>
-              <a:t>의 강도가 </a:t>
-            </a:r>
-            <a:r>
-              <a:rPr lang="ko-KR" altLang="en-US" b="1" dirty="0" smtClean="0">
-                <a:latin typeface="나눔고딕" pitchFamily="50" charset="-127"/>
-                <a:ea typeface="나눔고딕" pitchFamily="50" charset="-127"/>
-              </a:rPr>
-              <a:t>덜하다</a:t>
-            </a:r>
-            <a:r>
-              <a:rPr lang="en-US" altLang="ko-KR" b="1" dirty="0" smtClean="0">
+              <a:t>의 강도가 덜하다</a:t>
+            </a:r>
+            <a:r>
+              <a:rPr lang="en-US" altLang="ko-KR" b="1" dirty="0">
                 <a:latin typeface="나눔고딕" pitchFamily="50" charset="-127"/>
                 <a:ea typeface="나눔고딕" pitchFamily="50" charset="-127"/>
               </a:rPr>
               <a:t>.”</a:t>
             </a:r>
-            <a:endParaRPr lang="en-US" altLang="ko-KR" b="1" dirty="0">
-              <a:latin typeface="나눔고딕" pitchFamily="50" charset="-127"/>
-              <a:ea typeface="나눔고딕" pitchFamily="50" charset="-127"/>
-            </a:endParaRPr>
           </a:p>
           <a:p>
             <a:pPr>
@@ -9723,25 +9695,18 @@
               </a:lnSpc>
             </a:pPr>
             <a:r>
-              <a:rPr lang="en-US" altLang="ko-KR" b="1" dirty="0" smtClean="0">
+              <a:rPr lang="en-US" altLang="ko-KR" b="1" dirty="0">
                 <a:latin typeface="나눔고딕" pitchFamily="50" charset="-127"/>
                 <a:ea typeface="나눔고딕" pitchFamily="50" charset="-127"/>
               </a:rPr>
               <a:t>“</a:t>
             </a:r>
             <a:r>
-              <a:rPr lang="ko-KR" altLang="en-US" b="1" dirty="0" smtClean="0">
-                <a:latin typeface="나눔고딕" pitchFamily="50" charset="-127"/>
-                <a:ea typeface="나눔고딕" pitchFamily="50" charset="-127"/>
-              </a:rPr>
-              <a:t>처음에는 </a:t>
-            </a:r>
-            <a:r>
-              <a:rPr lang="ko-KR" altLang="en-US" b="1" dirty="0">
-                <a:latin typeface="나눔고딕" pitchFamily="50" charset="-127"/>
-                <a:ea typeface="나눔고딕" pitchFamily="50" charset="-127"/>
-              </a:rPr>
-              <a:t>이해도 안 되고 </a:t>
+              <a:rPr lang="ko-KR" altLang="en-US" b="1" dirty="0">
+                <a:latin typeface="나눔고딕" pitchFamily="50" charset="-127"/>
+                <a:ea typeface="나눔고딕" pitchFamily="50" charset="-127"/>
+              </a:rPr>
+              <a:t>처음에는 이해도 안 되고 </a:t>
             </a:r>
             <a:r>
               <a:rPr lang="ko-KR" altLang="en-US" b="1" dirty="0">
@@ -9772,26 +9737,15 @@
                 <a:latin typeface="나눔고딕" pitchFamily="50" charset="-127"/>
                 <a:ea typeface="나눔고딕" pitchFamily="50" charset="-127"/>
               </a:rPr>
-              <a:t>그런 것을 이미 많이 접하고 나서 그런지 조금은 </a:t>
-            </a:r>
-            <a:r>
-              <a:rPr lang="ko-KR" altLang="en-US" b="1" dirty="0" smtClean="0">
-                <a:latin typeface="나눔고딕" pitchFamily="50" charset="-127"/>
-                <a:ea typeface="나눔고딕" pitchFamily="50" charset="-127"/>
-              </a:rPr>
-              <a:t>익숙해졌다</a:t>
-            </a:r>
-            <a:r>
-              <a:rPr lang="en-US" altLang="ko-KR" b="1" dirty="0" smtClean="0">
+              <a:t>그런 것을 이미 많이 접하고 나서 그런지 조금은 익숙해졌다</a:t>
+            </a:r>
+            <a:r>
+              <a:rPr lang="en-US" altLang="ko-KR" b="1" dirty="0">
                 <a:latin typeface="나눔고딕" pitchFamily="50" charset="-127"/>
                 <a:ea typeface="나눔고딕" pitchFamily="50" charset="-127"/>
               </a:rPr>
               <a:t>.”</a:t>
             </a:r>
-            <a:endParaRPr lang="en-US" altLang="ko-KR" b="1" dirty="0">
-              <a:latin typeface="나눔고딕" pitchFamily="50" charset="-127"/>
-              <a:ea typeface="나눔고딕" pitchFamily="50" charset="-127"/>
-            </a:endParaRPr>
           </a:p>
         </p:txBody>
       </p:sp>
@@ -9873,10 +9827,6 @@
               </a:rPr>
               <a:t>단의 인터뷰</a:t>
             </a:r>
-            <a:endParaRPr lang="ko-KR" altLang="en-US" sz="3200" dirty="0">
-              <a:latin typeface="나눔고딕" pitchFamily="50" charset="-127"/>
-              <a:ea typeface="나눔고딕" pitchFamily="50" charset="-127"/>
-            </a:endParaRPr>
           </a:p>
         </p:txBody>
       </p:sp>
@@ -9928,14 +9878,14 @@
               </a:lnSpc>
             </a:pPr>
             <a:r>
-              <a:rPr lang="en-US" altLang="ko-KR" b="1" dirty="0" smtClean="0">
+              <a:rPr lang="en-US" altLang="ko-KR" b="1" dirty="0">
                 <a:latin typeface="나눔고딕" pitchFamily="50" charset="-127"/>
                 <a:ea typeface="나눔고딕" pitchFamily="50" charset="-127"/>
               </a:rPr>
               <a:t> </a:t>
             </a:r>
             <a:r>
-              <a:rPr lang="ko-KR" altLang="en-US" b="1" dirty="0" smtClean="0">
+              <a:rPr lang="ko-KR" altLang="en-US" b="1" dirty="0">
                 <a:solidFill>
                   <a:srgbClr val="FF0000"/>
                 </a:solidFill>
@@ -9945,41 +9895,41 @@
               <a:t>우리의</a:t>
             </a:r>
             <a:r>
-              <a:rPr lang="ko-KR" altLang="en-US" b="1" dirty="0" smtClean="0">
+              <a:rPr lang="ko-KR" altLang="en-US" b="1" dirty="0">
                 <a:latin typeface="나눔고딕" pitchFamily="50" charset="-127"/>
                 <a:ea typeface="나눔고딕" pitchFamily="50" charset="-127"/>
               </a:rPr>
               <a:t> 지성으로 예측하지 못한 것</a:t>
             </a:r>
             <a:r>
-              <a:rPr lang="en-US" altLang="ko-KR" b="1" dirty="0" smtClean="0">
+              <a:rPr lang="en-US" altLang="ko-KR" b="1" dirty="0">
                 <a:latin typeface="나눔고딕" pitchFamily="50" charset="-127"/>
                 <a:ea typeface="나눔고딕" pitchFamily="50" charset="-127"/>
               </a:rPr>
               <a:t>, </a:t>
             </a:r>
             <a:r>
-              <a:rPr lang="ko-KR" altLang="en-US" b="1" dirty="0" smtClean="0">
+              <a:rPr lang="ko-KR" altLang="en-US" b="1" dirty="0">
                 <a:latin typeface="나눔고딕" pitchFamily="50" charset="-127"/>
                 <a:ea typeface="나눔고딕" pitchFamily="50" charset="-127"/>
               </a:rPr>
               <a:t>우리의 지성의 한계를 벗어난 것</a:t>
             </a:r>
             <a:r>
-              <a:rPr lang="en-US" altLang="ko-KR" b="1" dirty="0" smtClean="0">
+              <a:rPr lang="en-US" altLang="ko-KR" b="1" dirty="0">
                 <a:latin typeface="나눔고딕" pitchFamily="50" charset="-127"/>
                 <a:ea typeface="나눔고딕" pitchFamily="50" charset="-127"/>
               </a:rPr>
               <a:t>:</a:t>
             </a:r>
             <a:r>
-              <a:rPr lang="ko-KR" altLang="en-US" b="1" dirty="0" smtClean="0">
+              <a:rPr lang="ko-KR" altLang="en-US" b="1" dirty="0">
                 <a:latin typeface="나눔고딕" pitchFamily="50" charset="-127"/>
                 <a:ea typeface="나눔고딕" pitchFamily="50" charset="-127"/>
               </a:rPr>
               <a:t> 우리에게 창의적이고 새롭게 보임</a:t>
             </a:r>
-            <a:endParaRPr lang="en-US" altLang="ko-KR" b="1" dirty="0" smtClean="0">
+            <a:endParaRPr lang="en-US" altLang="ko-KR" b="1" dirty="0">
               <a:latin typeface="나눔고딕" pitchFamily="50" charset="-127"/>
               <a:ea typeface="나눔고딕" pitchFamily="50" charset="-127"/>
             </a:endParaRPr>
@@ -9991,41 +9941,41 @@
               </a:lnSpc>
             </a:pPr>
             <a:r>
-              <a:rPr lang="en-US" altLang="ko-KR" b="1" dirty="0" smtClean="0">
+              <a:rPr lang="en-US" altLang="ko-KR" b="1" dirty="0">
                 <a:latin typeface="나눔고딕" pitchFamily="50" charset="-127"/>
                 <a:ea typeface="나눔고딕" pitchFamily="50" charset="-127"/>
               </a:rPr>
               <a:t> ‘</a:t>
             </a:r>
             <a:r>
-              <a:rPr lang="ko-KR" altLang="en-US" b="1" dirty="0" err="1" smtClean="0">
+              <a:rPr lang="ko-KR" altLang="en-US" b="1" dirty="0" err="1">
                 <a:latin typeface="나눔고딕" pitchFamily="50" charset="-127"/>
                 <a:ea typeface="나눔고딕" pitchFamily="50" charset="-127"/>
               </a:rPr>
               <a:t>알파고는</a:t>
             </a:r>
             <a:r>
-              <a:rPr lang="ko-KR" altLang="en-US" b="1" dirty="0" smtClean="0">
+              <a:rPr lang="ko-KR" altLang="en-US" b="1" dirty="0">
                 <a:latin typeface="나눔고딕" pitchFamily="50" charset="-127"/>
                 <a:ea typeface="나눔고딕" pitchFamily="50" charset="-127"/>
               </a:rPr>
               <a:t> 바둑의 신</a:t>
             </a:r>
             <a:r>
-              <a:rPr lang="en-US" altLang="ko-KR" b="1" dirty="0" smtClean="0">
+              <a:rPr lang="en-US" altLang="ko-KR" b="1" dirty="0">
                 <a:latin typeface="나눔고딕" pitchFamily="50" charset="-127"/>
                 <a:ea typeface="나눔고딕" pitchFamily="50" charset="-127"/>
               </a:rPr>
               <a:t>’: </a:t>
             </a:r>
             <a:r>
-              <a:rPr lang="ko-KR" altLang="en-US" b="1" dirty="0" smtClean="0">
+              <a:rPr lang="ko-KR" altLang="en-US" b="1" dirty="0">
                 <a:latin typeface="나눔고딕" pitchFamily="50" charset="-127"/>
                 <a:ea typeface="나눔고딕" pitchFamily="50" charset="-127"/>
               </a:rPr>
               <a:t>인간 지성에 의한 이해가능성의 범위를 벗어남</a:t>
             </a:r>
-            <a:endParaRPr lang="en-US" altLang="ko-KR" b="1" dirty="0" smtClean="0">
+            <a:endParaRPr lang="en-US" altLang="ko-KR" b="1" dirty="0">
               <a:latin typeface="나눔고딕" pitchFamily="50" charset="-127"/>
               <a:ea typeface="나눔고딕" pitchFamily="50" charset="-127"/>
             </a:endParaRPr>
@@ -10037,132 +9987,132 @@
               </a:lnSpc>
             </a:pPr>
             <a:r>
-              <a:rPr lang="en-US" altLang="ko-KR" b="1" dirty="0" smtClean="0">
+              <a:rPr lang="en-US" altLang="ko-KR" b="1" dirty="0">
                 <a:latin typeface="나눔고딕" pitchFamily="50" charset="-127"/>
                 <a:ea typeface="나눔고딕" pitchFamily="50" charset="-127"/>
               </a:rPr>
               <a:t> but, </a:t>
             </a:r>
             <a:r>
-              <a:rPr lang="ko-KR" altLang="en-US" b="1" dirty="0" smtClean="0">
+              <a:rPr lang="ko-KR" altLang="en-US" b="1" dirty="0">
                 <a:latin typeface="나눔고딕" pitchFamily="50" charset="-127"/>
                 <a:ea typeface="나눔고딕" pitchFamily="50" charset="-127"/>
               </a:rPr>
               <a:t>인간 지성에 의한 이해가능성</a:t>
             </a:r>
             <a:r>
-              <a:rPr lang="en-US" altLang="ko-KR" b="1" dirty="0" smtClean="0">
+              <a:rPr lang="en-US" altLang="ko-KR" b="1" dirty="0">
                 <a:latin typeface="나눔고딕" pitchFamily="50" charset="-127"/>
                 <a:ea typeface="나눔고딕" pitchFamily="50" charset="-127"/>
               </a:rPr>
               <a:t>, </a:t>
             </a:r>
             <a:r>
-              <a:rPr lang="ko-KR" altLang="en-US" b="1" dirty="0" smtClean="0">
+              <a:rPr lang="ko-KR" altLang="en-US" b="1" dirty="0">
                 <a:latin typeface="나눔고딕" pitchFamily="50" charset="-127"/>
                 <a:ea typeface="나눔고딕" pitchFamily="50" charset="-127"/>
               </a:rPr>
               <a:t>예측가능성의 범위를 벗어난다고 해서 </a:t>
             </a:r>
             <a:r>
-              <a:rPr lang="en-US" altLang="ko-KR" b="1" dirty="0" smtClean="0">
+              <a:rPr lang="en-US" altLang="ko-KR" b="1" dirty="0">
                 <a:latin typeface="나눔고딕" pitchFamily="50" charset="-127"/>
                 <a:ea typeface="나눔고딕" pitchFamily="50" charset="-127"/>
               </a:rPr>
               <a:t>‘</a:t>
             </a:r>
             <a:r>
-              <a:rPr lang="ko-KR" altLang="en-US" b="1" dirty="0" smtClean="0">
+              <a:rPr lang="ko-KR" altLang="en-US" b="1" dirty="0">
                 <a:latin typeface="나눔고딕" pitchFamily="50" charset="-127"/>
                 <a:ea typeface="나눔고딕" pitchFamily="50" charset="-127"/>
               </a:rPr>
               <a:t>창의성</a:t>
             </a:r>
             <a:r>
-              <a:rPr lang="en-US" altLang="ko-KR" b="1" dirty="0" smtClean="0">
+              <a:rPr lang="en-US" altLang="ko-KR" b="1" dirty="0">
                 <a:latin typeface="나눔고딕" pitchFamily="50" charset="-127"/>
                 <a:ea typeface="나눔고딕" pitchFamily="50" charset="-127"/>
               </a:rPr>
               <a:t>’</a:t>
             </a:r>
             <a:r>
-              <a:rPr lang="ko-KR" altLang="en-US" b="1" dirty="0" smtClean="0">
+              <a:rPr lang="ko-KR" altLang="en-US" b="1" dirty="0">
                 <a:latin typeface="나눔고딕" pitchFamily="50" charset="-127"/>
                 <a:ea typeface="나눔고딕" pitchFamily="50" charset="-127"/>
               </a:rPr>
               <a:t>과 </a:t>
             </a:r>
             <a:r>
-              <a:rPr lang="en-US" altLang="ko-KR" b="1" dirty="0" smtClean="0">
+              <a:rPr lang="en-US" altLang="ko-KR" b="1" dirty="0">
                 <a:latin typeface="나눔고딕" pitchFamily="50" charset="-127"/>
                 <a:ea typeface="나눔고딕" pitchFamily="50" charset="-127"/>
               </a:rPr>
               <a:t>‘</a:t>
             </a:r>
             <a:r>
-              <a:rPr lang="ko-KR" altLang="en-US" b="1" dirty="0" smtClean="0">
+              <a:rPr lang="ko-KR" altLang="en-US" b="1" dirty="0">
                 <a:latin typeface="나눔고딕" pitchFamily="50" charset="-127"/>
                 <a:ea typeface="나눔고딕" pitchFamily="50" charset="-127"/>
               </a:rPr>
               <a:t>새로움</a:t>
             </a:r>
             <a:r>
-              <a:rPr lang="en-US" altLang="ko-KR" b="1" dirty="0" smtClean="0">
+              <a:rPr lang="en-US" altLang="ko-KR" b="1" dirty="0">
                 <a:latin typeface="나눔고딕" pitchFamily="50" charset="-127"/>
                 <a:ea typeface="나눔고딕" pitchFamily="50" charset="-127"/>
               </a:rPr>
               <a:t>’</a:t>
             </a:r>
             <a:r>
-              <a:rPr lang="ko-KR" altLang="en-US" b="1" dirty="0" smtClean="0">
+              <a:rPr lang="ko-KR" altLang="en-US" b="1" dirty="0">
                 <a:latin typeface="나눔고딕" pitchFamily="50" charset="-127"/>
                 <a:ea typeface="나눔고딕" pitchFamily="50" charset="-127"/>
               </a:rPr>
               <a:t>에 대해 말할 수 있나</a:t>
             </a:r>
             <a:r>
-              <a:rPr lang="en-US" altLang="ko-KR" b="1" dirty="0" smtClean="0">
+              <a:rPr lang="en-US" altLang="ko-KR" b="1" dirty="0">
                 <a:latin typeface="나눔고딕" pitchFamily="50" charset="-127"/>
                 <a:ea typeface="나눔고딕" pitchFamily="50" charset="-127"/>
               </a:rPr>
               <a:t>?: </a:t>
             </a:r>
             <a:r>
-              <a:rPr lang="ko-KR" altLang="en-US" b="1" dirty="0" smtClean="0">
+              <a:rPr lang="ko-KR" altLang="en-US" b="1" dirty="0">
                 <a:latin typeface="나눔고딕" pitchFamily="50" charset="-127"/>
                 <a:ea typeface="나눔고딕" pitchFamily="50" charset="-127"/>
               </a:rPr>
               <a:t>알파고의 입장에서 볼 때</a:t>
             </a:r>
             <a:r>
-              <a:rPr lang="en-US" altLang="ko-KR" b="1" dirty="0" smtClean="0">
+              <a:rPr lang="en-US" altLang="ko-KR" b="1" dirty="0">
                 <a:latin typeface="나눔고딕" pitchFamily="50" charset="-127"/>
                 <a:ea typeface="나눔고딕" pitchFamily="50" charset="-127"/>
               </a:rPr>
               <a:t>, ‘</a:t>
             </a:r>
             <a:r>
-              <a:rPr lang="ko-KR" altLang="en-US" b="1" dirty="0" smtClean="0">
+              <a:rPr lang="ko-KR" altLang="en-US" b="1" dirty="0">
                 <a:latin typeface="나눔고딕" pitchFamily="50" charset="-127"/>
                 <a:ea typeface="나눔고딕" pitchFamily="50" charset="-127"/>
               </a:rPr>
               <a:t>신의 한 수</a:t>
             </a:r>
             <a:r>
-              <a:rPr lang="en-US" altLang="ko-KR" b="1" dirty="0" smtClean="0">
+              <a:rPr lang="en-US" altLang="ko-KR" b="1" dirty="0">
                 <a:latin typeface="나눔고딕" pitchFamily="50" charset="-127"/>
                 <a:ea typeface="나눔고딕" pitchFamily="50" charset="-127"/>
               </a:rPr>
               <a:t>’</a:t>
             </a:r>
             <a:r>
-              <a:rPr lang="ko-KR" altLang="en-US" b="1" dirty="0" smtClean="0">
+              <a:rPr lang="ko-KR" altLang="en-US" b="1" dirty="0">
                 <a:latin typeface="나눔고딕" pitchFamily="50" charset="-127"/>
                 <a:ea typeface="나눔고딕" pitchFamily="50" charset="-127"/>
               </a:rPr>
               <a:t>는 단지 승리가능성을 높이기 위한 통계적 계산의 결과일 것임</a:t>
             </a:r>
-            <a:endParaRPr lang="en-US" altLang="ko-KR" b="1" dirty="0" smtClean="0">
+            <a:endParaRPr lang="en-US" altLang="ko-KR" b="1" dirty="0">
               <a:latin typeface="나눔고딕" pitchFamily="50" charset="-127"/>
               <a:ea typeface="나눔고딕" pitchFamily="50" charset="-127"/>
             </a:endParaRPr>
@@ -10174,34 +10124,34 @@
               </a:lnSpc>
             </a:pPr>
             <a:r>
-              <a:rPr lang="en-US" altLang="ko-KR" b="1" dirty="0" smtClean="0">
+              <a:rPr lang="en-US" altLang="ko-KR" b="1" dirty="0">
                 <a:latin typeface="나눔고딕" pitchFamily="50" charset="-127"/>
                 <a:ea typeface="나눔고딕" pitchFamily="50" charset="-127"/>
               </a:rPr>
               <a:t> </a:t>
             </a:r>
             <a:r>
-              <a:rPr lang="ko-KR" altLang="en-US" b="1" dirty="0" smtClean="0">
+              <a:rPr lang="ko-KR" altLang="en-US" b="1" dirty="0">
                 <a:latin typeface="나눔고딕" pitchFamily="50" charset="-127"/>
                 <a:ea typeface="나눔고딕" pitchFamily="50" charset="-127"/>
               </a:rPr>
               <a:t>우리의 지성에 낯선 것은 창의적으로</a:t>
             </a:r>
             <a:r>
-              <a:rPr lang="en-US" altLang="ko-KR" b="1" dirty="0" smtClean="0">
+              <a:rPr lang="en-US" altLang="ko-KR" b="1" dirty="0">
                 <a:latin typeface="나눔고딕" pitchFamily="50" charset="-127"/>
                 <a:ea typeface="나눔고딕" pitchFamily="50" charset="-127"/>
               </a:rPr>
               <a:t>, </a:t>
             </a:r>
             <a:r>
-              <a:rPr lang="ko-KR" altLang="en-US" b="1" dirty="0" smtClean="0">
+              <a:rPr lang="ko-KR" altLang="en-US" b="1" dirty="0">
                 <a:latin typeface="나눔고딕" pitchFamily="50" charset="-127"/>
                 <a:ea typeface="나눔고딕" pitchFamily="50" charset="-127"/>
               </a:rPr>
               <a:t>익숙한 것은 진부하게 보임 </a:t>
             </a:r>
-            <a:endParaRPr lang="en-US" altLang="ko-KR" b="1" dirty="0" smtClean="0">
+            <a:endParaRPr lang="en-US" altLang="ko-KR" b="1" dirty="0">
               <a:latin typeface="나눔고딕" pitchFamily="50" charset="-127"/>
               <a:ea typeface="나눔고딕" pitchFamily="50" charset="-127"/>
             </a:endParaRPr>
@@ -10213,121 +10163,117 @@
               </a:lnSpc>
             </a:pPr>
             <a:r>
-              <a:rPr lang="en-US" altLang="ko-KR" b="1" dirty="0" smtClean="0">
+              <a:rPr lang="en-US" altLang="ko-KR" b="1" dirty="0">
                 <a:latin typeface="나눔고딕" pitchFamily="50" charset="-127"/>
                 <a:ea typeface="나눔고딕" pitchFamily="50" charset="-127"/>
               </a:rPr>
               <a:t> ‘</a:t>
             </a:r>
             <a:r>
-              <a:rPr lang="ko-KR" altLang="en-US" b="1" dirty="0" smtClean="0">
+              <a:rPr lang="ko-KR" altLang="en-US" b="1" dirty="0">
                 <a:latin typeface="나눔고딕" pitchFamily="50" charset="-127"/>
                 <a:ea typeface="나눔고딕" pitchFamily="50" charset="-127"/>
               </a:rPr>
               <a:t>새로운</a:t>
             </a:r>
             <a:r>
-              <a:rPr lang="en-US" altLang="ko-KR" b="1" dirty="0" smtClean="0">
+              <a:rPr lang="en-US" altLang="ko-KR" b="1" dirty="0">
                 <a:latin typeface="나눔고딕" pitchFamily="50" charset="-127"/>
                 <a:ea typeface="나눔고딕" pitchFamily="50" charset="-127"/>
               </a:rPr>
               <a:t>’ </a:t>
             </a:r>
             <a:r>
-              <a:rPr lang="ko-KR" altLang="en-US" b="1" dirty="0" smtClean="0">
+              <a:rPr lang="ko-KR" altLang="en-US" b="1" dirty="0">
                 <a:latin typeface="나눔고딕" pitchFamily="50" charset="-127"/>
                 <a:ea typeface="나눔고딕" pitchFamily="50" charset="-127"/>
               </a:rPr>
               <a:t>것</a:t>
             </a:r>
             <a:r>
-              <a:rPr lang="en-US" altLang="ko-KR" b="1" dirty="0" smtClean="0">
+              <a:rPr lang="en-US" altLang="ko-KR" b="1" dirty="0">
                 <a:latin typeface="나눔고딕" pitchFamily="50" charset="-127"/>
                 <a:ea typeface="나눔고딕" pitchFamily="50" charset="-127"/>
               </a:rPr>
               <a:t>,</a:t>
             </a:r>
             <a:r>
-              <a:rPr lang="ko-KR" altLang="en-US" b="1" dirty="0" smtClean="0">
+              <a:rPr lang="ko-KR" altLang="en-US" b="1" dirty="0">
                 <a:latin typeface="나눔고딕" pitchFamily="50" charset="-127"/>
                 <a:ea typeface="나눔고딕" pitchFamily="50" charset="-127"/>
               </a:rPr>
               <a:t> </a:t>
             </a:r>
             <a:r>
-              <a:rPr lang="en-US" altLang="ko-KR" b="1" dirty="0" smtClean="0">
+              <a:rPr lang="en-US" altLang="ko-KR" b="1" dirty="0">
                 <a:latin typeface="나눔고딕" pitchFamily="50" charset="-127"/>
                 <a:ea typeface="나눔고딕" pitchFamily="50" charset="-127"/>
               </a:rPr>
               <a:t>‘</a:t>
             </a:r>
             <a:r>
-              <a:rPr lang="ko-KR" altLang="en-US" b="1" dirty="0" smtClean="0">
+              <a:rPr lang="ko-KR" altLang="en-US" b="1" dirty="0">
                 <a:latin typeface="나눔고딕" pitchFamily="50" charset="-127"/>
                 <a:ea typeface="나눔고딕" pitchFamily="50" charset="-127"/>
               </a:rPr>
               <a:t>창의적인</a:t>
             </a:r>
             <a:r>
-              <a:rPr lang="en-US" altLang="ko-KR" b="1" dirty="0" smtClean="0">
+              <a:rPr lang="en-US" altLang="ko-KR" b="1" dirty="0">
                 <a:latin typeface="나눔고딕" pitchFamily="50" charset="-127"/>
                 <a:ea typeface="나눔고딕" pitchFamily="50" charset="-127"/>
               </a:rPr>
               <a:t>’ </a:t>
             </a:r>
             <a:r>
-              <a:rPr lang="ko-KR" altLang="en-US" b="1" dirty="0" smtClean="0">
+              <a:rPr lang="ko-KR" altLang="en-US" b="1" dirty="0">
                 <a:latin typeface="나눔고딕" pitchFamily="50" charset="-127"/>
                 <a:ea typeface="나눔고딕" pitchFamily="50" charset="-127"/>
               </a:rPr>
               <a:t>것은</a:t>
             </a:r>
             <a:r>
-              <a:rPr lang="en-US" altLang="ko-KR" b="1" dirty="0" smtClean="0">
+              <a:rPr lang="en-US" altLang="ko-KR" b="1" dirty="0">
                 <a:latin typeface="나눔고딕" pitchFamily="50" charset="-127"/>
                 <a:ea typeface="나눔고딕" pitchFamily="50" charset="-127"/>
               </a:rPr>
               <a:t>,</a:t>
             </a:r>
             <a:r>
-              <a:rPr lang="ko-KR" altLang="en-US" b="1" dirty="0" smtClean="0">
+              <a:rPr lang="ko-KR" altLang="en-US" b="1" dirty="0">
                 <a:latin typeface="나눔고딕" pitchFamily="50" charset="-127"/>
                 <a:ea typeface="나눔고딕" pitchFamily="50" charset="-127"/>
               </a:rPr>
               <a:t> 그것이 우리의 지성에 익숙해질 때</a:t>
             </a:r>
             <a:r>
-              <a:rPr lang="en-US" altLang="ko-KR" b="1" dirty="0" smtClean="0">
+              <a:rPr lang="en-US" altLang="ko-KR" b="1" dirty="0">
                 <a:latin typeface="나눔고딕" pitchFamily="50" charset="-127"/>
                 <a:ea typeface="나눔고딕" pitchFamily="50" charset="-127"/>
               </a:rPr>
               <a:t>, </a:t>
             </a:r>
             <a:r>
-              <a:rPr lang="ko-KR" altLang="en-US" b="1" dirty="0" smtClean="0">
+              <a:rPr lang="ko-KR" altLang="en-US" b="1" dirty="0">
                 <a:latin typeface="나눔고딕" pitchFamily="50" charset="-127"/>
                 <a:ea typeface="나눔고딕" pitchFamily="50" charset="-127"/>
               </a:rPr>
               <a:t>더 이상 새로운 것</a:t>
             </a:r>
             <a:r>
-              <a:rPr lang="en-US" altLang="ko-KR" b="1" dirty="0" smtClean="0">
+              <a:rPr lang="en-US" altLang="ko-KR" b="1" dirty="0">
                 <a:latin typeface="나눔고딕" pitchFamily="50" charset="-127"/>
                 <a:ea typeface="나눔고딕" pitchFamily="50" charset="-127"/>
               </a:rPr>
               <a:t>, </a:t>
             </a:r>
             <a:r>
-              <a:rPr lang="ko-KR" altLang="en-US" b="1" dirty="0" smtClean="0">
+              <a:rPr lang="ko-KR" altLang="en-US" b="1" dirty="0">
                 <a:latin typeface="나눔고딕" pitchFamily="50" charset="-127"/>
                 <a:ea typeface="나눔고딕" pitchFamily="50" charset="-127"/>
               </a:rPr>
               <a:t>창의적인 것으로 보이지 않음</a:t>
             </a:r>
-            <a:endParaRPr lang="ko-KR" altLang="en-US" b="1" dirty="0">
-              <a:latin typeface="나눔고딕" pitchFamily="50" charset="-127"/>
-              <a:ea typeface="나눔고딕" pitchFamily="50" charset="-127"/>
-            </a:endParaRPr>
           </a:p>
         </p:txBody>
       </p:sp>
@@ -10347,49 +10293,49 @@
           <a:lstStyle/>
           <a:p>
             <a:r>
-              <a:rPr lang="en-US" altLang="ko-KR" dirty="0" smtClean="0">
+              <a:rPr lang="en-US" altLang="ko-KR" dirty="0">
                 <a:latin typeface="나눔고딕" pitchFamily="50" charset="-127"/>
                 <a:ea typeface="나눔고딕" pitchFamily="50" charset="-127"/>
               </a:rPr>
               <a:t>‘</a:t>
             </a:r>
             <a:r>
-              <a:rPr lang="ko-KR" altLang="en-US" dirty="0" smtClean="0">
+              <a:rPr lang="ko-KR" altLang="en-US" dirty="0">
                 <a:latin typeface="나눔고딕" pitchFamily="50" charset="-127"/>
                 <a:ea typeface="나눔고딕" pitchFamily="50" charset="-127"/>
               </a:rPr>
               <a:t>창의성</a:t>
             </a:r>
             <a:r>
-              <a:rPr lang="en-US" altLang="ko-KR" dirty="0" smtClean="0">
+              <a:rPr lang="en-US" altLang="ko-KR" dirty="0">
                 <a:latin typeface="나눔고딕" pitchFamily="50" charset="-127"/>
                 <a:ea typeface="나눔고딕" pitchFamily="50" charset="-127"/>
               </a:rPr>
               <a:t>’, ‘</a:t>
             </a:r>
             <a:r>
-              <a:rPr lang="ko-KR" altLang="en-US" dirty="0" smtClean="0">
+              <a:rPr lang="ko-KR" altLang="en-US" dirty="0">
                 <a:latin typeface="나눔고딕" pitchFamily="50" charset="-127"/>
                 <a:ea typeface="나눔고딕" pitchFamily="50" charset="-127"/>
               </a:rPr>
               <a:t>새로움</a:t>
             </a:r>
             <a:r>
-              <a:rPr lang="en-US" altLang="ko-KR" dirty="0" smtClean="0">
+              <a:rPr lang="en-US" altLang="ko-KR" dirty="0">
                 <a:latin typeface="나눔고딕" pitchFamily="50" charset="-127"/>
                 <a:ea typeface="나눔고딕" pitchFamily="50" charset="-127"/>
               </a:rPr>
               <a:t>’</a:t>
             </a:r>
             <a:r>
-              <a:rPr lang="ko-KR" altLang="en-US" dirty="0" smtClean="0">
+              <a:rPr lang="ko-KR" altLang="en-US" dirty="0">
                 <a:latin typeface="나눔고딕" pitchFamily="50" charset="-127"/>
                 <a:ea typeface="나눔고딕" pitchFamily="50" charset="-127"/>
               </a:rPr>
               <a:t>이란 무엇인가</a:t>
             </a:r>
             <a:r>
-              <a:rPr lang="en-US" altLang="ko-KR" dirty="0" smtClean="0">
+              <a:rPr lang="en-US" altLang="ko-KR" dirty="0">
                 <a:latin typeface="나눔고딕" pitchFamily="50" charset="-127"/>
                 <a:ea typeface="나눔고딕" pitchFamily="50" charset="-127"/>
               </a:rPr>
@@ -10399,6 +10345,80 @@
               <a:latin typeface="나눔고딕" pitchFamily="50" charset="-127"/>
               <a:ea typeface="나눔고딕" pitchFamily="50" charset="-127"/>
             </a:endParaRPr>
+          </a:p>
+        </p:txBody>
+      </p:sp>
+      <p:cxnSp>
+        <p:nvCxnSpPr>
+          <p:cNvPr id="5" name="직선 화살표 연결선 4">
+            <a:extLst>
+              <a:ext uri="{FF2B5EF4-FFF2-40B4-BE49-F238E27FC236}">
+                <a16:creationId xmlns:a16="http://schemas.microsoft.com/office/drawing/2014/main" id="{22B8B764-76F7-4F66-B91B-84154E174777}"/>
+              </a:ext>
+            </a:extLst>
+          </p:cNvPr>
+          <p:cNvCxnSpPr/>
+          <p:nvPr/>
+        </p:nvCxnSpPr>
+        <p:spPr>
+          <a:xfrm>
+            <a:off x="3575720" y="6007292"/>
+            <a:ext cx="1152128" cy="86004"/>
+          </a:xfrm>
+          <a:prstGeom prst="straightConnector1">
+            <a:avLst/>
+          </a:prstGeom>
+          <a:ln>
+            <a:tailEnd type="triangle"/>
+          </a:ln>
+        </p:spPr>
+        <p:style>
+          <a:lnRef idx="1">
+            <a:schemeClr val="accent1"/>
+          </a:lnRef>
+          <a:fillRef idx="0">
+            <a:schemeClr val="accent1"/>
+          </a:fillRef>
+          <a:effectRef idx="0">
+            <a:schemeClr val="accent1"/>
+          </a:effectRef>
+          <a:fontRef idx="minor">
+            <a:schemeClr val="tx1"/>
+          </a:fontRef>
+        </p:style>
+      </p:cxnSp>
+      <p:sp>
+        <p:nvSpPr>
+          <p:cNvPr id="6" name="TextBox 5">
+            <a:extLst>
+              <a:ext uri="{FF2B5EF4-FFF2-40B4-BE49-F238E27FC236}">
+                <a16:creationId xmlns:a16="http://schemas.microsoft.com/office/drawing/2014/main" id="{F4114806-4159-4A3A-B81C-BD864529988A}"/>
+              </a:ext>
+            </a:extLst>
+          </p:cNvPr>
+          <p:cNvSpPr txBox="1"/>
+          <p:nvPr/>
+        </p:nvSpPr>
+        <p:spPr>
+          <a:xfrm>
+            <a:off x="4727848" y="5879013"/>
+            <a:ext cx="3240360" cy="646331"/>
+          </a:xfrm>
+          <a:prstGeom prst="rect">
+            <a:avLst/>
+          </a:prstGeom>
+          <a:noFill/>
+        </p:spPr>
+        <p:txBody>
+          <a:bodyPr wrap="square" rtlCol="0">
+            <a:spAutoFit/>
+          </a:bodyPr>
+          <a:lstStyle/>
+          <a:p>
+            <a:r>
+              <a:rPr lang="ko-KR" altLang="en-US"/>
+              <a:t>우리의 수준보다 높은 행동을 창출해 내면 창의적으로 보임</a:t>
+            </a:r>
           </a:p>
         </p:txBody>
       </p:sp>
@@ -10440,7 +10460,7 @@
         <p:spPr/>
         <p:txBody>
           <a:bodyPr>
-            <a:normAutofit fontScale="92500" lnSpcReduction="20000"/>
+            <a:normAutofit fontScale="85000" lnSpcReduction="10000"/>
           </a:bodyPr>
           <a:lstStyle/>
           <a:p>
@@ -10450,76 +10470,76 @@
               </a:lnSpc>
             </a:pPr>
             <a:r>
-              <a:rPr lang="en-US" altLang="ko-KR" dirty="0" smtClean="0">
+              <a:rPr lang="en-US" altLang="ko-KR" dirty="0">
                 <a:latin typeface="나눔고딕" pitchFamily="50" charset="-127"/>
                 <a:ea typeface="나눔고딕" pitchFamily="50" charset="-127"/>
               </a:rPr>
               <a:t> </a:t>
             </a:r>
             <a:r>
-              <a:rPr lang="ko-KR" altLang="en-US" b="1" dirty="0" err="1" smtClean="0">
+              <a:rPr lang="ko-KR" altLang="en-US" b="1" dirty="0" err="1">
                 <a:latin typeface="나눔고딕" pitchFamily="50" charset="-127"/>
                 <a:ea typeface="나눔고딕" pitchFamily="50" charset="-127"/>
               </a:rPr>
               <a:t>수사물</a:t>
             </a:r>
             <a:r>
-              <a:rPr lang="en-US" altLang="ko-KR" b="1" dirty="0" smtClean="0">
+              <a:rPr lang="en-US" altLang="ko-KR" b="1" dirty="0">
                 <a:latin typeface="나눔고딕" pitchFamily="50" charset="-127"/>
                 <a:ea typeface="나눔고딕" pitchFamily="50" charset="-127"/>
               </a:rPr>
               <a:t>: </a:t>
             </a:r>
             <a:r>
-              <a:rPr lang="ko-KR" altLang="en-US" b="1" dirty="0" err="1" smtClean="0">
+              <a:rPr lang="ko-KR" altLang="en-US" b="1" dirty="0" err="1">
                 <a:latin typeface="나눔고딕" pitchFamily="50" charset="-127"/>
                 <a:ea typeface="나눔고딕" pitchFamily="50" charset="-127"/>
               </a:rPr>
               <a:t>리플리컨트</a:t>
             </a:r>
             <a:r>
-              <a:rPr lang="en-US" altLang="ko-KR" b="1" dirty="0" smtClean="0">
+              <a:rPr lang="en-US" altLang="ko-KR" b="1" dirty="0">
                 <a:latin typeface="나눔고딕" pitchFamily="50" charset="-127"/>
                 <a:ea typeface="나눔고딕" pitchFamily="50" charset="-127"/>
               </a:rPr>
               <a:t>(</a:t>
             </a:r>
             <a:r>
-              <a:rPr lang="en-US" altLang="ko-KR" b="1" dirty="0" err="1" smtClean="0">
+              <a:rPr lang="en-US" altLang="ko-KR" b="1" dirty="0" err="1">
                 <a:latin typeface="나눔고딕" pitchFamily="50" charset="-127"/>
                 <a:ea typeface="나눔고딕" pitchFamily="50" charset="-127"/>
               </a:rPr>
               <a:t>replicant</a:t>
             </a:r>
             <a:r>
-              <a:rPr lang="en-US" altLang="ko-KR" b="1" dirty="0" smtClean="0">
+              <a:rPr lang="en-US" altLang="ko-KR" b="1" dirty="0">
                 <a:latin typeface="나눔고딕" pitchFamily="50" charset="-127"/>
                 <a:ea typeface="나눔고딕" pitchFamily="50" charset="-127"/>
               </a:rPr>
               <a:t>, </a:t>
             </a:r>
             <a:r>
-              <a:rPr lang="ko-KR" altLang="en-US" b="1" dirty="0" smtClean="0">
+              <a:rPr lang="ko-KR" altLang="en-US" b="1" dirty="0">
                 <a:latin typeface="나눔고딕" pitchFamily="50" charset="-127"/>
                 <a:ea typeface="나눔고딕" pitchFamily="50" charset="-127"/>
               </a:rPr>
               <a:t>복제인간</a:t>
             </a:r>
             <a:r>
-              <a:rPr lang="en-US" altLang="ko-KR" b="1" dirty="0" smtClean="0">
+              <a:rPr lang="en-US" altLang="ko-KR" b="1" dirty="0">
                 <a:latin typeface="나눔고딕" pitchFamily="50" charset="-127"/>
                 <a:ea typeface="나눔고딕" pitchFamily="50" charset="-127"/>
               </a:rPr>
               <a:t>)</a:t>
             </a:r>
             <a:r>
-              <a:rPr lang="ko-KR" altLang="en-US" b="1" dirty="0" smtClean="0">
+              <a:rPr lang="ko-KR" altLang="en-US" b="1" dirty="0">
                 <a:latin typeface="나눔고딕" pitchFamily="50" charset="-127"/>
                 <a:ea typeface="나눔고딕" pitchFamily="50" charset="-127"/>
               </a:rPr>
               <a:t>를 찾아내어 제거함</a:t>
             </a:r>
-            <a:endParaRPr lang="en-US" altLang="ko-KR" b="1" dirty="0" smtClean="0">
+            <a:endParaRPr lang="en-US" altLang="ko-KR" b="1" dirty="0">
               <a:latin typeface="나눔고딕" pitchFamily="50" charset="-127"/>
               <a:ea typeface="나눔고딕" pitchFamily="50" charset="-127"/>
             </a:endParaRPr>
@@ -10531,41 +10551,41 @@
               </a:lnSpc>
             </a:pPr>
             <a:r>
-              <a:rPr lang="en-US" altLang="ko-KR" b="1" dirty="0" smtClean="0">
+              <a:rPr lang="en-US" altLang="ko-KR" b="1" dirty="0">
                 <a:latin typeface="나눔고딕" pitchFamily="50" charset="-127"/>
                 <a:ea typeface="나눔고딕" pitchFamily="50" charset="-127"/>
               </a:rPr>
               <a:t> </a:t>
             </a:r>
             <a:r>
-              <a:rPr lang="ko-KR" altLang="en-US" b="1" dirty="0" err="1" smtClean="0">
+              <a:rPr lang="ko-KR" altLang="en-US" b="1" dirty="0" err="1">
                 <a:latin typeface="나눔고딕" pitchFamily="50" charset="-127"/>
                 <a:ea typeface="나눔고딕" pitchFamily="50" charset="-127"/>
               </a:rPr>
               <a:t>리플리컨트를</a:t>
             </a:r>
             <a:r>
-              <a:rPr lang="ko-KR" altLang="en-US" b="1" dirty="0" smtClean="0">
+              <a:rPr lang="ko-KR" altLang="en-US" b="1" dirty="0">
                 <a:latin typeface="나눔고딕" pitchFamily="50" charset="-127"/>
                 <a:ea typeface="나눔고딕" pitchFamily="50" charset="-127"/>
               </a:rPr>
               <a:t> 찾아내기 위해서는</a:t>
             </a:r>
             <a:r>
-              <a:rPr lang="en-US" altLang="ko-KR" b="1" dirty="0" smtClean="0">
+              <a:rPr lang="en-US" altLang="ko-KR" b="1" dirty="0">
                 <a:latin typeface="나눔고딕" pitchFamily="50" charset="-127"/>
                 <a:ea typeface="나눔고딕" pitchFamily="50" charset="-127"/>
               </a:rPr>
               <a:t>? → </a:t>
             </a:r>
             <a:r>
-              <a:rPr lang="ko-KR" altLang="en-US" b="1" dirty="0" smtClean="0">
+              <a:rPr lang="ko-KR" altLang="en-US" b="1" dirty="0">
                 <a:latin typeface="나눔고딕" pitchFamily="50" charset="-127"/>
                 <a:ea typeface="나눔고딕" pitchFamily="50" charset="-127"/>
               </a:rPr>
               <a:t>인간과 기계를 구별해야 한다</a:t>
             </a:r>
-            <a:endParaRPr lang="en-US" altLang="ko-KR" b="1" dirty="0" smtClean="0">
+            <a:endParaRPr lang="en-US" altLang="ko-KR" b="1" dirty="0">
               <a:latin typeface="나눔고딕" pitchFamily="50" charset="-127"/>
               <a:ea typeface="나눔고딕" pitchFamily="50" charset="-127"/>
             </a:endParaRPr>
@@ -10577,91 +10597,91 @@
               </a:lnSpc>
             </a:pPr>
             <a:r>
-              <a:rPr lang="ko-KR" altLang="en-US" b="1" dirty="0" err="1" smtClean="0">
+              <a:rPr lang="ko-KR" altLang="en-US" b="1" dirty="0" err="1">
                 <a:latin typeface="나눔고딕" pitchFamily="50" charset="-127"/>
                 <a:ea typeface="나눔고딕" pitchFamily="50" charset="-127"/>
               </a:rPr>
               <a:t>데커드</a:t>
             </a:r>
             <a:r>
-              <a:rPr lang="ko-KR" altLang="en-US" b="1" dirty="0" smtClean="0">
+              <a:rPr lang="ko-KR" altLang="en-US" b="1" dirty="0">
                 <a:latin typeface="나눔고딕" pitchFamily="50" charset="-127"/>
                 <a:ea typeface="나눔고딕" pitchFamily="50" charset="-127"/>
               </a:rPr>
               <a:t> 형사</a:t>
             </a:r>
             <a:r>
-              <a:rPr lang="en-US" altLang="ko-KR" b="1" dirty="0" smtClean="0">
+              <a:rPr lang="en-US" altLang="ko-KR" b="1" dirty="0">
                 <a:latin typeface="나눔고딕" pitchFamily="50" charset="-127"/>
                 <a:ea typeface="나눔고딕" pitchFamily="50" charset="-127"/>
               </a:rPr>
               <a:t>: </a:t>
             </a:r>
             <a:r>
-              <a:rPr lang="ko-KR" altLang="en-US" b="1" dirty="0" smtClean="0">
+              <a:rPr lang="ko-KR" altLang="en-US" b="1" dirty="0">
                 <a:latin typeface="나눔고딕" pitchFamily="50" charset="-127"/>
                 <a:ea typeface="나눔고딕" pitchFamily="50" charset="-127"/>
               </a:rPr>
               <a:t>질문에 대한 정서적 반응</a:t>
             </a:r>
             <a:r>
-              <a:rPr lang="en-US" altLang="ko-KR" b="1" dirty="0" smtClean="0">
+              <a:rPr lang="en-US" altLang="ko-KR" b="1" dirty="0">
                 <a:latin typeface="나눔고딕" pitchFamily="50" charset="-127"/>
                 <a:ea typeface="나눔고딕" pitchFamily="50" charset="-127"/>
               </a:rPr>
               <a:t>(</a:t>
             </a:r>
             <a:r>
-              <a:rPr lang="ko-KR" altLang="en-US" b="1" dirty="0" smtClean="0">
+              <a:rPr lang="ko-KR" altLang="en-US" b="1" dirty="0">
                 <a:latin typeface="나눔고딕" pitchFamily="50" charset="-127"/>
                 <a:ea typeface="나눔고딕" pitchFamily="50" charset="-127"/>
               </a:rPr>
               <a:t>눈동자의 반응</a:t>
             </a:r>
             <a:r>
-              <a:rPr lang="en-US" altLang="ko-KR" b="1" dirty="0" smtClean="0">
+              <a:rPr lang="en-US" altLang="ko-KR" b="1" dirty="0">
                 <a:latin typeface="나눔고딕" pitchFamily="50" charset="-127"/>
                 <a:ea typeface="나눔고딕" pitchFamily="50" charset="-127"/>
               </a:rPr>
               <a:t>)</a:t>
             </a:r>
             <a:r>
-              <a:rPr lang="ko-KR" altLang="en-US" b="1" dirty="0" smtClean="0">
+              <a:rPr lang="ko-KR" altLang="en-US" b="1" dirty="0">
                 <a:latin typeface="나눔고딕" pitchFamily="50" charset="-127"/>
                 <a:ea typeface="나눔고딕" pitchFamily="50" charset="-127"/>
               </a:rPr>
               <a:t>을</a:t>
             </a:r>
             <a:r>
-              <a:rPr lang="en-US" altLang="ko-KR" b="1" dirty="0" smtClean="0">
+              <a:rPr lang="en-US" altLang="ko-KR" b="1" dirty="0">
                 <a:latin typeface="나눔고딕" pitchFamily="50" charset="-127"/>
                 <a:ea typeface="나눔고딕" pitchFamily="50" charset="-127"/>
               </a:rPr>
               <a:t> </a:t>
             </a:r>
             <a:r>
-              <a:rPr lang="ko-KR" altLang="en-US" b="1" dirty="0" smtClean="0">
+              <a:rPr lang="ko-KR" altLang="en-US" b="1" dirty="0">
                 <a:latin typeface="나눔고딕" pitchFamily="50" charset="-127"/>
                 <a:ea typeface="나눔고딕" pitchFamily="50" charset="-127"/>
               </a:rPr>
               <a:t>관찰하여 기계를 구별하는 인간 </a:t>
             </a:r>
             <a:r>
-              <a:rPr lang="ko-KR" altLang="en-US" b="1" dirty="0" err="1" smtClean="0">
+              <a:rPr lang="ko-KR" altLang="en-US" b="1" dirty="0" err="1">
                 <a:latin typeface="나눔고딕" pitchFamily="50" charset="-127"/>
                 <a:ea typeface="나눔고딕" pitchFamily="50" charset="-127"/>
               </a:rPr>
               <a:t>판정자</a:t>
             </a:r>
             <a:r>
-              <a:rPr lang="ko-KR" altLang="en-US" b="1" dirty="0" smtClean="0">
+              <a:rPr lang="ko-KR" altLang="en-US" b="1" dirty="0">
                 <a:latin typeface="나눔고딕" pitchFamily="50" charset="-127"/>
                 <a:ea typeface="나눔고딕" pitchFamily="50" charset="-127"/>
               </a:rPr>
               <a:t> </a:t>
             </a:r>
             <a:r>
-              <a:rPr lang="en-US" altLang="ko-KR" b="1" dirty="0" smtClean="0">
+              <a:rPr lang="en-US" altLang="ko-KR" b="1" dirty="0">
                 <a:latin typeface="나눔고딕" pitchFamily="50" charset="-127"/>
                 <a:ea typeface="나눔고딕" pitchFamily="50" charset="-127"/>
               </a:rPr>
@@ -10675,49 +10695,49 @@
               </a:lnSpc>
             </a:pPr>
             <a:r>
-              <a:rPr lang="en-US" altLang="ko-KR" b="1" dirty="0" smtClean="0">
+              <a:rPr lang="en-US" altLang="ko-KR" b="1" dirty="0">
                 <a:latin typeface="나눔고딕" pitchFamily="50" charset="-127"/>
                 <a:ea typeface="나눔고딕" pitchFamily="50" charset="-127"/>
               </a:rPr>
               <a:t>(</a:t>
             </a:r>
             <a:r>
-              <a:rPr lang="ko-KR" altLang="en-US" b="1" dirty="0" smtClean="0">
+              <a:rPr lang="ko-KR" altLang="en-US" b="1" dirty="0">
                 <a:latin typeface="나눔고딕" pitchFamily="50" charset="-127"/>
                 <a:ea typeface="나눔고딕" pitchFamily="50" charset="-127"/>
               </a:rPr>
               <a:t>수사물의 외양 속에 담긴</a:t>
             </a:r>
             <a:r>
-              <a:rPr lang="en-US" altLang="ko-KR" b="1" dirty="0" smtClean="0">
+              <a:rPr lang="en-US" altLang="ko-KR" b="1" dirty="0">
                 <a:latin typeface="나눔고딕" pitchFamily="50" charset="-127"/>
                 <a:ea typeface="나눔고딕" pitchFamily="50" charset="-127"/>
               </a:rPr>
               <a:t>)</a:t>
             </a:r>
             <a:r>
-              <a:rPr lang="ko-KR" altLang="en-US" b="1" dirty="0" smtClean="0">
+              <a:rPr lang="ko-KR" altLang="en-US" b="1" dirty="0">
                 <a:latin typeface="나눔고딕" pitchFamily="50" charset="-127"/>
                 <a:ea typeface="나눔고딕" pitchFamily="50" charset="-127"/>
               </a:rPr>
               <a:t> 주제 질문</a:t>
             </a:r>
             <a:r>
-              <a:rPr lang="en-US" altLang="ko-KR" b="1" dirty="0" smtClean="0">
+              <a:rPr lang="en-US" altLang="ko-KR" b="1" dirty="0">
                 <a:latin typeface="나눔고딕" pitchFamily="50" charset="-127"/>
                 <a:ea typeface="나눔고딕" pitchFamily="50" charset="-127"/>
               </a:rPr>
               <a:t>: </a:t>
             </a:r>
             <a:r>
-              <a:rPr lang="ko-KR" altLang="en-US" b="1" dirty="0" smtClean="0">
+              <a:rPr lang="ko-KR" altLang="en-US" b="1" dirty="0">
                 <a:latin typeface="나눔고딕" pitchFamily="50" charset="-127"/>
                 <a:ea typeface="나눔고딕" pitchFamily="50" charset="-127"/>
               </a:rPr>
               <a:t>인간과 기계의 차이는 무엇인가</a:t>
             </a:r>
             <a:r>
-              <a:rPr lang="en-US" altLang="ko-KR" b="1" dirty="0" smtClean="0">
+              <a:rPr lang="en-US" altLang="ko-KR" b="1" dirty="0">
                 <a:latin typeface="나눔고딕" pitchFamily="50" charset="-127"/>
                 <a:ea typeface="나눔고딕" pitchFamily="50" charset="-127"/>
               </a:rPr>
@@ -10731,21 +10751,21 @@
               </a:lnSpc>
             </a:pPr>
             <a:r>
-              <a:rPr lang="ko-KR" altLang="en-US" b="1" dirty="0" smtClean="0">
+              <a:rPr lang="ko-KR" altLang="en-US" b="1" dirty="0">
                 <a:latin typeface="나눔고딕" pitchFamily="50" charset="-127"/>
                 <a:ea typeface="나눔고딕" pitchFamily="50" charset="-127"/>
               </a:rPr>
               <a:t>인간과 기계의 전제된 차이에서 출발</a:t>
             </a:r>
             <a:r>
-              <a:rPr lang="en-US" altLang="ko-KR" b="1" dirty="0" smtClean="0">
+              <a:rPr lang="en-US" altLang="ko-KR" b="1" dirty="0">
                 <a:latin typeface="나눔고딕" pitchFamily="50" charset="-127"/>
                 <a:ea typeface="나눔고딕" pitchFamily="50" charset="-127"/>
               </a:rPr>
               <a:t>,</a:t>
             </a:r>
             <a:r>
-              <a:rPr lang="ko-KR" altLang="en-US" b="1" dirty="0" smtClean="0">
+              <a:rPr lang="ko-KR" altLang="en-US" b="1" dirty="0">
                 <a:latin typeface="나눔고딕" pitchFamily="50" charset="-127"/>
                 <a:ea typeface="나눔고딕" pitchFamily="50" charset="-127"/>
               </a:rPr>
@@ -10759,55 +10779,55 @@
               </a:lnSpc>
             </a:pPr>
             <a:r>
-              <a:rPr lang="ko-KR" altLang="en-US" b="1" dirty="0" smtClean="0">
+              <a:rPr lang="ko-KR" altLang="en-US" b="1" dirty="0">
                 <a:latin typeface="나눔고딕" pitchFamily="50" charset="-127"/>
                 <a:ea typeface="나눔고딕" pitchFamily="50" charset="-127"/>
               </a:rPr>
               <a:t>인간중심주의</a:t>
             </a:r>
             <a:r>
-              <a:rPr lang="en-US" altLang="ko-KR" b="1" dirty="0" smtClean="0">
+              <a:rPr lang="en-US" altLang="ko-KR" b="1" dirty="0">
                 <a:latin typeface="나눔고딕" pitchFamily="50" charset="-127"/>
                 <a:ea typeface="나눔고딕" pitchFamily="50" charset="-127"/>
               </a:rPr>
               <a:t>(</a:t>
             </a:r>
             <a:r>
-              <a:rPr lang="en-US" altLang="ko-KR" b="1" dirty="0" err="1" smtClean="0">
+              <a:rPr lang="en-US" altLang="ko-KR" b="1" dirty="0" err="1">
                 <a:latin typeface="나눔고딕" pitchFamily="50" charset="-127"/>
                 <a:ea typeface="나눔고딕" pitchFamily="50" charset="-127"/>
               </a:rPr>
               <a:t>homocentrism</a:t>
             </a:r>
             <a:r>
-              <a:rPr lang="en-US" altLang="ko-KR" b="1" dirty="0" smtClean="0">
+              <a:rPr lang="en-US" altLang="ko-KR" b="1" dirty="0">
                 <a:latin typeface="나눔고딕" pitchFamily="50" charset="-127"/>
                 <a:ea typeface="나눔고딕" pitchFamily="50" charset="-127"/>
               </a:rPr>
               <a:t>), </a:t>
             </a:r>
             <a:r>
-              <a:rPr lang="ko-KR" altLang="en-US" b="1" dirty="0" smtClean="0">
+              <a:rPr lang="ko-KR" altLang="en-US" b="1" dirty="0">
                 <a:latin typeface="나눔고딕" pitchFamily="50" charset="-127"/>
                 <a:ea typeface="나눔고딕" pitchFamily="50" charset="-127"/>
               </a:rPr>
               <a:t>인간과 기계의 전제된 차이에</a:t>
             </a:r>
             <a:r>
-              <a:rPr lang="en-US" altLang="ko-KR" b="1" dirty="0" smtClean="0">
+              <a:rPr lang="en-US" altLang="ko-KR" b="1" dirty="0">
                 <a:latin typeface="나눔고딕" pitchFamily="50" charset="-127"/>
                 <a:ea typeface="나눔고딕" pitchFamily="50" charset="-127"/>
               </a:rPr>
               <a:t> </a:t>
             </a:r>
             <a:r>
-              <a:rPr lang="ko-KR" altLang="en-US" b="1" dirty="0" smtClean="0">
+              <a:rPr lang="ko-KR" altLang="en-US" b="1" dirty="0">
                 <a:latin typeface="나눔고딕" pitchFamily="50" charset="-127"/>
                 <a:ea typeface="나눔고딕" pitchFamily="50" charset="-127"/>
               </a:rPr>
               <a:t>대한 문제제기</a:t>
             </a:r>
-            <a:endParaRPr lang="en-US" altLang="ko-KR" b="1" dirty="0" smtClean="0">
+            <a:endParaRPr lang="en-US" altLang="ko-KR" b="1" dirty="0">
               <a:latin typeface="나눔고딕" pitchFamily="50" charset="-127"/>
               <a:ea typeface="나눔고딕" pitchFamily="50" charset="-127"/>
             </a:endParaRPr>
@@ -10832,35 +10852,35 @@
           <a:lstStyle/>
           <a:p>
             <a:r>
-              <a:rPr lang="en-US" altLang="ko-KR" dirty="0" smtClean="0">
+              <a:rPr lang="en-US" altLang="ko-KR" dirty="0">
                 <a:latin typeface="나눔고딕" pitchFamily="50" charset="-127"/>
                 <a:ea typeface="나눔고딕" pitchFamily="50" charset="-127"/>
               </a:rPr>
               <a:t>Blade Runner (</a:t>
             </a:r>
             <a:r>
-              <a:rPr lang="ko-KR" altLang="en-US" dirty="0" err="1" smtClean="0">
+              <a:rPr lang="ko-KR" altLang="en-US" dirty="0" err="1">
                 <a:latin typeface="나눔고딕" pitchFamily="50" charset="-127"/>
                 <a:ea typeface="나눔고딕" pitchFamily="50" charset="-127"/>
               </a:rPr>
               <a:t>리들리</a:t>
             </a:r>
             <a:r>
-              <a:rPr lang="ko-KR" altLang="en-US" dirty="0" smtClean="0">
+              <a:rPr lang="ko-KR" altLang="en-US" dirty="0">
                 <a:latin typeface="나눔고딕" pitchFamily="50" charset="-127"/>
                 <a:ea typeface="나눔고딕" pitchFamily="50" charset="-127"/>
               </a:rPr>
               <a:t> </a:t>
             </a:r>
             <a:r>
-              <a:rPr lang="ko-KR" altLang="en-US" dirty="0" err="1" smtClean="0">
+              <a:rPr lang="ko-KR" altLang="en-US" dirty="0" err="1">
                 <a:latin typeface="나눔고딕" pitchFamily="50" charset="-127"/>
                 <a:ea typeface="나눔고딕" pitchFamily="50" charset="-127"/>
               </a:rPr>
               <a:t>스콧</a:t>
             </a:r>
             <a:r>
-              <a:rPr lang="en-US" altLang="ko-KR" dirty="0" smtClean="0">
+              <a:rPr lang="en-US" altLang="ko-KR" dirty="0">
                 <a:latin typeface="나눔고딕" pitchFamily="50" charset="-127"/>
                 <a:ea typeface="나눔고딕" pitchFamily="50" charset="-127"/>
               </a:rPr>
@@ -10870,6 +10890,46 @@
               <a:latin typeface="나눔고딕" pitchFamily="50" charset="-127"/>
               <a:ea typeface="나눔고딕" pitchFamily="50" charset="-127"/>
             </a:endParaRPr>
+          </a:p>
+        </p:txBody>
+      </p:sp>
+      <p:sp>
+        <p:nvSpPr>
+          <p:cNvPr id="4" name="TextBox 3">
+            <a:extLst>
+              <a:ext uri="{FF2B5EF4-FFF2-40B4-BE49-F238E27FC236}">
+                <a16:creationId xmlns:a16="http://schemas.microsoft.com/office/drawing/2014/main" id="{6D2214D9-ECAC-422E-93E2-66DE405EA590}"/>
+              </a:ext>
+            </a:extLst>
+          </p:cNvPr>
+          <p:cNvSpPr txBox="1"/>
+          <p:nvPr/>
+        </p:nvSpPr>
+        <p:spPr>
+          <a:xfrm>
+            <a:off x="6456040" y="6093296"/>
+            <a:ext cx="2376264" cy="369332"/>
+          </a:xfrm>
+          <a:prstGeom prst="rect">
+            <a:avLst/>
+          </a:prstGeom>
+          <a:noFill/>
+        </p:spPr>
+        <p:txBody>
+          <a:bodyPr wrap="square" rtlCol="0">
+            <a:spAutoFit/>
+          </a:bodyPr>
+          <a:lstStyle/>
+          <a:p>
+            <a:r>
+              <a:rPr lang="ko-KR" altLang="en-US" dirty="0"/>
+              <a:t>인간이 더 우월한가</a:t>
+            </a:r>
+            <a:r>
+              <a:rPr lang="en-US" altLang="ko-KR" dirty="0"/>
+              <a:t>?</a:t>
+            </a:r>
+            <a:endParaRPr lang="ko-KR" altLang="en-US" dirty="0"/>
           </a:p>
         </p:txBody>
       </p:sp>
@@ -10878,13 +10938,6 @@
   <p:clrMapOvr>
     <a:masterClrMapping/>
   </p:clrMapOvr>
-  <p:timing>
-    <p:tnLst>
-      <p:par>
-        <p:cTn id="1" dur="indefinite" restart="never" nodeType="tmRoot"/>
-      </p:par>
-    </p:tnLst>
-  </p:timing>
 </p:sld>
 </file>
 

--- a/윤리와철학/수업 ppt/인간 동물 기계 %284%29 - 인간과 인공지능의 차이는 무엇인가. 창의성과 자기의식.pptx
+++ b/윤리와철학/수업 ppt/인간 동물 기계 %284%29 - 인간과 인공지능의 차이는 무엇인가. 창의성과 자기의식.pptx
@@ -756,7 +756,7 @@
             <a:fld id="{EF15FFD7-0F08-459D-B857-A2DD076EAF6C}" type="datetimeFigureOut">
               <a:rPr lang="ko-KR" altLang="en-US" smtClean="0"/>
               <a:pPr/>
-              <a:t>2018-05-25</a:t>
+              <a:t>2018-06-01</a:t>
             </a:fld>
             <a:endParaRPr lang="ko-KR" altLang="en-US"/>
           </a:p>
@@ -948,7 +948,7 @@
             <a:fld id="{EF15FFD7-0F08-459D-B857-A2DD076EAF6C}" type="datetimeFigureOut">
               <a:rPr lang="ko-KR" altLang="en-US" smtClean="0"/>
               <a:pPr/>
-              <a:t>2018-05-25</a:t>
+              <a:t>2018-06-01</a:t>
             </a:fld>
             <a:endParaRPr lang="ko-KR" altLang="en-US"/>
           </a:p>
@@ -1125,7 +1125,7 @@
             <a:fld id="{EF15FFD7-0F08-459D-B857-A2DD076EAF6C}" type="datetimeFigureOut">
               <a:rPr lang="ko-KR" altLang="en-US" smtClean="0"/>
               <a:pPr/>
-              <a:t>2018-05-25</a:t>
+              <a:t>2018-06-01</a:t>
             </a:fld>
             <a:endParaRPr lang="ko-KR" altLang="en-US"/>
           </a:p>
@@ -1269,7 +1269,7 @@
             <a:fld id="{EF15FFD7-0F08-459D-B857-A2DD076EAF6C}" type="datetimeFigureOut">
               <a:rPr lang="ko-KR" altLang="en-US" smtClean="0"/>
               <a:pPr/>
-              <a:t>2018-05-25</a:t>
+              <a:t>2018-06-01</a:t>
             </a:fld>
             <a:endParaRPr lang="ko-KR" altLang="en-US"/>
           </a:p>
@@ -1518,7 +1518,7 @@
             <a:fld id="{EF15FFD7-0F08-459D-B857-A2DD076EAF6C}" type="datetimeFigureOut">
               <a:rPr lang="ko-KR" altLang="en-US" smtClean="0"/>
               <a:pPr/>
-              <a:t>2018-05-25</a:t>
+              <a:t>2018-06-01</a:t>
             </a:fld>
             <a:endParaRPr lang="ko-KR" altLang="en-US"/>
           </a:p>
@@ -1919,7 +1919,7 @@
             <a:fld id="{EF15FFD7-0F08-459D-B857-A2DD076EAF6C}" type="datetimeFigureOut">
               <a:rPr lang="ko-KR" altLang="en-US" smtClean="0"/>
               <a:pPr/>
-              <a:t>2018-05-25</a:t>
+              <a:t>2018-06-01</a:t>
             </a:fld>
             <a:endParaRPr lang="ko-KR" altLang="en-US"/>
           </a:p>
@@ -2359,7 +2359,7 @@
             <a:fld id="{EF15FFD7-0F08-459D-B857-A2DD076EAF6C}" type="datetimeFigureOut">
               <a:rPr lang="ko-KR" altLang="en-US" smtClean="0"/>
               <a:pPr/>
-              <a:t>2018-05-25</a:t>
+              <a:t>2018-06-01</a:t>
             </a:fld>
             <a:endParaRPr lang="ko-KR" altLang="en-US"/>
           </a:p>
@@ -2456,7 +2456,7 @@
             <a:fld id="{EF15FFD7-0F08-459D-B857-A2DD076EAF6C}" type="datetimeFigureOut">
               <a:rPr lang="ko-KR" altLang="en-US" smtClean="0"/>
               <a:pPr/>
-              <a:t>2018-05-25</a:t>
+              <a:t>2018-06-01</a:t>
             </a:fld>
             <a:endParaRPr lang="ko-KR" altLang="en-US"/>
           </a:p>
@@ -2571,7 +2571,7 @@
             <a:fld id="{EF15FFD7-0F08-459D-B857-A2DD076EAF6C}" type="datetimeFigureOut">
               <a:rPr lang="ko-KR" altLang="en-US" smtClean="0"/>
               <a:pPr/>
-              <a:t>2018-05-25</a:t>
+              <a:t>2018-06-01</a:t>
             </a:fld>
             <a:endParaRPr lang="ko-KR" altLang="en-US"/>
           </a:p>
@@ -2841,7 +2841,7 @@
             <a:fld id="{EF15FFD7-0F08-459D-B857-A2DD076EAF6C}" type="datetimeFigureOut">
               <a:rPr lang="ko-KR" altLang="en-US" smtClean="0"/>
               <a:pPr/>
-              <a:t>2018-05-25</a:t>
+              <a:t>2018-06-01</a:t>
             </a:fld>
             <a:endParaRPr lang="ko-KR" altLang="en-US"/>
           </a:p>
@@ -3044,7 +3044,7 @@
             <a:fld id="{EF15FFD7-0F08-459D-B857-A2DD076EAF6C}" type="datetimeFigureOut">
               <a:rPr lang="ko-KR" altLang="en-US" smtClean="0"/>
               <a:pPr/>
-              <a:t>2018-05-25</a:t>
+              <a:t>2018-06-01</a:t>
             </a:fld>
             <a:endParaRPr lang="ko-KR" altLang="en-US"/>
           </a:p>
@@ -4135,7 +4135,7 @@
             <a:fld id="{EF15FFD7-0F08-459D-B857-A2DD076EAF6C}" type="datetimeFigureOut">
               <a:rPr lang="ko-KR" altLang="en-US" smtClean="0"/>
               <a:pPr/>
-              <a:t>2018-05-25</a:t>
+              <a:t>2018-06-01</a:t>
             </a:fld>
             <a:endParaRPr lang="ko-KR" altLang="en-US"/>
           </a:p>
@@ -5184,6 +5184,112 @@
           </a:p>
         </p:txBody>
       </p:sp>
+      <p:sp>
+        <p:nvSpPr>
+          <p:cNvPr id="4" name="TextBox 3">
+            <a:extLst>
+              <a:ext uri="{FF2B5EF4-FFF2-40B4-BE49-F238E27FC236}">
+                <a16:creationId xmlns:a16="http://schemas.microsoft.com/office/drawing/2014/main" id="{1DCFA1E4-DDC2-4403-AE9C-E81004E35463}"/>
+              </a:ext>
+            </a:extLst>
+          </p:cNvPr>
+          <p:cNvSpPr txBox="1"/>
+          <p:nvPr/>
+        </p:nvSpPr>
+        <p:spPr>
+          <a:xfrm>
+            <a:off x="6960096" y="5877272"/>
+            <a:ext cx="3528392" cy="646331"/>
+          </a:xfrm>
+          <a:prstGeom prst="rect">
+            <a:avLst/>
+          </a:prstGeom>
+          <a:noFill/>
+        </p:spPr>
+        <p:txBody>
+          <a:bodyPr wrap="square" rtlCol="0">
+            <a:spAutoFit/>
+          </a:bodyPr>
+          <a:lstStyle/>
+          <a:p>
+            <a:r>
+              <a:rPr lang="ko-KR" altLang="en-US" dirty="0"/>
+              <a:t>목적 설정</a:t>
+            </a:r>
+            <a:endParaRPr lang="en-US" altLang="ko-KR" dirty="0"/>
+          </a:p>
+          <a:p>
+            <a:r>
+              <a:rPr lang="ko-KR" altLang="en-US" dirty="0"/>
+              <a:t>기계가 자의식을 가진다면</a:t>
+            </a:r>
+            <a:r>
+              <a:rPr lang="en-US" altLang="ko-KR" dirty="0"/>
+              <a:t>?</a:t>
+            </a:r>
+            <a:endParaRPr lang="ko-KR" altLang="en-US" dirty="0"/>
+          </a:p>
+        </p:txBody>
+      </p:sp>
+      <p:sp>
+        <p:nvSpPr>
+          <p:cNvPr id="5" name="TextBox 4">
+            <a:extLst>
+              <a:ext uri="{FF2B5EF4-FFF2-40B4-BE49-F238E27FC236}">
+                <a16:creationId xmlns:a16="http://schemas.microsoft.com/office/drawing/2014/main" id="{FDD57FAC-0CD0-427C-8F29-CADAE5A61795}"/>
+              </a:ext>
+            </a:extLst>
+          </p:cNvPr>
+          <p:cNvSpPr txBox="1"/>
+          <p:nvPr/>
+        </p:nvSpPr>
+        <p:spPr>
+          <a:xfrm>
+            <a:off x="9192344" y="766445"/>
+            <a:ext cx="2664296" cy="1477328"/>
+          </a:xfrm>
+          <a:prstGeom prst="rect">
+            <a:avLst/>
+          </a:prstGeom>
+          <a:noFill/>
+        </p:spPr>
+        <p:txBody>
+          <a:bodyPr wrap="square" rtlCol="0">
+            <a:spAutoFit/>
+          </a:bodyPr>
+          <a:lstStyle/>
+          <a:p>
+            <a:r>
+              <a:rPr lang="ko-KR" altLang="en-US" dirty="0"/>
+              <a:t>기계가 슬픈 이유</a:t>
+            </a:r>
+            <a:endParaRPr lang="en-US" altLang="ko-KR" dirty="0"/>
+          </a:p>
+          <a:p>
+            <a:r>
+              <a:rPr lang="ko-KR" altLang="en-US" dirty="0"/>
+              <a:t>가치가 떨어지는 존재</a:t>
+            </a:r>
+            <a:endParaRPr lang="en-US" altLang="ko-KR" dirty="0"/>
+          </a:p>
+          <a:p>
+            <a:endParaRPr lang="en-US" altLang="ko-KR" dirty="0"/>
+          </a:p>
+          <a:p>
+            <a:r>
+              <a:rPr lang="ko-KR" altLang="en-US" dirty="0"/>
+              <a:t>인간이 더 좋은 존재</a:t>
+            </a:r>
+            <a:r>
+              <a:rPr lang="en-US" altLang="ko-KR" dirty="0"/>
+              <a:t>?</a:t>
+            </a:r>
+          </a:p>
+          <a:p>
+            <a:endParaRPr lang="ko-KR" altLang="en-US" dirty="0"/>
+          </a:p>
+        </p:txBody>
+      </p:sp>
     </p:spTree>
   </p:cSld>
   <p:clrMapOvr>
@@ -6556,6 +6662,114 @@
           </a:p>
         </p:txBody>
       </p:sp>
+      <p:sp>
+        <p:nvSpPr>
+          <p:cNvPr id="4" name="TextBox 3">
+            <a:extLst>
+              <a:ext uri="{FF2B5EF4-FFF2-40B4-BE49-F238E27FC236}">
+                <a16:creationId xmlns:a16="http://schemas.microsoft.com/office/drawing/2014/main" id="{4E8FC9E1-ADB0-48B9-A680-3631A88897E1}"/>
+              </a:ext>
+            </a:extLst>
+          </p:cNvPr>
+          <p:cNvSpPr txBox="1"/>
+          <p:nvPr/>
+        </p:nvSpPr>
+        <p:spPr>
+          <a:xfrm>
+            <a:off x="6384032" y="404664"/>
+            <a:ext cx="2448272" cy="646331"/>
+          </a:xfrm>
+          <a:prstGeom prst="rect">
+            <a:avLst/>
+          </a:prstGeom>
+          <a:noFill/>
+        </p:spPr>
+        <p:txBody>
+          <a:bodyPr wrap="square" rtlCol="0">
+            <a:spAutoFit/>
+          </a:bodyPr>
+          <a:lstStyle/>
+          <a:p>
+            <a:r>
+              <a:rPr lang="ko-KR" altLang="en-US" dirty="0"/>
+              <a:t>반성 </a:t>
+            </a:r>
+            <a:endParaRPr lang="en-US" altLang="ko-KR" dirty="0"/>
+          </a:p>
+          <a:p>
+            <a:r>
+              <a:rPr lang="ko-KR" altLang="en-US" dirty="0"/>
+              <a:t>자신을 되돌아봄</a:t>
+            </a:r>
+            <a:r>
+              <a:rPr lang="en-US" altLang="ko-KR" dirty="0"/>
+              <a:t>(</a:t>
+            </a:r>
+            <a:r>
+              <a:rPr lang="ko-KR" altLang="en-US" dirty="0"/>
+              <a:t>성찰</a:t>
+            </a:r>
+            <a:r>
+              <a:rPr lang="en-US" altLang="ko-KR" dirty="0"/>
+              <a:t>)</a:t>
+            </a:r>
+            <a:endParaRPr lang="ko-KR" altLang="en-US" dirty="0"/>
+          </a:p>
+        </p:txBody>
+      </p:sp>
+      <p:sp>
+        <p:nvSpPr>
+          <p:cNvPr id="5" name="TextBox 4">
+            <a:extLst>
+              <a:ext uri="{FF2B5EF4-FFF2-40B4-BE49-F238E27FC236}">
+                <a16:creationId xmlns:a16="http://schemas.microsoft.com/office/drawing/2014/main" id="{0F8B56E6-F0AB-4788-834E-5AB295C714E9}"/>
+              </a:ext>
+            </a:extLst>
+          </p:cNvPr>
+          <p:cNvSpPr txBox="1"/>
+          <p:nvPr/>
+        </p:nvSpPr>
+        <p:spPr>
+          <a:xfrm>
+            <a:off x="6744072" y="5733256"/>
+            <a:ext cx="2952328" cy="923330"/>
+          </a:xfrm>
+          <a:prstGeom prst="rect">
+            <a:avLst/>
+          </a:prstGeom>
+          <a:noFill/>
+        </p:spPr>
+        <p:txBody>
+          <a:bodyPr wrap="square" rtlCol="0">
+            <a:spAutoFit/>
+          </a:bodyPr>
+          <a:lstStyle/>
+          <a:p>
+            <a:r>
+              <a:rPr lang="ko-KR" altLang="en-US" dirty="0"/>
+              <a:t>동물은 나라는 걸 알까</a:t>
+            </a:r>
+            <a:r>
+              <a:rPr lang="en-US" altLang="ko-KR" dirty="0"/>
+              <a:t>?</a:t>
+            </a:r>
+          </a:p>
+          <a:p>
+            <a:endParaRPr lang="en-US" altLang="ko-KR" dirty="0"/>
+          </a:p>
+          <a:p>
+            <a:r>
+              <a:rPr lang="ko-KR" altLang="en-US" dirty="0"/>
+              <a:t>내가 동물이야</a:t>
+            </a:r>
+            <a:r>
+              <a:rPr lang="en-US" altLang="ko-KR" dirty="0"/>
+              <a:t>?</a:t>
+            </a:r>
+            <a:endParaRPr lang="ko-KR" altLang="en-US" dirty="0"/>
+          </a:p>
+        </p:txBody>
+      </p:sp>
     </p:spTree>
   </p:cSld>
   <p:clrMapOvr>
@@ -7198,6 +7412,94 @@
               <a:latin typeface="나눔고딕" pitchFamily="50" charset="-127"/>
               <a:ea typeface="나눔고딕" pitchFamily="50" charset="-127"/>
             </a:endParaRPr>
+          </a:p>
+        </p:txBody>
+      </p:sp>
+      <p:sp>
+        <p:nvSpPr>
+          <p:cNvPr id="4" name="TextBox 3">
+            <a:extLst>
+              <a:ext uri="{FF2B5EF4-FFF2-40B4-BE49-F238E27FC236}">
+                <a16:creationId xmlns:a16="http://schemas.microsoft.com/office/drawing/2014/main" id="{7DCFC3E3-5FC2-46AC-AC3C-9467A289E101}"/>
+              </a:ext>
+            </a:extLst>
+          </p:cNvPr>
+          <p:cNvSpPr txBox="1"/>
+          <p:nvPr/>
+        </p:nvSpPr>
+        <p:spPr>
+          <a:xfrm>
+            <a:off x="8328248" y="4686047"/>
+            <a:ext cx="2592288" cy="646331"/>
+          </a:xfrm>
+          <a:prstGeom prst="rect">
+            <a:avLst/>
+          </a:prstGeom>
+          <a:noFill/>
+        </p:spPr>
+        <p:txBody>
+          <a:bodyPr wrap="square" rtlCol="0">
+            <a:spAutoFit/>
+          </a:bodyPr>
+          <a:lstStyle/>
+          <a:p>
+            <a:r>
+              <a:rPr lang="ko-KR" altLang="en-US" dirty="0"/>
+              <a:t>인간이 아닌 자신을 존재를 규명할 수 없다</a:t>
+            </a:r>
+            <a:r>
+              <a:rPr lang="en-US" altLang="ko-KR" dirty="0"/>
+              <a:t>.</a:t>
+            </a:r>
+            <a:endParaRPr lang="ko-KR" altLang="en-US" dirty="0"/>
+          </a:p>
+        </p:txBody>
+      </p:sp>
+      <p:sp>
+        <p:nvSpPr>
+          <p:cNvPr id="5" name="TextBox 4">
+            <a:extLst>
+              <a:ext uri="{FF2B5EF4-FFF2-40B4-BE49-F238E27FC236}">
+                <a16:creationId xmlns:a16="http://schemas.microsoft.com/office/drawing/2014/main" id="{07EB1670-EA26-45EC-86F4-4BA3C45261EC}"/>
+              </a:ext>
+            </a:extLst>
+          </p:cNvPr>
+          <p:cNvSpPr txBox="1"/>
+          <p:nvPr/>
+        </p:nvSpPr>
+        <p:spPr>
+          <a:xfrm>
+            <a:off x="7608168" y="6007292"/>
+            <a:ext cx="1800200" cy="923330"/>
+          </a:xfrm>
+          <a:prstGeom prst="rect">
+            <a:avLst/>
+          </a:prstGeom>
+          <a:noFill/>
+        </p:spPr>
+        <p:txBody>
+          <a:bodyPr wrap="square" rtlCol="0">
+            <a:spAutoFit/>
+          </a:bodyPr>
+          <a:lstStyle/>
+          <a:p>
+            <a:r>
+              <a:rPr lang="ko-KR" altLang="en-US" dirty="0"/>
+              <a:t>의식을 방향을 자기자신으로 </a:t>
+            </a:r>
+            <a:r>
+              <a:rPr lang="ko-KR" altLang="en-US" dirty="0" err="1"/>
+              <a:t>할수</a:t>
+            </a:r>
+            <a:r>
+              <a:rPr lang="ko-KR" altLang="en-US" dirty="0"/>
+              <a:t> 있다</a:t>
+            </a:r>
+            <a:r>
+              <a:rPr lang="en-US" altLang="ko-KR" dirty="0"/>
+              <a:t>.</a:t>
+            </a:r>
+            <a:endParaRPr lang="ko-KR" altLang="en-US" dirty="0"/>
           </a:p>
         </p:txBody>
       </p:sp>
@@ -7609,6 +7911,152 @@
           </a:p>
         </p:txBody>
       </p:sp>
+      <p:cxnSp>
+        <p:nvCxnSpPr>
+          <p:cNvPr id="5" name="직선 화살표 연결선 4">
+            <a:extLst>
+              <a:ext uri="{FF2B5EF4-FFF2-40B4-BE49-F238E27FC236}">
+                <a16:creationId xmlns:a16="http://schemas.microsoft.com/office/drawing/2014/main" id="{67C28ADB-9BE7-4E31-8C79-7B46D23C5363}"/>
+              </a:ext>
+            </a:extLst>
+          </p:cNvPr>
+          <p:cNvCxnSpPr/>
+          <p:nvPr/>
+        </p:nvCxnSpPr>
+        <p:spPr>
+          <a:xfrm flipH="1" flipV="1">
+            <a:off x="6384032" y="3140968"/>
+            <a:ext cx="360040" cy="792088"/>
+          </a:xfrm>
+          <a:prstGeom prst="straightConnector1">
+            <a:avLst/>
+          </a:prstGeom>
+          <a:ln>
+            <a:tailEnd type="triangle"/>
+          </a:ln>
+        </p:spPr>
+        <p:style>
+          <a:lnRef idx="1">
+            <a:schemeClr val="accent1"/>
+          </a:lnRef>
+          <a:fillRef idx="0">
+            <a:schemeClr val="accent1"/>
+          </a:fillRef>
+          <a:effectRef idx="0">
+            <a:schemeClr val="accent1"/>
+          </a:effectRef>
+          <a:fontRef idx="minor">
+            <a:schemeClr val="tx1"/>
+          </a:fontRef>
+        </p:style>
+      </p:cxnSp>
+      <p:sp>
+        <p:nvSpPr>
+          <p:cNvPr id="6" name="TextBox 5">
+            <a:extLst>
+              <a:ext uri="{FF2B5EF4-FFF2-40B4-BE49-F238E27FC236}">
+                <a16:creationId xmlns:a16="http://schemas.microsoft.com/office/drawing/2014/main" id="{44C5005A-D258-449E-B7A1-33C5202FA514}"/>
+              </a:ext>
+            </a:extLst>
+          </p:cNvPr>
+          <p:cNvSpPr txBox="1"/>
+          <p:nvPr/>
+        </p:nvSpPr>
+        <p:spPr>
+          <a:xfrm>
+            <a:off x="7104112" y="3789040"/>
+            <a:ext cx="2160240" cy="646331"/>
+          </a:xfrm>
+          <a:prstGeom prst="rect">
+            <a:avLst/>
+          </a:prstGeom>
+          <a:noFill/>
+        </p:spPr>
+        <p:txBody>
+          <a:bodyPr wrap="square" rtlCol="0">
+            <a:spAutoFit/>
+          </a:bodyPr>
+          <a:lstStyle/>
+          <a:p>
+            <a:r>
+              <a:rPr lang="ko-KR" altLang="en-US"/>
+              <a:t>자신의 한계를 깨닫고 이를 넘어섬</a:t>
+            </a:r>
+          </a:p>
+        </p:txBody>
+      </p:sp>
+      <p:cxnSp>
+        <p:nvCxnSpPr>
+          <p:cNvPr id="8" name="직선 연결선 7">
+            <a:extLst>
+              <a:ext uri="{FF2B5EF4-FFF2-40B4-BE49-F238E27FC236}">
+                <a16:creationId xmlns:a16="http://schemas.microsoft.com/office/drawing/2014/main" id="{F8D06314-F7BA-48E8-9FA3-7EC8ED999E1B}"/>
+              </a:ext>
+            </a:extLst>
+          </p:cNvPr>
+          <p:cNvCxnSpPr/>
+          <p:nvPr/>
+        </p:nvCxnSpPr>
+        <p:spPr>
+          <a:xfrm>
+            <a:off x="3071664" y="2492896"/>
+            <a:ext cx="648072" cy="0"/>
+          </a:xfrm>
+          <a:prstGeom prst="line">
+            <a:avLst/>
+          </a:prstGeom>
+        </p:spPr>
+        <p:style>
+          <a:lnRef idx="1">
+            <a:schemeClr val="accent1"/>
+          </a:lnRef>
+          <a:fillRef idx="0">
+            <a:schemeClr val="accent1"/>
+          </a:fillRef>
+          <a:effectRef idx="0">
+            <a:schemeClr val="accent1"/>
+          </a:effectRef>
+          <a:fontRef idx="minor">
+            <a:schemeClr val="tx1"/>
+          </a:fontRef>
+        </p:style>
+      </p:cxnSp>
+      <p:cxnSp>
+        <p:nvCxnSpPr>
+          <p:cNvPr id="10" name="직선 연결선 9">
+            <a:extLst>
+              <a:ext uri="{FF2B5EF4-FFF2-40B4-BE49-F238E27FC236}">
+                <a16:creationId xmlns:a16="http://schemas.microsoft.com/office/drawing/2014/main" id="{5BF79295-077B-4A14-9250-11ECED0C16CB}"/>
+              </a:ext>
+            </a:extLst>
+          </p:cNvPr>
+          <p:cNvCxnSpPr/>
+          <p:nvPr/>
+        </p:nvCxnSpPr>
+        <p:spPr>
+          <a:xfrm>
+            <a:off x="7464152" y="2564904"/>
+            <a:ext cx="576064" cy="0"/>
+          </a:xfrm>
+          <a:prstGeom prst="line">
+            <a:avLst/>
+          </a:prstGeom>
+        </p:spPr>
+        <p:style>
+          <a:lnRef idx="1">
+            <a:schemeClr val="accent1"/>
+          </a:lnRef>
+          <a:fillRef idx="0">
+            <a:schemeClr val="accent1"/>
+          </a:fillRef>
+          <a:effectRef idx="0">
+            <a:schemeClr val="accent1"/>
+          </a:effectRef>
+          <a:fontRef idx="minor">
+            <a:schemeClr val="tx1"/>
+          </a:fontRef>
+        </p:style>
+      </p:cxnSp>
     </p:spTree>
   </p:cSld>
   <p:clrMapOvr>
